--- a/汇报/第四、五周工作汇报.pptx
+++ b/汇报/第四、五周工作汇报.pptx
@@ -5,25 +5,35 @@
     <p:sldMasterId id="2147483648" r:id="rId1"/>
   </p:sldMasterIdLst>
   <p:sldIdLst>
-    <p:sldId id="269" r:id="rId3"/>
-    <p:sldId id="258" r:id="rId4"/>
-    <p:sldId id="266" r:id="rId5"/>
-    <p:sldId id="267" r:id="rId6"/>
-    <p:sldId id="268" r:id="rId7"/>
-    <p:sldId id="271" r:id="rId8"/>
-    <p:sldId id="270" r:id="rId9"/>
-    <p:sldId id="272" r:id="rId10"/>
-    <p:sldId id="273" r:id="rId11"/>
-    <p:sldId id="274" r:id="rId12"/>
-    <p:sldId id="276" r:id="rId13"/>
-    <p:sldId id="275" r:id="rId14"/>
-    <p:sldId id="277" r:id="rId15"/>
-    <p:sldId id="282" r:id="rId16"/>
-    <p:sldId id="283" r:id="rId17"/>
-    <p:sldId id="284" r:id="rId18"/>
-    <p:sldId id="285" r:id="rId19"/>
-    <p:sldId id="286" r:id="rId20"/>
-    <p:sldId id="287" r:id="rId21"/>
+    <p:sldId id="288" r:id="rId3"/>
+    <p:sldId id="289" r:id="rId4"/>
+    <p:sldId id="290" r:id="rId5"/>
+    <p:sldId id="269" r:id="rId6"/>
+    <p:sldId id="258" r:id="rId7"/>
+    <p:sldId id="266" r:id="rId8"/>
+    <p:sldId id="267" r:id="rId9"/>
+    <p:sldId id="268" r:id="rId10"/>
+    <p:sldId id="291" r:id="rId11"/>
+    <p:sldId id="292" r:id="rId12"/>
+    <p:sldId id="293" r:id="rId13"/>
+    <p:sldId id="296" r:id="rId14"/>
+    <p:sldId id="294" r:id="rId15"/>
+    <p:sldId id="295" r:id="rId16"/>
+    <p:sldId id="297" r:id="rId17"/>
+    <p:sldId id="271" r:id="rId18"/>
+    <p:sldId id="270" r:id="rId19"/>
+    <p:sldId id="272" r:id="rId20"/>
+    <p:sldId id="273" r:id="rId21"/>
+    <p:sldId id="274" r:id="rId22"/>
+    <p:sldId id="276" r:id="rId23"/>
+    <p:sldId id="275" r:id="rId24"/>
+    <p:sldId id="277" r:id="rId25"/>
+    <p:sldId id="282" r:id="rId26"/>
+    <p:sldId id="283" r:id="rId27"/>
+    <p:sldId id="284" r:id="rId28"/>
+    <p:sldId id="285" r:id="rId29"/>
+    <p:sldId id="286" r:id="rId30"/>
+    <p:sldId id="287" r:id="rId31"/>
   </p:sldIdLst>
   <p:sldSz cx="12192000" cy="6858000"/>
   <p:notesSz cx="6858000" cy="9144000"/>
@@ -5870,123 +5880,44 @@
             <a:spLocks noGrp="1"/>
           </p:cNvSpPr>
           <p:nvPr>
-            <p:ph type="title"/>
+            <p:ph type="ctrTitle"/>
           </p:nvPr>
         </p:nvSpPr>
         <p:spPr/>
         <p:txBody>
-          <a:bodyPr/>
+          <a:bodyPr>
+            <a:noAutofit/>
+          </a:bodyPr>
           <a:lstStyle/>
           <a:p>
             <a:r>
-              <a:rPr kumimoji="1" lang="zh-CN" altLang="en-US" dirty="0" smtClean="0"/>
-              <a:t>样例二测试</a:t>
-            </a:r>
-            <a:endParaRPr kumimoji="1" lang="zh-CN" altLang="en-US" dirty="0" smtClean="0"/>
-          </a:p>
-        </p:txBody>
-      </p:sp>
-      <p:sp>
-        <p:nvSpPr>
-          <p:cNvPr id="3" name="内容占位符 2"/>
+              <a:rPr kumimoji="1" lang="zh-CN" altLang="en-US" sz="7200"/>
+              <a:t>第四、五周工作汇报</a:t>
+            </a:r>
+            <a:endParaRPr kumimoji="1" lang="zh-CN" altLang="en-US" sz="7200"/>
+          </a:p>
+        </p:txBody>
+      </p:sp>
+      <p:sp>
+        <p:nvSpPr>
+          <p:cNvPr id="3" name="副标题 2"/>
           <p:cNvSpPr>
             <a:spLocks noGrp="1"/>
           </p:cNvSpPr>
           <p:nvPr>
-            <p:ph idx="1"/>
+            <p:ph type="subTitle" idx="1"/>
           </p:nvPr>
         </p:nvSpPr>
-        <p:spPr>
-          <a:xfrm>
-            <a:off x="1122045" y="1826895"/>
-            <a:ext cx="9714865" cy="4351655"/>
-          </a:xfrm>
-        </p:spPr>
+        <p:spPr/>
         <p:txBody>
           <a:bodyPr/>
           <a:lstStyle/>
           <a:p>
             <a:r>
-              <a:rPr kumimoji="1" lang="zh-CN" altLang="en-US" dirty="0"/>
-              <a:t>样例侧重点</a:t>
-            </a:r>
-            <a:endParaRPr kumimoji="1" lang="zh-CN" altLang="en-US" dirty="0"/>
-          </a:p>
-          <a:p>
-            <a:pPr lvl="1"/>
-            <a:r>
-              <a:rPr kumimoji="1" lang="zh-CN" altLang="en-US" dirty="0"/>
-              <a:t>悬垂指针用于指针初始化（赋值），导致指针状态异常。</a:t>
-            </a:r>
-            <a:endParaRPr kumimoji="1" lang="zh-CN" altLang="en-US" dirty="0"/>
-          </a:p>
-          <a:p>
-            <a:pPr lvl="0"/>
-            <a:r>
-              <a:rPr kumimoji="1" lang="zh-CN" altLang="en-US" sz="2800" dirty="0"/>
-              <a:t>对比性样例</a:t>
-            </a:r>
-            <a:endParaRPr kumimoji="1" lang="zh-CN" altLang="en-US" sz="2800" dirty="0"/>
-          </a:p>
-          <a:p>
-            <a:pPr lvl="1"/>
-            <a:r>
-              <a:rPr kumimoji="1" lang="zh-CN" altLang="en-US" dirty="0">
-                <a:sym typeface="+mn-ea"/>
-              </a:rPr>
-              <a:t>指针由另一指针初始化后，后者被释放导致前者成为悬垂指针</a:t>
-            </a:r>
-            <a:endParaRPr kumimoji="1" lang="zh-CN" altLang="en-US" dirty="0">
-              <a:sym typeface="+mn-ea"/>
-            </a:endParaRPr>
-          </a:p>
-          <a:p>
-            <a:pPr lvl="1"/>
-            <a:r>
-              <a:rPr kumimoji="1" lang="zh-CN" altLang="en-US" sz="2400" dirty="0"/>
-              <a:t>指针由未初始化的指针初始化</a:t>
-            </a:r>
-            <a:endParaRPr kumimoji="1" lang="zh-CN" altLang="en-US" sz="2400" dirty="0"/>
-          </a:p>
-          <a:p>
-            <a:pPr lvl="0"/>
-            <a:r>
-              <a:rPr kumimoji="1" lang="zh-CN" altLang="en-US" dirty="0"/>
-              <a:t>名词解释</a:t>
-            </a:r>
-            <a:endParaRPr kumimoji="1" lang="zh-CN" altLang="en-US" dirty="0"/>
-          </a:p>
-          <a:p>
-            <a:pPr lvl="1"/>
-            <a:r>
-              <a:rPr kumimoji="1" lang="zh-CN" altLang="en-US" dirty="0"/>
-              <a:t>悬垂指针</a:t>
-            </a:r>
-            <a:endParaRPr kumimoji="1" lang="zh-CN" altLang="en-US" dirty="0"/>
-          </a:p>
-          <a:p>
-            <a:pPr lvl="2"/>
-            <a:r>
-              <a:rPr kumimoji="1" lang="zh-CN" altLang="en-US" dirty="0"/>
-              <a:t>指针所指向内容被释放后，指针指向无效内存，此时指针被称为悬垂指针。</a:t>
-            </a:r>
-            <a:endParaRPr kumimoji="1" lang="zh-CN" altLang="en-US" dirty="0"/>
-          </a:p>
-          <a:p>
-            <a:pPr lvl="2"/>
-            <a:r>
-              <a:rPr kumimoji="1" lang="zh-CN" altLang="en-US" dirty="0"/>
-              <a:t>通常出现在对象释放后指针未重设，或者对象的不当多重引用。</a:t>
-            </a:r>
-            <a:endParaRPr kumimoji="1" lang="zh-CN" altLang="en-US" dirty="0"/>
-          </a:p>
-          <a:p>
-            <a:pPr lvl="2"/>
-            <a:r>
-              <a:rPr kumimoji="1" lang="zh-CN" altLang="en-US" dirty="0"/>
-              <a:t>及时重设指针，或者合理控制指针的作用域，有助于避免悬垂指针的出现。</a:t>
-            </a:r>
-            <a:endParaRPr kumimoji="1" lang="zh-CN" altLang="en-US" dirty="0"/>
+              <a:rPr kumimoji="1" lang="en-US" altLang="en-US"/>
+              <a:t>HearthStone Team</a:t>
+            </a:r>
+            <a:endParaRPr kumimoji="1" lang="en-US" altLang="en-US"/>
           </a:p>
         </p:txBody>
       </p:sp>
@@ -5995,13 +5926,6 @@
   <p:clrMapOvr>
     <a:masterClrMapping/>
   </p:clrMapOvr>
-  <p:timing>
-    <p:tnLst>
-      <p:par>
-        <p:cTn id="1" dur="indefinite" restart="never" nodeType="tmRoot"/>
-      </p:par>
-    </p:tnLst>
-  </p:timing>
 </p:sld>
 </file>
 
@@ -6030,18 +5954,10 @@
           <a:bodyPr/>
           <a:p>
             <a:r>
-              <a:rPr lang="en-US" altLang="zh-CN">
-                <a:sym typeface="+mn-ea"/>
-              </a:rPr>
-              <a:t>Tokenize</a:t>
-            </a:r>
-            <a:r>
-              <a:rPr lang="zh-CN" altLang="en-US">
-                <a:sym typeface="+mn-ea"/>
-              </a:rPr>
-              <a:t>模块</a:t>
-            </a:r>
-            <a:endParaRPr lang="zh-CN" altLang="en-US"/>
+              <a:rPr lang="zh-CN" altLang="zh-CN"/>
+              <a:t>过程详细流程</a:t>
+            </a:r>
+            <a:endParaRPr lang="zh-CN" altLang="zh-CN"/>
           </a:p>
         </p:txBody>
       </p:sp>
@@ -6055,63 +5971,528 @@
             <p:ph idx="1"/>
           </p:nvPr>
         </p:nvSpPr>
-        <p:spPr/>
-        <p:txBody>
-          <a:bodyPr/>
-          <a:p>
+        <p:spPr>
+          <a:xfrm>
+            <a:off x="827405" y="1830070"/>
+            <a:ext cx="6339205" cy="4351655"/>
+          </a:xfrm>
+        </p:spPr>
+        <p:txBody>
+          <a:bodyPr>
+            <a:normAutofit fontScale="80000"/>
+          </a:bodyPr>
+          <a:p>
+            <a:pPr>
+              <a:lnSpc>
+                <a:spcPct val="130000"/>
+              </a:lnSpc>
+            </a:pPr>
+            <a:r>
+              <a:rPr lang="en-US" altLang="en-US"/>
+              <a:t>TokenList::createTokens</a:t>
+            </a:r>
             <a:r>
               <a:rPr lang="zh-CN" altLang="en-US"/>
-              <a:t>抽象语法树</a:t>
-            </a:r>
+              <a:t>流程</a:t>
+            </a:r>
+            <a:endParaRPr lang="zh-CN" altLang="en-US"/>
+          </a:p>
+          <a:p>
+            <a:pPr marL="0" indent="0">
+              <a:lnSpc>
+                <a:spcPct val="130000"/>
+              </a:lnSpc>
+              <a:buNone/>
+            </a:pPr>
             <a:r>
               <a:rPr lang="en-US" altLang="zh-CN"/>
-              <a:t>Ast</a:t>
+              <a:t>	</a:t>
+            </a:r>
+            <a:r>
+              <a:rPr lang="zh-CN" altLang="zh-CN"/>
+              <a:t>跳过先前程序添加的若干行</a:t>
+            </a:r>
+            <a:endParaRPr lang="zh-CN" altLang="zh-CN"/>
+          </a:p>
+          <a:p>
+            <a:pPr marL="0" indent="0">
+              <a:lnSpc>
+                <a:spcPct val="130000"/>
+              </a:lnSpc>
+              <a:buNone/>
+            </a:pPr>
+            <a:r>
+              <a:rPr lang="en-US" altLang="zh-CN"/>
+              <a:t>	</a:t>
+            </a:r>
+            <a:r>
+              <a:rPr lang="zh-CN" altLang="en-US"/>
+              <a:t>处理</a:t>
+            </a:r>
+            <a:r>
+              <a:rPr lang="en-US" altLang="en-US"/>
+              <a:t>Cppcheck</a:t>
+            </a:r>
+            <a:r>
+              <a:rPr lang="zh-CN" altLang="en-US"/>
+              <a:t>自己添加的内容如</a:t>
+            </a:r>
+            <a:r>
+              <a:rPr lang="en-US" altLang="zh-CN"/>
+              <a:t>#file,#line,#endfile</a:t>
             </a:r>
             <a:endParaRPr lang="en-US" altLang="zh-CN"/>
           </a:p>
           <a:p>
-            <a:pPr lvl="1"/>
-            <a:r>
-              <a:rPr lang="zh-CN" altLang="en-US"/>
-              <a:t>在</a:t>
-            </a:r>
+            <a:pPr marL="0" indent="0">
+              <a:lnSpc>
+                <a:spcPct val="130000"/>
+              </a:lnSpc>
+              <a:buNone/>
+            </a:pPr>
             <a:r>
               <a:rPr lang="en-US" altLang="zh-CN"/>
-              <a:t>SymbolDatabase</a:t>
-            </a:r>
-            <a:r>
-              <a:rPr lang="zh-CN" altLang="en-US"/>
-              <a:t>建立后分析，此时所有</a:t>
+              <a:t>	</a:t>
+            </a:r>
+            <a:r>
+              <a:rPr lang="zh-CN" altLang="zh-CN"/>
+              <a:t>其他可能的</a:t>
             </a:r>
             <a:r>
               <a:rPr lang="en-US" altLang="zh-CN"/>
               <a:t>token</a:t>
             </a:r>
             <a:r>
+              <a:rPr lang="zh-CN" altLang="zh-CN"/>
+              <a:t>，按特殊字符分隔后使用</a:t>
+            </a:r>
+            <a:r>
+              <a:rPr lang="en-US" altLang="zh-CN"/>
+              <a:t>addToken</a:t>
+            </a:r>
+            <a:r>
               <a:rPr lang="zh-CN" altLang="en-US"/>
-              <a:t>都已分析出含义</a:t>
+              <a:t>成员添加</a:t>
+            </a:r>
+            <a:r>
+              <a:rPr lang="en-US" altLang="zh-CN"/>
+              <a:t>token</a:t>
             </a:r>
             <a:endParaRPr lang="zh-CN" altLang="en-US"/>
           </a:p>
           <a:p>
-            <a:pPr lvl="1"/>
+            <a:pPr>
+              <a:lnSpc>
+                <a:spcPct val="130000"/>
+              </a:lnSpc>
+            </a:pPr>
+            <a:r>
+              <a:rPr lang="en-US" altLang="en-US"/>
+              <a:t>TokenList::createTokens</a:t>
+            </a:r>
             <a:r>
               <a:rPr lang="zh-CN" altLang="en-US"/>
-              <a:t>按顺序枚举</a:t>
+              <a:t>结果</a:t>
             </a:r>
             <a:r>
               <a:rPr lang="en-US" altLang="zh-CN"/>
-              <a:t>Token</a:t>
+              <a:t>(</a:t>
             </a:r>
             <a:r>
               <a:rPr lang="zh-CN" altLang="en-US"/>
-              <a:t>，按语法依赖顺序递归编译规则，按规则定义推进编译子语法，或者将已经编译的语法树设为子树</a:t>
-            </a:r>
-            <a:endParaRPr lang="zh-CN" altLang="en-US"/>
-          </a:p>
-          <a:p>
-            <a:pPr lvl="0"/>
-            <a:endParaRPr lang="en-US" altLang="zh-CN"/>
+              <a:t>按行号，空格分隔</a:t>
+            </a:r>
+            <a:r>
+              <a:rPr lang="en-US" altLang="zh-CN"/>
+              <a:t>token)</a:t>
+            </a:r>
+            <a:r>
+              <a:rPr lang="zh-CN" altLang="en-US"/>
+              <a:t>，多字符操作符均被分开</a:t>
+            </a:r>
+            <a:endParaRPr lang="en-US" altLang="en-US"/>
+          </a:p>
+        </p:txBody>
+      </p:sp>
+      <p:sp>
+        <p:nvSpPr>
+          <p:cNvPr id="4" name="内容占位符 2"/>
+          <p:cNvSpPr>
+            <a:spLocks noGrp="1"/>
+          </p:cNvSpPr>
+          <p:nvPr/>
+        </p:nvSpPr>
+        <p:spPr>
+          <a:xfrm>
+            <a:off x="7762240" y="1828800"/>
+            <a:ext cx="3801110" cy="4368165"/>
+          </a:xfrm>
+          <a:prstGeom prst="rect">
+            <a:avLst/>
+          </a:prstGeom>
+        </p:spPr>
+        <p:txBody>
+          <a:bodyPr vert="horz" lIns="91440" tIns="45720" rIns="91440" bIns="45720" rtlCol="0">
+            <a:normAutofit lnSpcReduction="10000"/>
+          </a:bodyPr>
+          <a:lstStyle>
+            <a:lvl1pPr marL="228600" indent="-228600" algn="l" defTabSz="914400" rtl="0" eaLnBrk="1" latinLnBrk="0" hangingPunct="1">
+              <a:lnSpc>
+                <a:spcPct val="90000"/>
+              </a:lnSpc>
+              <a:spcBef>
+                <a:spcPts val="1000"/>
+              </a:spcBef>
+              <a:buFont typeface="Arial" pitchFamily="34" charset="0"/>
+              <a:buChar char="•"/>
+              <a:defRPr sz="2800" kern="1200">
+                <a:gradFill>
+                  <a:gsLst>
+                    <a:gs pos="34000">
+                      <a:schemeClr val="tx1">
+                        <a:lumMod val="93000"/>
+                      </a:schemeClr>
+                    </a:gs>
+                    <a:gs pos="0">
+                      <a:schemeClr val="bg1">
+                        <a:lumMod val="25000"/>
+                        <a:lumOff val="75000"/>
+                      </a:schemeClr>
+                    </a:gs>
+                    <a:gs pos="100000">
+                      <a:schemeClr val="tx2">
+                        <a:lumMod val="0"/>
+                        <a:lumOff val="100000"/>
+                      </a:schemeClr>
+                    </a:gs>
+                  </a:gsLst>
+                  <a:lin ang="4800000" scaled="0"/>
+                </a:gradFill>
+                <a:latin typeface="+mn-lt"/>
+                <a:ea typeface="+mn-ea"/>
+                <a:cs typeface="+mn-cs"/>
+              </a:defRPr>
+            </a:lvl1pPr>
+            <a:lvl2pPr marL="685800" indent="-228600" algn="l" defTabSz="914400" rtl="0" eaLnBrk="1" latinLnBrk="0" hangingPunct="1">
+              <a:lnSpc>
+                <a:spcPct val="90000"/>
+              </a:lnSpc>
+              <a:spcBef>
+                <a:spcPts val="500"/>
+              </a:spcBef>
+              <a:buFont typeface="Arial" pitchFamily="34" charset="0"/>
+              <a:buChar char="•"/>
+              <a:defRPr sz="2400" kern="1200">
+                <a:gradFill>
+                  <a:gsLst>
+                    <a:gs pos="34000">
+                      <a:schemeClr val="tx1">
+                        <a:lumMod val="93000"/>
+                      </a:schemeClr>
+                    </a:gs>
+                    <a:gs pos="0">
+                      <a:schemeClr val="bg1">
+                        <a:lumMod val="25000"/>
+                        <a:lumOff val="75000"/>
+                      </a:schemeClr>
+                    </a:gs>
+                    <a:gs pos="100000">
+                      <a:schemeClr val="tx2">
+                        <a:lumMod val="0"/>
+                        <a:lumOff val="100000"/>
+                      </a:schemeClr>
+                    </a:gs>
+                  </a:gsLst>
+                  <a:lin ang="4800000" scaled="0"/>
+                </a:gradFill>
+                <a:latin typeface="+mn-lt"/>
+                <a:ea typeface="+mn-ea"/>
+                <a:cs typeface="+mn-cs"/>
+              </a:defRPr>
+            </a:lvl2pPr>
+            <a:lvl3pPr marL="1143000" indent="-228600" algn="l" defTabSz="914400" rtl="0" eaLnBrk="1" latinLnBrk="0" hangingPunct="1">
+              <a:lnSpc>
+                <a:spcPct val="90000"/>
+              </a:lnSpc>
+              <a:spcBef>
+                <a:spcPts val="500"/>
+              </a:spcBef>
+              <a:buFont typeface="Arial" pitchFamily="34" charset="0"/>
+              <a:buChar char="•"/>
+              <a:defRPr sz="2000" kern="1200">
+                <a:gradFill>
+                  <a:gsLst>
+                    <a:gs pos="34000">
+                      <a:schemeClr val="tx1">
+                        <a:lumMod val="93000"/>
+                      </a:schemeClr>
+                    </a:gs>
+                    <a:gs pos="0">
+                      <a:schemeClr val="bg1">
+                        <a:lumMod val="25000"/>
+                        <a:lumOff val="75000"/>
+                      </a:schemeClr>
+                    </a:gs>
+                    <a:gs pos="100000">
+                      <a:schemeClr val="tx2">
+                        <a:lumMod val="0"/>
+                        <a:lumOff val="100000"/>
+                      </a:schemeClr>
+                    </a:gs>
+                  </a:gsLst>
+                  <a:lin ang="4800000" scaled="0"/>
+                </a:gradFill>
+                <a:latin typeface="+mn-lt"/>
+                <a:ea typeface="+mn-ea"/>
+                <a:cs typeface="+mn-cs"/>
+              </a:defRPr>
+            </a:lvl3pPr>
+            <a:lvl4pPr marL="1600200" indent="-228600" algn="l" defTabSz="914400" rtl="0" eaLnBrk="1" latinLnBrk="0" hangingPunct="1">
+              <a:lnSpc>
+                <a:spcPct val="90000"/>
+              </a:lnSpc>
+              <a:spcBef>
+                <a:spcPts val="500"/>
+              </a:spcBef>
+              <a:buFont typeface="Arial" pitchFamily="34" charset="0"/>
+              <a:buChar char="•"/>
+              <a:defRPr sz="1800" kern="1200">
+                <a:gradFill>
+                  <a:gsLst>
+                    <a:gs pos="34000">
+                      <a:schemeClr val="tx1">
+                        <a:lumMod val="93000"/>
+                      </a:schemeClr>
+                    </a:gs>
+                    <a:gs pos="0">
+                      <a:schemeClr val="bg1">
+                        <a:lumMod val="25000"/>
+                        <a:lumOff val="75000"/>
+                      </a:schemeClr>
+                    </a:gs>
+                    <a:gs pos="100000">
+                      <a:schemeClr val="tx2">
+                        <a:lumMod val="0"/>
+                        <a:lumOff val="100000"/>
+                      </a:schemeClr>
+                    </a:gs>
+                  </a:gsLst>
+                  <a:lin ang="4800000" scaled="0"/>
+                </a:gradFill>
+                <a:latin typeface="+mn-lt"/>
+                <a:ea typeface="+mn-ea"/>
+                <a:cs typeface="+mn-cs"/>
+              </a:defRPr>
+            </a:lvl4pPr>
+            <a:lvl5pPr marL="2057400" indent="-228600" algn="l" defTabSz="914400" rtl="0" eaLnBrk="1" latinLnBrk="0" hangingPunct="1">
+              <a:lnSpc>
+                <a:spcPct val="90000"/>
+              </a:lnSpc>
+              <a:spcBef>
+                <a:spcPts val="500"/>
+              </a:spcBef>
+              <a:buFont typeface="Arial" pitchFamily="34" charset="0"/>
+              <a:buChar char="•"/>
+              <a:defRPr sz="1800" kern="1200">
+                <a:gradFill>
+                  <a:gsLst>
+                    <a:gs pos="34000">
+                      <a:schemeClr val="tx1">
+                        <a:lumMod val="93000"/>
+                      </a:schemeClr>
+                    </a:gs>
+                    <a:gs pos="0">
+                      <a:schemeClr val="bg1">
+                        <a:lumMod val="25000"/>
+                        <a:lumOff val="75000"/>
+                      </a:schemeClr>
+                    </a:gs>
+                    <a:gs pos="100000">
+                      <a:schemeClr val="tx2">
+                        <a:lumMod val="0"/>
+                        <a:lumOff val="100000"/>
+                      </a:schemeClr>
+                    </a:gs>
+                  </a:gsLst>
+                  <a:lin ang="4800000" scaled="0"/>
+                </a:gradFill>
+                <a:latin typeface="+mn-lt"/>
+                <a:ea typeface="+mn-ea"/>
+                <a:cs typeface="+mn-cs"/>
+              </a:defRPr>
+            </a:lvl5pPr>
+            <a:lvl6pPr marL="2514600" indent="-228600" algn="l" defTabSz="914400" rtl="0" eaLnBrk="1" latinLnBrk="0" hangingPunct="1">
+              <a:lnSpc>
+                <a:spcPct val="90000"/>
+              </a:lnSpc>
+              <a:spcBef>
+                <a:spcPts val="500"/>
+              </a:spcBef>
+              <a:buFont typeface="Arial" pitchFamily="34" charset="0"/>
+              <a:buChar char="•"/>
+              <a:defRPr sz="1800" kern="1200">
+                <a:solidFill>
+                  <a:schemeClr val="tx1"/>
+                </a:solidFill>
+                <a:latin typeface="+mn-lt"/>
+                <a:ea typeface="+mn-ea"/>
+                <a:cs typeface="+mn-cs"/>
+              </a:defRPr>
+            </a:lvl6pPr>
+            <a:lvl7pPr marL="2971800" indent="-228600" algn="l" defTabSz="914400" rtl="0" eaLnBrk="1" latinLnBrk="0" hangingPunct="1">
+              <a:lnSpc>
+                <a:spcPct val="90000"/>
+              </a:lnSpc>
+              <a:spcBef>
+                <a:spcPts val="500"/>
+              </a:spcBef>
+              <a:buFont typeface="Arial" pitchFamily="34" charset="0"/>
+              <a:buChar char="•"/>
+              <a:defRPr sz="1800" kern="1200">
+                <a:solidFill>
+                  <a:schemeClr val="tx1"/>
+                </a:solidFill>
+                <a:latin typeface="+mn-lt"/>
+                <a:ea typeface="+mn-ea"/>
+                <a:cs typeface="+mn-cs"/>
+              </a:defRPr>
+            </a:lvl7pPr>
+            <a:lvl8pPr marL="3429000" indent="-228600" algn="l" defTabSz="914400" rtl="0" eaLnBrk="1" latinLnBrk="0" hangingPunct="1">
+              <a:lnSpc>
+                <a:spcPct val="90000"/>
+              </a:lnSpc>
+              <a:spcBef>
+                <a:spcPts val="500"/>
+              </a:spcBef>
+              <a:buFont typeface="Arial" pitchFamily="34" charset="0"/>
+              <a:buChar char="•"/>
+              <a:defRPr sz="1800" kern="1200">
+                <a:solidFill>
+                  <a:schemeClr val="tx1"/>
+                </a:solidFill>
+                <a:latin typeface="+mn-lt"/>
+                <a:ea typeface="+mn-ea"/>
+                <a:cs typeface="+mn-cs"/>
+              </a:defRPr>
+            </a:lvl8pPr>
+            <a:lvl9pPr marL="3886200" indent="-228600" algn="l" defTabSz="914400" rtl="0" eaLnBrk="1" latinLnBrk="0" hangingPunct="1">
+              <a:lnSpc>
+                <a:spcPct val="90000"/>
+              </a:lnSpc>
+              <a:spcBef>
+                <a:spcPts val="500"/>
+              </a:spcBef>
+              <a:buFont typeface="Arial" pitchFamily="34" charset="0"/>
+              <a:buChar char="•"/>
+              <a:defRPr sz="1800" kern="1200">
+                <a:solidFill>
+                  <a:schemeClr val="tx1"/>
+                </a:solidFill>
+                <a:latin typeface="+mn-lt"/>
+                <a:ea typeface="+mn-ea"/>
+                <a:cs typeface="+mn-cs"/>
+              </a:defRPr>
+            </a:lvl9pPr>
+          </a:lstStyle>
+          <a:p>
+            <a:pPr marL="0" indent="0">
+              <a:buNone/>
+            </a:pPr>
+            <a:r>
+              <a:rPr lang="zh-CN" altLang="en-US" sz="2000"/>
+              <a:t>处理结果：</a:t>
+            </a:r>
+            <a:endParaRPr lang="zh-CN" altLang="en-US" sz="2000"/>
+          </a:p>
+          <a:p>
+            <a:pPr marL="0" indent="0">
+              <a:buNone/>
+            </a:pPr>
+            <a:r>
+              <a:rPr lang="en-US" altLang="en-US" sz="2000"/>
+              <a:t>class  demo  ;</a:t>
+            </a:r>
+            <a:endParaRPr lang="en-US" altLang="en-US" sz="2000"/>
+          </a:p>
+          <a:p>
+            <a:pPr marL="0" indent="0">
+              <a:buNone/>
+            </a:pPr>
+            <a:r>
+              <a:rPr lang="en-US" altLang="en-US" sz="2000"/>
+              <a:t>int  main  (  )</a:t>
+            </a:r>
+            <a:endParaRPr lang="en-US" altLang="en-US" sz="2000"/>
+          </a:p>
+          <a:p>
+            <a:pPr marL="0" indent="0">
+              <a:buNone/>
+            </a:pPr>
+            <a:r>
+              <a:rPr lang="en-US" altLang="en-US" sz="2000"/>
+              <a:t>{</a:t>
+            </a:r>
+            <a:endParaRPr lang="en-US" altLang="en-US" sz="2000"/>
+          </a:p>
+          <a:p>
+            <a:pPr marL="0" indent="0">
+              <a:buNone/>
+            </a:pPr>
+            <a:r>
+              <a:rPr lang="en-US" altLang="en-US" sz="2000"/>
+              <a:t>demo  *  p1  =  new  demo  (  )  ;</a:t>
+            </a:r>
+            <a:endParaRPr lang="en-US" altLang="en-US" sz="2000"/>
+          </a:p>
+          <a:p>
+            <a:pPr marL="0" indent="0">
+              <a:buNone/>
+            </a:pPr>
+            <a:r>
+              <a:rPr lang="en-US" altLang="en-US" sz="2000"/>
+              <a:t>delete  p1  ;</a:t>
+            </a:r>
+            <a:endParaRPr lang="en-US" altLang="en-US" sz="2000"/>
+          </a:p>
+          <a:p>
+            <a:pPr marL="0" indent="0">
+              <a:buNone/>
+            </a:pPr>
+            <a:r>
+              <a:rPr lang="en-US" altLang="en-US" sz="2000"/>
+              <a:t>demo  *  p2  =  p1  ;</a:t>
+            </a:r>
+            <a:endParaRPr lang="en-US" altLang="en-US" sz="2000"/>
+          </a:p>
+          <a:p>
+            <a:pPr marL="0" indent="0">
+              <a:buNone/>
+            </a:pPr>
+            <a:r>
+              <a:rPr lang="en-US" altLang="en-US" sz="2000"/>
+              <a:t>p1  -  &gt;  func  (  )  ;</a:t>
+            </a:r>
+            <a:endParaRPr lang="en-US" altLang="en-US" sz="2000"/>
+          </a:p>
+          <a:p>
+            <a:pPr marL="0" indent="0">
+              <a:buNone/>
+            </a:pPr>
+            <a:r>
+              <a:rPr lang="en-US" altLang="en-US" sz="2000"/>
+              <a:t>p2  -  &gt;  func  (  )  ;</a:t>
+            </a:r>
+            <a:endParaRPr lang="en-US" altLang="en-US" sz="2000"/>
+          </a:p>
+          <a:p>
+            <a:pPr marL="0" indent="0">
+              <a:buNone/>
+            </a:pPr>
+            <a:r>
+              <a:rPr lang="en-US" altLang="en-US" sz="2000"/>
+              <a:t>}</a:t>
+            </a:r>
+            <a:endParaRPr lang="en-US" altLang="en-US"/>
           </a:p>
         </p:txBody>
       </p:sp>
@@ -6148,16 +6529,10 @@
           <a:bodyPr/>
           <a:p>
             <a:r>
-              <a:rPr lang="en-US" altLang="zh-CN">
-                <a:sym typeface="+mn-ea"/>
-              </a:rPr>
-              <a:t>Tokenize</a:t>
-            </a:r>
-            <a:r>
-              <a:rPr lang="zh-CN" altLang="en-US">
-                <a:sym typeface="+mn-ea"/>
-              </a:rPr>
-              <a:t>模块</a:t>
+              <a:rPr lang="zh-CN" altLang="zh-CN">
+                <a:sym typeface="+mn-ea"/>
+              </a:rPr>
+              <a:t>过程详细流程</a:t>
             </a:r>
             <a:endParaRPr lang="zh-CN" altLang="en-US"/>
           </a:p>
@@ -6175,140 +6550,178 @@
         </p:nvSpPr>
         <p:spPr>
           <a:xfrm>
-            <a:off x="1120775" y="1825625"/>
-            <a:ext cx="3759835" cy="4061460"/>
+            <a:off x="838200" y="1691005"/>
+            <a:ext cx="10267315" cy="4351655"/>
           </a:xfrm>
         </p:spPr>
         <p:txBody>
+          <a:bodyPr>
+            <a:normAutofit/>
+          </a:bodyPr>
+          <a:p>
+            <a:r>
+              <a:rPr lang="en-US" altLang="zh-CN"/>
+              <a:t>Tokenizer::simplifyTokenList1</a:t>
+            </a:r>
+            <a:r>
+              <a:rPr lang="zh-CN" altLang="zh-CN"/>
+              <a:t>流程</a:t>
+            </a:r>
+            <a:r>
+              <a:rPr lang="en-US" altLang="zh-CN"/>
+              <a:t>(</a:t>
+            </a:r>
+            <a:r>
+              <a:rPr lang="zh-CN" altLang="zh-CN"/>
+              <a:t>简</a:t>
+            </a:r>
+            <a:r>
+              <a:rPr lang="en-US" altLang="zh-CN"/>
+              <a:t>)</a:t>
+            </a:r>
+            <a:endParaRPr lang="en-US" altLang="zh-CN"/>
+          </a:p>
+          <a:p>
+            <a:pPr marL="0" indent="0">
+              <a:buNone/>
+            </a:pPr>
+            <a:r>
+              <a:rPr lang="en-US" altLang="zh-CN"/>
+              <a:t>	Tokenizer::createLinks</a:t>
+            </a:r>
+            <a:r>
+              <a:rPr lang="zh-CN" altLang="zh-CN"/>
+              <a:t>链接前后括号</a:t>
+            </a:r>
+            <a:endParaRPr lang="zh-CN" altLang="zh-CN"/>
+          </a:p>
+          <a:p>
+            <a:pPr marL="0" indent="0">
+              <a:buNone/>
+            </a:pPr>
+            <a:r>
+              <a:rPr lang="en-US" altLang="zh-CN"/>
+              <a:t>	Tokenizer::combineOperators</a:t>
+            </a:r>
+            <a:r>
+              <a:rPr lang="zh-CN" altLang="en-US"/>
+              <a:t>连接多字符操作符</a:t>
+            </a:r>
+            <a:endParaRPr lang="zh-CN" altLang="en-US"/>
+          </a:p>
+          <a:p>
+            <a:pPr marL="0" indent="0">
+              <a:buNone/>
+            </a:pPr>
+            <a:r>
+              <a:rPr lang="en-US" altLang="zh-CN"/>
+              <a:t>		</a:t>
+            </a:r>
+            <a:r>
+              <a:rPr lang="zh-CN" altLang="en-US"/>
+              <a:t>连接</a:t>
+            </a:r>
+            <a:r>
+              <a:rPr lang="en-US" altLang="zh-CN"/>
+              <a:t>“-&gt;”</a:t>
+            </a:r>
+            <a:endParaRPr lang="en-US" altLang="zh-CN"/>
+          </a:p>
+          <a:p>
+            <a:pPr marL="0" indent="0">
+              <a:buNone/>
+            </a:pPr>
+            <a:r>
+              <a:rPr lang="en-US" altLang="zh-CN"/>
+              <a:t>	Tokenizer::simplifyVarDecl</a:t>
+            </a:r>
+            <a:r>
+              <a:rPr lang="zh-CN" altLang="en-US"/>
+              <a:t>简化并分离变量定义赋值过程</a:t>
+            </a:r>
+            <a:endParaRPr lang="zh-CN" altLang="en-US"/>
+          </a:p>
+          <a:p>
+            <a:pPr marL="0" indent="0">
+              <a:buNone/>
+            </a:pPr>
+            <a:r>
+              <a:rPr lang="en-US" altLang="zh-CN"/>
+              <a:t>	demo * p1 = new demo ( ) ;变为demo * p1 ; p1 = new demo();</a:t>
+            </a:r>
+            <a:endParaRPr lang="en-US" altLang="zh-CN"/>
+          </a:p>
+          <a:p>
+            <a:pPr marL="0" indent="0">
+              <a:buNone/>
+            </a:pPr>
+            <a:r>
+              <a:rPr lang="en-US" altLang="zh-CN"/>
+              <a:t>	demo * p2 = p1 ;变为demo * p2 ; p2 = p1 ;</a:t>
+            </a:r>
+            <a:endParaRPr lang="en-US" altLang="zh-CN"/>
+          </a:p>
+          <a:p>
+            <a:pPr marL="0" indent="0">
+              <a:buNone/>
+            </a:pPr>
+            <a:r>
+              <a:rPr lang="en-US" altLang="zh-CN"/>
+              <a:t>	Tokenizer::validate</a:t>
+            </a:r>
+            <a:r>
+              <a:rPr lang="zh-CN" altLang="zh-CN"/>
+              <a:t>检查简化规则生效后括号是否匹配</a:t>
+            </a:r>
+            <a:endParaRPr lang="zh-CN" altLang="en-US"/>
+          </a:p>
+          <a:p>
+            <a:endParaRPr lang="en-US" altLang="zh-CN"/>
+          </a:p>
+          <a:p>
+            <a:endParaRPr lang="en-US" altLang="zh-CN"/>
+          </a:p>
+        </p:txBody>
+      </p:sp>
+    </p:spTree>
+  </p:cSld>
+  <p:clrMapOvr>
+    <a:masterClrMapping/>
+  </p:clrMapOvr>
+</p:sld>
+</file>
+
+<file path=ppt/slides/slide12.xml><?xml version="1.0" encoding="utf-8"?>
+<p:sld xmlns:a="http://schemas.openxmlformats.org/drawingml/2006/main" xmlns:r="http://schemas.openxmlformats.org/officeDocument/2006/relationships" xmlns:p="http://schemas.openxmlformats.org/presentationml/2006/main">
+  <p:cSld>
+    <p:spTree>
+      <p:nvGrpSpPr>
+        <p:cNvPr id="1" name=""/>
+        <p:cNvGrpSpPr/>
+        <p:nvPr/>
+      </p:nvGrpSpPr>
+      <p:grpSpPr/>
+      <p:sp>
+        <p:nvSpPr>
+          <p:cNvPr id="2" name="标题 1"/>
+          <p:cNvSpPr>
+            <a:spLocks noGrp="1"/>
+          </p:cNvSpPr>
+          <p:nvPr>
+            <p:ph type="title"/>
+          </p:nvPr>
+        </p:nvSpPr>
+        <p:spPr/>
+        <p:txBody>
           <a:bodyPr/>
           <a:p>
             <a:r>
-              <a:rPr lang="zh-CN"/>
-              <a:t>样例数据</a:t>
-            </a:r>
-            <a:endParaRPr lang="zh-CN"/>
-          </a:p>
-          <a:p>
-            <a:pPr marL="457200" lvl="1" indent="0">
-              <a:buNone/>
-            </a:pPr>
-            <a:r>
-              <a:rPr kumimoji="1" lang="en-US" altLang="zh-CN" dirty="0">
-                <a:sym typeface="+mn-ea"/>
-              </a:rPr>
-              <a:t>i</a:t>
-            </a:r>
-            <a:r>
-              <a:rPr kumimoji="1" lang="zh-CN" altLang="en-US" dirty="0">
-                <a:sym typeface="+mn-ea"/>
-              </a:rPr>
-              <a:t>nt main()</a:t>
-            </a:r>
-            <a:endParaRPr kumimoji="1" lang="zh-CN" altLang="en-US" dirty="0"/>
-          </a:p>
-          <a:p>
-            <a:pPr marL="457200" lvl="1" indent="0">
-              <a:buNone/>
-            </a:pPr>
-            <a:r>
-              <a:rPr kumimoji="1" lang="zh-CN" altLang="en-US" dirty="0">
-                <a:sym typeface="+mn-ea"/>
-              </a:rPr>
-              <a:t>{</a:t>
-            </a:r>
-            <a:endParaRPr kumimoji="1" lang="zh-CN" altLang="en-US" dirty="0"/>
-          </a:p>
-          <a:p>
-            <a:pPr marL="457200" lvl="1" indent="0">
-              <a:buNone/>
-            </a:pPr>
-            <a:r>
-              <a:rPr kumimoji="1" lang="zh-CN" altLang="en-US" dirty="0">
-                <a:sym typeface="+mn-ea"/>
-              </a:rPr>
-              <a:t>    int *p1 = new int(</a:t>
-            </a:r>
-            <a:r>
-              <a:rPr kumimoji="1" lang="en-US" altLang="zh-CN" dirty="0">
-                <a:sym typeface="+mn-ea"/>
-              </a:rPr>
-              <a:t>0</a:t>
-            </a:r>
-            <a:r>
-              <a:rPr kumimoji="1" lang="zh-CN" altLang="en-US" dirty="0">
-                <a:sym typeface="+mn-ea"/>
-              </a:rPr>
-              <a:t>);</a:t>
-            </a:r>
-            <a:endParaRPr kumimoji="1" lang="zh-CN" altLang="en-US" dirty="0"/>
-          </a:p>
-          <a:p>
-            <a:pPr marL="457200" lvl="1" indent="0">
-              <a:buNone/>
-            </a:pPr>
-            <a:r>
-              <a:rPr kumimoji="1" lang="zh-CN" altLang="en-US" dirty="0">
-                <a:sym typeface="+mn-ea"/>
-              </a:rPr>
-              <a:t>    delete p1;</a:t>
-            </a:r>
-            <a:endParaRPr kumimoji="1" lang="zh-CN" altLang="en-US" dirty="0"/>
-          </a:p>
-          <a:p>
-            <a:pPr marL="457200" lvl="1" indent="0">
-              <a:buNone/>
-            </a:pPr>
-            <a:r>
-              <a:rPr kumimoji="1" lang="zh-CN" altLang="en-US" dirty="0">
-                <a:sym typeface="+mn-ea"/>
-              </a:rPr>
-              <a:t>    int *p2 = p1;</a:t>
-            </a:r>
-            <a:endParaRPr kumimoji="1" lang="zh-CN" altLang="en-US" dirty="0"/>
-          </a:p>
-          <a:p>
-            <a:pPr marL="457200" lvl="1" indent="0">
-              <a:buNone/>
-            </a:pPr>
-            <a:r>
-              <a:rPr kumimoji="1" lang="zh-CN" altLang="en-US" dirty="0">
-                <a:sym typeface="+mn-ea"/>
-              </a:rPr>
-              <a:t>    *p1=0;</a:t>
-            </a:r>
-            <a:endParaRPr kumimoji="1" lang="zh-CN" altLang="en-US" dirty="0"/>
-          </a:p>
-          <a:p>
-            <a:pPr marL="457200" lvl="1" indent="0">
-              <a:buNone/>
-            </a:pPr>
-            <a:r>
-              <a:rPr kumimoji="1" lang="zh-CN" altLang="en-US" dirty="0">
-                <a:sym typeface="+mn-ea"/>
-              </a:rPr>
-              <a:t>    *p2=0;</a:t>
-            </a:r>
-            <a:endParaRPr kumimoji="1" lang="zh-CN" altLang="en-US" dirty="0"/>
-          </a:p>
-          <a:p>
-            <a:pPr marL="457200" lvl="1" indent="0">
-              <a:buNone/>
-            </a:pPr>
-            <a:r>
-              <a:rPr kumimoji="1" lang="zh-CN" altLang="en-US" dirty="0">
-                <a:sym typeface="+mn-ea"/>
-              </a:rPr>
-              <a:t>}</a:t>
-            </a:r>
-            <a:endParaRPr kumimoji="1" lang="zh-CN" altLang="en-US" dirty="0"/>
-          </a:p>
-          <a:p>
-            <a:pPr lvl="1"/>
-            <a:endParaRPr lang="zh-CN"/>
-          </a:p>
-          <a:p>
-            <a:pPr lvl="0"/>
-            <a:endParaRPr lang="en-US" altLang="zh-CN"/>
+              <a:rPr lang="zh-CN" altLang="zh-CN">
+                <a:sym typeface="+mn-ea"/>
+              </a:rPr>
+              <a:t>过程详细流程</a:t>
+            </a:r>
+            <a:endParaRPr lang="zh-CN" altLang="en-US"/>
           </a:p>
         </p:txBody>
       </p:sp>
@@ -6322,8 +6735,1097 @@
         </p:nvSpPr>
         <p:spPr>
           <a:xfrm>
-            <a:off x="5966460" y="1825625"/>
-            <a:ext cx="5387340" cy="4061460"/>
+            <a:off x="1171575" y="1663065"/>
+            <a:ext cx="9888220" cy="4655185"/>
+          </a:xfrm>
+          <a:prstGeom prst="rect">
+            <a:avLst/>
+          </a:prstGeom>
+        </p:spPr>
+        <p:txBody>
+          <a:bodyPr vert="horz" lIns="91440" tIns="45720" rIns="91440" bIns="45720" rtlCol="0">
+            <a:normAutofit fontScale="70000"/>
+          </a:bodyPr>
+          <a:lstStyle>
+            <a:lvl1pPr marL="228600" indent="-228600" algn="l" defTabSz="914400" rtl="0" eaLnBrk="1" latinLnBrk="0" hangingPunct="1">
+              <a:lnSpc>
+                <a:spcPct val="90000"/>
+              </a:lnSpc>
+              <a:spcBef>
+                <a:spcPts val="1000"/>
+              </a:spcBef>
+              <a:buFont typeface="Arial" pitchFamily="34" charset="0"/>
+              <a:buChar char="•"/>
+              <a:defRPr sz="2800" kern="1200">
+                <a:gradFill>
+                  <a:gsLst>
+                    <a:gs pos="34000">
+                      <a:schemeClr val="tx1">
+                        <a:lumMod val="93000"/>
+                      </a:schemeClr>
+                    </a:gs>
+                    <a:gs pos="0">
+                      <a:schemeClr val="bg1">
+                        <a:lumMod val="25000"/>
+                        <a:lumOff val="75000"/>
+                      </a:schemeClr>
+                    </a:gs>
+                    <a:gs pos="100000">
+                      <a:schemeClr val="tx2">
+                        <a:lumMod val="0"/>
+                        <a:lumOff val="100000"/>
+                      </a:schemeClr>
+                    </a:gs>
+                  </a:gsLst>
+                  <a:lin ang="4800000" scaled="0"/>
+                </a:gradFill>
+                <a:latin typeface="+mn-lt"/>
+                <a:ea typeface="+mn-ea"/>
+                <a:cs typeface="+mn-cs"/>
+              </a:defRPr>
+            </a:lvl1pPr>
+            <a:lvl2pPr marL="685800" indent="-228600" algn="l" defTabSz="914400" rtl="0" eaLnBrk="1" latinLnBrk="0" hangingPunct="1">
+              <a:lnSpc>
+                <a:spcPct val="90000"/>
+              </a:lnSpc>
+              <a:spcBef>
+                <a:spcPts val="500"/>
+              </a:spcBef>
+              <a:buFont typeface="Arial" pitchFamily="34" charset="0"/>
+              <a:buChar char="•"/>
+              <a:defRPr sz="2400" kern="1200">
+                <a:gradFill>
+                  <a:gsLst>
+                    <a:gs pos="34000">
+                      <a:schemeClr val="tx1">
+                        <a:lumMod val="93000"/>
+                      </a:schemeClr>
+                    </a:gs>
+                    <a:gs pos="0">
+                      <a:schemeClr val="bg1">
+                        <a:lumMod val="25000"/>
+                        <a:lumOff val="75000"/>
+                      </a:schemeClr>
+                    </a:gs>
+                    <a:gs pos="100000">
+                      <a:schemeClr val="tx2">
+                        <a:lumMod val="0"/>
+                        <a:lumOff val="100000"/>
+                      </a:schemeClr>
+                    </a:gs>
+                  </a:gsLst>
+                  <a:lin ang="4800000" scaled="0"/>
+                </a:gradFill>
+                <a:latin typeface="+mn-lt"/>
+                <a:ea typeface="+mn-ea"/>
+                <a:cs typeface="+mn-cs"/>
+              </a:defRPr>
+            </a:lvl2pPr>
+            <a:lvl3pPr marL="1143000" indent="-228600" algn="l" defTabSz="914400" rtl="0" eaLnBrk="1" latinLnBrk="0" hangingPunct="1">
+              <a:lnSpc>
+                <a:spcPct val="90000"/>
+              </a:lnSpc>
+              <a:spcBef>
+                <a:spcPts val="500"/>
+              </a:spcBef>
+              <a:buFont typeface="Arial" pitchFamily="34" charset="0"/>
+              <a:buChar char="•"/>
+              <a:defRPr sz="2000" kern="1200">
+                <a:gradFill>
+                  <a:gsLst>
+                    <a:gs pos="34000">
+                      <a:schemeClr val="tx1">
+                        <a:lumMod val="93000"/>
+                      </a:schemeClr>
+                    </a:gs>
+                    <a:gs pos="0">
+                      <a:schemeClr val="bg1">
+                        <a:lumMod val="25000"/>
+                        <a:lumOff val="75000"/>
+                      </a:schemeClr>
+                    </a:gs>
+                    <a:gs pos="100000">
+                      <a:schemeClr val="tx2">
+                        <a:lumMod val="0"/>
+                        <a:lumOff val="100000"/>
+                      </a:schemeClr>
+                    </a:gs>
+                  </a:gsLst>
+                  <a:lin ang="4800000" scaled="0"/>
+                </a:gradFill>
+                <a:latin typeface="+mn-lt"/>
+                <a:ea typeface="+mn-ea"/>
+                <a:cs typeface="+mn-cs"/>
+              </a:defRPr>
+            </a:lvl3pPr>
+            <a:lvl4pPr marL="1600200" indent="-228600" algn="l" defTabSz="914400" rtl="0" eaLnBrk="1" latinLnBrk="0" hangingPunct="1">
+              <a:lnSpc>
+                <a:spcPct val="90000"/>
+              </a:lnSpc>
+              <a:spcBef>
+                <a:spcPts val="500"/>
+              </a:spcBef>
+              <a:buFont typeface="Arial" pitchFamily="34" charset="0"/>
+              <a:buChar char="•"/>
+              <a:defRPr sz="1800" kern="1200">
+                <a:gradFill>
+                  <a:gsLst>
+                    <a:gs pos="34000">
+                      <a:schemeClr val="tx1">
+                        <a:lumMod val="93000"/>
+                      </a:schemeClr>
+                    </a:gs>
+                    <a:gs pos="0">
+                      <a:schemeClr val="bg1">
+                        <a:lumMod val="25000"/>
+                        <a:lumOff val="75000"/>
+                      </a:schemeClr>
+                    </a:gs>
+                    <a:gs pos="100000">
+                      <a:schemeClr val="tx2">
+                        <a:lumMod val="0"/>
+                        <a:lumOff val="100000"/>
+                      </a:schemeClr>
+                    </a:gs>
+                  </a:gsLst>
+                  <a:lin ang="4800000" scaled="0"/>
+                </a:gradFill>
+                <a:latin typeface="+mn-lt"/>
+                <a:ea typeface="+mn-ea"/>
+                <a:cs typeface="+mn-cs"/>
+              </a:defRPr>
+            </a:lvl4pPr>
+            <a:lvl5pPr marL="2057400" indent="-228600" algn="l" defTabSz="914400" rtl="0" eaLnBrk="1" latinLnBrk="0" hangingPunct="1">
+              <a:lnSpc>
+                <a:spcPct val="90000"/>
+              </a:lnSpc>
+              <a:spcBef>
+                <a:spcPts val="500"/>
+              </a:spcBef>
+              <a:buFont typeface="Arial" pitchFamily="34" charset="0"/>
+              <a:buChar char="•"/>
+              <a:defRPr sz="1800" kern="1200">
+                <a:gradFill>
+                  <a:gsLst>
+                    <a:gs pos="34000">
+                      <a:schemeClr val="tx1">
+                        <a:lumMod val="93000"/>
+                      </a:schemeClr>
+                    </a:gs>
+                    <a:gs pos="0">
+                      <a:schemeClr val="bg1">
+                        <a:lumMod val="25000"/>
+                        <a:lumOff val="75000"/>
+                      </a:schemeClr>
+                    </a:gs>
+                    <a:gs pos="100000">
+                      <a:schemeClr val="tx2">
+                        <a:lumMod val="0"/>
+                        <a:lumOff val="100000"/>
+                      </a:schemeClr>
+                    </a:gs>
+                  </a:gsLst>
+                  <a:lin ang="4800000" scaled="0"/>
+                </a:gradFill>
+                <a:latin typeface="+mn-lt"/>
+                <a:ea typeface="+mn-ea"/>
+                <a:cs typeface="+mn-cs"/>
+              </a:defRPr>
+            </a:lvl5pPr>
+            <a:lvl6pPr marL="2514600" indent="-228600" algn="l" defTabSz="914400" rtl="0" eaLnBrk="1" latinLnBrk="0" hangingPunct="1">
+              <a:lnSpc>
+                <a:spcPct val="90000"/>
+              </a:lnSpc>
+              <a:spcBef>
+                <a:spcPts val="500"/>
+              </a:spcBef>
+              <a:buFont typeface="Arial" pitchFamily="34" charset="0"/>
+              <a:buChar char="•"/>
+              <a:defRPr sz="1800" kern="1200">
+                <a:solidFill>
+                  <a:schemeClr val="tx1"/>
+                </a:solidFill>
+                <a:latin typeface="+mn-lt"/>
+                <a:ea typeface="+mn-ea"/>
+                <a:cs typeface="+mn-cs"/>
+              </a:defRPr>
+            </a:lvl6pPr>
+            <a:lvl7pPr marL="2971800" indent="-228600" algn="l" defTabSz="914400" rtl="0" eaLnBrk="1" latinLnBrk="0" hangingPunct="1">
+              <a:lnSpc>
+                <a:spcPct val="90000"/>
+              </a:lnSpc>
+              <a:spcBef>
+                <a:spcPts val="500"/>
+              </a:spcBef>
+              <a:buFont typeface="Arial" pitchFamily="34" charset="0"/>
+              <a:buChar char="•"/>
+              <a:defRPr sz="1800" kern="1200">
+                <a:solidFill>
+                  <a:schemeClr val="tx1"/>
+                </a:solidFill>
+                <a:latin typeface="+mn-lt"/>
+                <a:ea typeface="+mn-ea"/>
+                <a:cs typeface="+mn-cs"/>
+              </a:defRPr>
+            </a:lvl7pPr>
+            <a:lvl8pPr marL="3429000" indent="-228600" algn="l" defTabSz="914400" rtl="0" eaLnBrk="1" latinLnBrk="0" hangingPunct="1">
+              <a:lnSpc>
+                <a:spcPct val="90000"/>
+              </a:lnSpc>
+              <a:spcBef>
+                <a:spcPts val="500"/>
+              </a:spcBef>
+              <a:buFont typeface="Arial" pitchFamily="34" charset="0"/>
+              <a:buChar char="•"/>
+              <a:defRPr sz="1800" kern="1200">
+                <a:solidFill>
+                  <a:schemeClr val="tx1"/>
+                </a:solidFill>
+                <a:latin typeface="+mn-lt"/>
+                <a:ea typeface="+mn-ea"/>
+                <a:cs typeface="+mn-cs"/>
+              </a:defRPr>
+            </a:lvl8pPr>
+            <a:lvl9pPr marL="3886200" indent="-228600" algn="l" defTabSz="914400" rtl="0" eaLnBrk="1" latinLnBrk="0" hangingPunct="1">
+              <a:lnSpc>
+                <a:spcPct val="90000"/>
+              </a:lnSpc>
+              <a:spcBef>
+                <a:spcPts val="500"/>
+              </a:spcBef>
+              <a:buFont typeface="Arial" pitchFamily="34" charset="0"/>
+              <a:buChar char="•"/>
+              <a:defRPr sz="1800" kern="1200">
+                <a:solidFill>
+                  <a:schemeClr val="tx1"/>
+                </a:solidFill>
+                <a:latin typeface="+mn-lt"/>
+                <a:ea typeface="+mn-ea"/>
+                <a:cs typeface="+mn-cs"/>
+              </a:defRPr>
+            </a:lvl9pPr>
+          </a:lstStyle>
+          <a:p>
+            <a:r>
+              <a:rPr lang="en-US" altLang="zh-CN" sz="4000"/>
+              <a:t>SymbolDatabase</a:t>
+            </a:r>
+            <a:r>
+              <a:rPr lang="zh-CN" altLang="zh-CN" sz="4000"/>
+              <a:t>建立过程</a:t>
+            </a:r>
+            <a:endParaRPr lang="zh-CN" altLang="zh-CN" sz="4000"/>
+          </a:p>
+          <a:p>
+            <a:pPr marL="0" indent="0">
+              <a:buNone/>
+            </a:pPr>
+            <a:r>
+              <a:rPr lang="zh-CN" altLang="en-US"/>
+              <a:t>寻找各定义域</a:t>
+            </a:r>
+            <a:r>
+              <a:rPr lang="en-US" altLang="zh-CN"/>
+              <a:t>scope</a:t>
+            </a:r>
+            <a:endParaRPr lang="en-US" altLang="zh-CN"/>
+          </a:p>
+          <a:p>
+            <a:pPr marL="0" indent="0">
+              <a:buNone/>
+            </a:pPr>
+            <a:r>
+              <a:rPr lang="en-US" altLang="zh-CN"/>
+              <a:t>	</a:t>
+            </a:r>
+            <a:r>
+              <a:rPr lang="zh-CN" altLang="en-US"/>
+              <a:t>寻找类的定义范围（样例中不存在）</a:t>
+            </a:r>
+            <a:endParaRPr lang="zh-CN" altLang="en-US"/>
+          </a:p>
+          <a:p>
+            <a:pPr marL="0" indent="0">
+              <a:buNone/>
+            </a:pPr>
+            <a:r>
+              <a:rPr lang="en-US" altLang="zh-CN"/>
+              <a:t>	</a:t>
+            </a:r>
+            <a:r>
+              <a:rPr lang="zh-CN" altLang="en-US"/>
+              <a:t>前向定义</a:t>
+            </a:r>
+            <a:r>
+              <a:rPr lang="en-US" altLang="en-US"/>
+              <a:t>(class demo;)</a:t>
+            </a:r>
+            <a:endParaRPr lang="en-US" altLang="en-US"/>
+          </a:p>
+          <a:p>
+            <a:pPr marL="0" indent="0">
+              <a:buNone/>
+            </a:pPr>
+            <a:r>
+              <a:rPr lang="en-US" altLang="zh-CN"/>
+              <a:t>	using</a:t>
+            </a:r>
+            <a:r>
+              <a:rPr lang="zh-CN" altLang="zh-CN"/>
+              <a:t>名空间（不存在）</a:t>
+            </a:r>
+            <a:endParaRPr lang="zh-CN" altLang="zh-CN"/>
+          </a:p>
+          <a:p>
+            <a:pPr marL="0" indent="0">
+              <a:buNone/>
+            </a:pPr>
+            <a:r>
+              <a:rPr lang="en-US" altLang="zh-CN"/>
+              <a:t>	</a:t>
+            </a:r>
+            <a:r>
+              <a:rPr lang="zh-CN" altLang="en-US"/>
+              <a:t>匿名结构体和联合（不存在）</a:t>
+            </a:r>
+            <a:endParaRPr lang="zh-CN" altLang="en-US"/>
+          </a:p>
+          <a:p>
+            <a:pPr marL="0" indent="0">
+              <a:buNone/>
+            </a:pPr>
+            <a:r>
+              <a:rPr lang="en-US" altLang="zh-CN"/>
+              <a:t>	</a:t>
+            </a:r>
+            <a:r>
+              <a:rPr lang="zh-CN" altLang="en-US"/>
+              <a:t>匿名结构体，联合和名空间</a:t>
+            </a:r>
+            <a:endParaRPr lang="zh-CN" altLang="en-US"/>
+          </a:p>
+          <a:p>
+            <a:pPr marL="0" indent="0">
+              <a:buNone/>
+            </a:pPr>
+            <a:r>
+              <a:rPr lang="en-US" altLang="zh-CN"/>
+              <a:t>	</a:t>
+            </a:r>
+            <a:r>
+              <a:rPr lang="zh-CN" altLang="en-US"/>
+              <a:t>其他一般情况</a:t>
+            </a:r>
+            <a:endParaRPr lang="zh-CN" altLang="en-US"/>
+          </a:p>
+          <a:p>
+            <a:pPr marL="0" indent="0">
+              <a:buNone/>
+            </a:pPr>
+            <a:r>
+              <a:rPr lang="en-US" altLang="zh-CN"/>
+              <a:t>		</a:t>
+            </a:r>
+            <a:r>
+              <a:rPr lang="zh-CN" altLang="en-US"/>
+              <a:t>检查是否为定义域结束（</a:t>
+            </a:r>
+            <a:r>
+              <a:rPr lang="en-US" altLang="zh-CN"/>
+              <a:t>}</a:t>
+            </a:r>
+            <a:r>
+              <a:rPr lang="zh-CN" altLang="en-US"/>
+              <a:t>）</a:t>
+            </a:r>
+            <a:endParaRPr lang="zh-CN" altLang="en-US"/>
+          </a:p>
+          <a:p>
+            <a:pPr marL="0" indent="0">
+              <a:buNone/>
+            </a:pPr>
+            <a:r>
+              <a:rPr lang="en-US" altLang="zh-CN"/>
+              <a:t>		</a:t>
+            </a:r>
+            <a:r>
+              <a:rPr lang="zh-CN" altLang="en-US"/>
+              <a:t>检查类定义域内的可能情况</a:t>
+            </a:r>
+            <a:endParaRPr lang="zh-CN" altLang="en-US"/>
+          </a:p>
+          <a:p>
+            <a:pPr marL="0" indent="0">
+              <a:buNone/>
+            </a:pPr>
+            <a:r>
+              <a:rPr lang="en-US" altLang="zh-CN"/>
+              <a:t>		</a:t>
+            </a:r>
+            <a:r>
+              <a:rPr lang="zh-CN" altLang="en-US"/>
+              <a:t>检查全局或名空间内的可能情况  函数（</a:t>
+            </a:r>
+            <a:r>
+              <a:rPr lang="en-US" altLang="zh-CN"/>
+              <a:t>int main(){/*......*/}</a:t>
+            </a:r>
+            <a:r>
+              <a:rPr lang="zh-CN" altLang="en-US"/>
+              <a:t>）</a:t>
+            </a:r>
+            <a:endParaRPr lang="zh-CN" altLang="en-US"/>
+          </a:p>
+        </p:txBody>
+      </p:sp>
+    </p:spTree>
+  </p:cSld>
+  <p:clrMapOvr>
+    <a:masterClrMapping/>
+  </p:clrMapOvr>
+</p:sld>
+</file>
+
+<file path=ppt/slides/slide13.xml><?xml version="1.0" encoding="utf-8"?>
+<p:sld xmlns:a="http://schemas.openxmlformats.org/drawingml/2006/main" xmlns:r="http://schemas.openxmlformats.org/officeDocument/2006/relationships" xmlns:p="http://schemas.openxmlformats.org/presentationml/2006/main">
+  <p:cSld>
+    <p:spTree>
+      <p:nvGrpSpPr>
+        <p:cNvPr id="1" name=""/>
+        <p:cNvGrpSpPr/>
+        <p:nvPr/>
+      </p:nvGrpSpPr>
+      <p:grpSpPr/>
+      <p:sp>
+        <p:nvSpPr>
+          <p:cNvPr id="2" name="标题 1"/>
+          <p:cNvSpPr>
+            <a:spLocks noGrp="1"/>
+          </p:cNvSpPr>
+          <p:nvPr>
+            <p:ph type="title"/>
+          </p:nvPr>
+        </p:nvSpPr>
+        <p:spPr/>
+        <p:txBody>
+          <a:bodyPr/>
+          <a:p>
+            <a:r>
+              <a:rPr lang="zh-CN" altLang="zh-CN">
+                <a:sym typeface="+mn-ea"/>
+              </a:rPr>
+              <a:t>过程详细流程</a:t>
+            </a:r>
+            <a:endParaRPr lang="zh-CN" altLang="en-US"/>
+          </a:p>
+        </p:txBody>
+      </p:sp>
+      <p:sp>
+        <p:nvSpPr>
+          <p:cNvPr id="4" name="内容占位符 2"/>
+          <p:cNvSpPr>
+            <a:spLocks noGrp="1"/>
+          </p:cNvSpPr>
+          <p:nvPr/>
+        </p:nvSpPr>
+        <p:spPr>
+          <a:xfrm>
+            <a:off x="1010920" y="1691005"/>
+            <a:ext cx="10342880" cy="4618355"/>
+          </a:xfrm>
+          <a:prstGeom prst="rect">
+            <a:avLst/>
+          </a:prstGeom>
+        </p:spPr>
+        <p:txBody>
+          <a:bodyPr vert="horz" lIns="91440" tIns="45720" rIns="91440" bIns="45720" rtlCol="0"/>
+          <a:lstStyle>
+            <a:lvl1pPr marL="228600" indent="-228600" algn="l" defTabSz="914400" rtl="0" eaLnBrk="1" latinLnBrk="0" hangingPunct="1">
+              <a:lnSpc>
+                <a:spcPct val="90000"/>
+              </a:lnSpc>
+              <a:spcBef>
+                <a:spcPts val="1000"/>
+              </a:spcBef>
+              <a:buFont typeface="Arial" pitchFamily="34" charset="0"/>
+              <a:buChar char="•"/>
+              <a:defRPr sz="2800" kern="1200">
+                <a:gradFill>
+                  <a:gsLst>
+                    <a:gs pos="34000">
+                      <a:schemeClr val="tx1">
+                        <a:lumMod val="93000"/>
+                      </a:schemeClr>
+                    </a:gs>
+                    <a:gs pos="0">
+                      <a:schemeClr val="bg1">
+                        <a:lumMod val="25000"/>
+                        <a:lumOff val="75000"/>
+                      </a:schemeClr>
+                    </a:gs>
+                    <a:gs pos="100000">
+                      <a:schemeClr val="tx2">
+                        <a:lumMod val="0"/>
+                        <a:lumOff val="100000"/>
+                      </a:schemeClr>
+                    </a:gs>
+                  </a:gsLst>
+                  <a:lin ang="4800000" scaled="0"/>
+                </a:gradFill>
+                <a:latin typeface="+mn-lt"/>
+                <a:ea typeface="+mn-ea"/>
+                <a:cs typeface="+mn-cs"/>
+              </a:defRPr>
+            </a:lvl1pPr>
+            <a:lvl2pPr marL="685800" indent="-228600" algn="l" defTabSz="914400" rtl="0" eaLnBrk="1" latinLnBrk="0" hangingPunct="1">
+              <a:lnSpc>
+                <a:spcPct val="90000"/>
+              </a:lnSpc>
+              <a:spcBef>
+                <a:spcPts val="500"/>
+              </a:spcBef>
+              <a:buFont typeface="Arial" pitchFamily="34" charset="0"/>
+              <a:buChar char="•"/>
+              <a:defRPr sz="2400" kern="1200">
+                <a:gradFill>
+                  <a:gsLst>
+                    <a:gs pos="34000">
+                      <a:schemeClr val="tx1">
+                        <a:lumMod val="93000"/>
+                      </a:schemeClr>
+                    </a:gs>
+                    <a:gs pos="0">
+                      <a:schemeClr val="bg1">
+                        <a:lumMod val="25000"/>
+                        <a:lumOff val="75000"/>
+                      </a:schemeClr>
+                    </a:gs>
+                    <a:gs pos="100000">
+                      <a:schemeClr val="tx2">
+                        <a:lumMod val="0"/>
+                        <a:lumOff val="100000"/>
+                      </a:schemeClr>
+                    </a:gs>
+                  </a:gsLst>
+                  <a:lin ang="4800000" scaled="0"/>
+                </a:gradFill>
+                <a:latin typeface="+mn-lt"/>
+                <a:ea typeface="+mn-ea"/>
+                <a:cs typeface="+mn-cs"/>
+              </a:defRPr>
+            </a:lvl2pPr>
+            <a:lvl3pPr marL="1143000" indent="-228600" algn="l" defTabSz="914400" rtl="0" eaLnBrk="1" latinLnBrk="0" hangingPunct="1">
+              <a:lnSpc>
+                <a:spcPct val="90000"/>
+              </a:lnSpc>
+              <a:spcBef>
+                <a:spcPts val="500"/>
+              </a:spcBef>
+              <a:buFont typeface="Arial" pitchFamily="34" charset="0"/>
+              <a:buChar char="•"/>
+              <a:defRPr sz="2000" kern="1200">
+                <a:gradFill>
+                  <a:gsLst>
+                    <a:gs pos="34000">
+                      <a:schemeClr val="tx1">
+                        <a:lumMod val="93000"/>
+                      </a:schemeClr>
+                    </a:gs>
+                    <a:gs pos="0">
+                      <a:schemeClr val="bg1">
+                        <a:lumMod val="25000"/>
+                        <a:lumOff val="75000"/>
+                      </a:schemeClr>
+                    </a:gs>
+                    <a:gs pos="100000">
+                      <a:schemeClr val="tx2">
+                        <a:lumMod val="0"/>
+                        <a:lumOff val="100000"/>
+                      </a:schemeClr>
+                    </a:gs>
+                  </a:gsLst>
+                  <a:lin ang="4800000" scaled="0"/>
+                </a:gradFill>
+                <a:latin typeface="+mn-lt"/>
+                <a:ea typeface="+mn-ea"/>
+                <a:cs typeface="+mn-cs"/>
+              </a:defRPr>
+            </a:lvl3pPr>
+            <a:lvl4pPr marL="1600200" indent="-228600" algn="l" defTabSz="914400" rtl="0" eaLnBrk="1" latinLnBrk="0" hangingPunct="1">
+              <a:lnSpc>
+                <a:spcPct val="90000"/>
+              </a:lnSpc>
+              <a:spcBef>
+                <a:spcPts val="500"/>
+              </a:spcBef>
+              <a:buFont typeface="Arial" pitchFamily="34" charset="0"/>
+              <a:buChar char="•"/>
+              <a:defRPr sz="1800" kern="1200">
+                <a:gradFill>
+                  <a:gsLst>
+                    <a:gs pos="34000">
+                      <a:schemeClr val="tx1">
+                        <a:lumMod val="93000"/>
+                      </a:schemeClr>
+                    </a:gs>
+                    <a:gs pos="0">
+                      <a:schemeClr val="bg1">
+                        <a:lumMod val="25000"/>
+                        <a:lumOff val="75000"/>
+                      </a:schemeClr>
+                    </a:gs>
+                    <a:gs pos="100000">
+                      <a:schemeClr val="tx2">
+                        <a:lumMod val="0"/>
+                        <a:lumOff val="100000"/>
+                      </a:schemeClr>
+                    </a:gs>
+                  </a:gsLst>
+                  <a:lin ang="4800000" scaled="0"/>
+                </a:gradFill>
+                <a:latin typeface="+mn-lt"/>
+                <a:ea typeface="+mn-ea"/>
+                <a:cs typeface="+mn-cs"/>
+              </a:defRPr>
+            </a:lvl4pPr>
+            <a:lvl5pPr marL="2057400" indent="-228600" algn="l" defTabSz="914400" rtl="0" eaLnBrk="1" latinLnBrk="0" hangingPunct="1">
+              <a:lnSpc>
+                <a:spcPct val="90000"/>
+              </a:lnSpc>
+              <a:spcBef>
+                <a:spcPts val="500"/>
+              </a:spcBef>
+              <a:buFont typeface="Arial" pitchFamily="34" charset="0"/>
+              <a:buChar char="•"/>
+              <a:defRPr sz="1800" kern="1200">
+                <a:gradFill>
+                  <a:gsLst>
+                    <a:gs pos="34000">
+                      <a:schemeClr val="tx1">
+                        <a:lumMod val="93000"/>
+                      </a:schemeClr>
+                    </a:gs>
+                    <a:gs pos="0">
+                      <a:schemeClr val="bg1">
+                        <a:lumMod val="25000"/>
+                        <a:lumOff val="75000"/>
+                      </a:schemeClr>
+                    </a:gs>
+                    <a:gs pos="100000">
+                      <a:schemeClr val="tx2">
+                        <a:lumMod val="0"/>
+                        <a:lumOff val="100000"/>
+                      </a:schemeClr>
+                    </a:gs>
+                  </a:gsLst>
+                  <a:lin ang="4800000" scaled="0"/>
+                </a:gradFill>
+                <a:latin typeface="+mn-lt"/>
+                <a:ea typeface="+mn-ea"/>
+                <a:cs typeface="+mn-cs"/>
+              </a:defRPr>
+            </a:lvl5pPr>
+            <a:lvl6pPr marL="2514600" indent="-228600" algn="l" defTabSz="914400" rtl="0" eaLnBrk="1" latinLnBrk="0" hangingPunct="1">
+              <a:lnSpc>
+                <a:spcPct val="90000"/>
+              </a:lnSpc>
+              <a:spcBef>
+                <a:spcPts val="500"/>
+              </a:spcBef>
+              <a:buFont typeface="Arial" pitchFamily="34" charset="0"/>
+              <a:buChar char="•"/>
+              <a:defRPr sz="1800" kern="1200">
+                <a:solidFill>
+                  <a:schemeClr val="tx1"/>
+                </a:solidFill>
+                <a:latin typeface="+mn-lt"/>
+                <a:ea typeface="+mn-ea"/>
+                <a:cs typeface="+mn-cs"/>
+              </a:defRPr>
+            </a:lvl6pPr>
+            <a:lvl7pPr marL="2971800" indent="-228600" algn="l" defTabSz="914400" rtl="0" eaLnBrk="1" latinLnBrk="0" hangingPunct="1">
+              <a:lnSpc>
+                <a:spcPct val="90000"/>
+              </a:lnSpc>
+              <a:spcBef>
+                <a:spcPts val="500"/>
+              </a:spcBef>
+              <a:buFont typeface="Arial" pitchFamily="34" charset="0"/>
+              <a:buChar char="•"/>
+              <a:defRPr sz="1800" kern="1200">
+                <a:solidFill>
+                  <a:schemeClr val="tx1"/>
+                </a:solidFill>
+                <a:latin typeface="+mn-lt"/>
+                <a:ea typeface="+mn-ea"/>
+                <a:cs typeface="+mn-cs"/>
+              </a:defRPr>
+            </a:lvl7pPr>
+            <a:lvl8pPr marL="3429000" indent="-228600" algn="l" defTabSz="914400" rtl="0" eaLnBrk="1" latinLnBrk="0" hangingPunct="1">
+              <a:lnSpc>
+                <a:spcPct val="90000"/>
+              </a:lnSpc>
+              <a:spcBef>
+                <a:spcPts val="500"/>
+              </a:spcBef>
+              <a:buFont typeface="Arial" pitchFamily="34" charset="0"/>
+              <a:buChar char="•"/>
+              <a:defRPr sz="1800" kern="1200">
+                <a:solidFill>
+                  <a:schemeClr val="tx1"/>
+                </a:solidFill>
+                <a:latin typeface="+mn-lt"/>
+                <a:ea typeface="+mn-ea"/>
+                <a:cs typeface="+mn-cs"/>
+              </a:defRPr>
+            </a:lvl8pPr>
+            <a:lvl9pPr marL="3886200" indent="-228600" algn="l" defTabSz="914400" rtl="0" eaLnBrk="1" latinLnBrk="0" hangingPunct="1">
+              <a:lnSpc>
+                <a:spcPct val="90000"/>
+              </a:lnSpc>
+              <a:spcBef>
+                <a:spcPts val="500"/>
+              </a:spcBef>
+              <a:buFont typeface="Arial" pitchFamily="34" charset="0"/>
+              <a:buChar char="•"/>
+              <a:defRPr sz="1800" kern="1200">
+                <a:solidFill>
+                  <a:schemeClr val="tx1"/>
+                </a:solidFill>
+                <a:latin typeface="+mn-lt"/>
+                <a:ea typeface="+mn-ea"/>
+                <a:cs typeface="+mn-cs"/>
+              </a:defRPr>
+            </a:lvl9pPr>
+          </a:lstStyle>
+          <a:p>
+            <a:pPr marL="0" indent="0">
+              <a:buNone/>
+            </a:pPr>
+            <a:r>
+              <a:rPr lang="zh-CN" sz="2000"/>
+              <a:t>填写基类，友元，</a:t>
+            </a:r>
+            <a:r>
+              <a:rPr lang="en-US" altLang="zh-CN" sz="2000"/>
+              <a:t>using</a:t>
+            </a:r>
+            <a:r>
+              <a:rPr lang="zh-CN" altLang="en-US" sz="2000"/>
+              <a:t>信息</a:t>
+            </a:r>
+            <a:endParaRPr lang="zh-CN" altLang="en-US" sz="2000"/>
+          </a:p>
+          <a:p>
+            <a:pPr marL="0" indent="0">
+              <a:buNone/>
+            </a:pPr>
+            <a:r>
+              <a:rPr lang="zh-CN" altLang="en-US" sz="2000"/>
+              <a:t>填写定义信息</a:t>
+            </a:r>
+            <a:endParaRPr lang="zh-CN" altLang="en-US" sz="2000"/>
+          </a:p>
+          <a:p>
+            <a:pPr marL="0" indent="0">
+              <a:buNone/>
+            </a:pPr>
+            <a:r>
+              <a:rPr lang="en-US" altLang="zh-CN" sz="2000"/>
+              <a:t>	</a:t>
+            </a:r>
+            <a:r>
+              <a:rPr lang="zh-CN" altLang="en-US" sz="2000"/>
+              <a:t>跳过</a:t>
+            </a:r>
+            <a:r>
+              <a:rPr lang="en-US" altLang="zh-CN" sz="2000"/>
+              <a:t>class demo</a:t>
+            </a:r>
+            <a:r>
+              <a:rPr lang="zh-CN" altLang="en-US" sz="2000"/>
+              <a:t>前向定义</a:t>
+            </a:r>
+            <a:endParaRPr lang="zh-CN" altLang="en-US" sz="2000"/>
+          </a:p>
+          <a:p>
+            <a:pPr marL="0" indent="0">
+              <a:buNone/>
+            </a:pPr>
+            <a:r>
+              <a:rPr lang="en-US" altLang="zh-CN" sz="2000"/>
+              <a:t>	</a:t>
+            </a:r>
+            <a:r>
+              <a:rPr lang="zh-CN" altLang="en-US" sz="2000"/>
+              <a:t>无视</a:t>
+            </a:r>
+            <a:r>
+              <a:rPr lang="en-US" altLang="zh-CN" sz="2000"/>
+              <a:t>main</a:t>
+            </a:r>
+            <a:r>
+              <a:rPr lang="zh-CN" altLang="en-US" sz="2000"/>
+              <a:t>函数定义</a:t>
+            </a:r>
+            <a:endParaRPr lang="zh-CN" altLang="en-US" sz="2000"/>
+          </a:p>
+          <a:p>
+            <a:pPr marL="0" indent="0">
+              <a:buNone/>
+            </a:pPr>
+            <a:r>
+              <a:rPr lang="en-US" altLang="zh-CN" sz="2000"/>
+              <a:t>	</a:t>
+            </a:r>
+            <a:r>
+              <a:rPr lang="zh-CN" altLang="en-US" sz="2000"/>
+              <a:t>将</a:t>
+            </a:r>
+            <a:r>
+              <a:rPr lang="en-US" altLang="zh-CN" sz="2000"/>
+              <a:t>p1</a:t>
+            </a:r>
+            <a:r>
+              <a:rPr lang="zh-CN" altLang="en-US" sz="2000"/>
+              <a:t>（以及</a:t>
+            </a:r>
+            <a:r>
+              <a:rPr lang="en-US" altLang="zh-CN" sz="2000"/>
+              <a:t>p2</a:t>
+            </a:r>
+            <a:r>
+              <a:rPr lang="zh-CN" altLang="en-US" sz="2000"/>
+              <a:t>）的类型定义</a:t>
+            </a:r>
+            <a:r>
+              <a:rPr lang="en-US" altLang="zh-CN" sz="2000"/>
+              <a:t>demo*</a:t>
+            </a:r>
+            <a:r>
+              <a:rPr lang="zh-CN" altLang="en-US" sz="2000"/>
+              <a:t>加入</a:t>
+            </a:r>
+            <a:r>
+              <a:rPr lang="en-US" altLang="zh-CN" sz="2000"/>
+              <a:t>varlist</a:t>
+            </a:r>
+            <a:endParaRPr lang="en-US" altLang="zh-CN" sz="2000"/>
+          </a:p>
+          <a:p>
+            <a:pPr marL="0" indent="0">
+              <a:buNone/>
+            </a:pPr>
+            <a:r>
+              <a:rPr lang="en-US" altLang="zh-CN" sz="2000"/>
+              <a:t>	</a:t>
+            </a:r>
+            <a:r>
+              <a:rPr lang="zh-CN" altLang="en-US" sz="2000"/>
+              <a:t>判断</a:t>
+            </a:r>
+            <a:r>
+              <a:rPr lang="en-US" altLang="zh-CN" sz="2000"/>
+              <a:t>demo</a:t>
+            </a:r>
+            <a:r>
+              <a:rPr lang="zh-CN" altLang="en-US" sz="2000"/>
+              <a:t>等</a:t>
+            </a:r>
+            <a:r>
+              <a:rPr lang="en-US" altLang="zh-CN" sz="2000"/>
+              <a:t>token</a:t>
+            </a:r>
+            <a:r>
+              <a:rPr lang="zh-CN" altLang="en-US" sz="2000"/>
+              <a:t>是否为定义，寻找</a:t>
+            </a:r>
+            <a:r>
+              <a:rPr lang="en-US" altLang="zh-CN" sz="2000"/>
+              <a:t>demo</a:t>
+            </a:r>
+            <a:r>
+              <a:rPr lang="zh-CN" altLang="en-US" sz="2000"/>
+              <a:t>，是语句的开头，匹配到本地的类型定义，下一个</a:t>
+            </a:r>
+            <a:r>
+              <a:rPr lang="en-US" altLang="zh-CN" sz="2000"/>
+              <a:t>token</a:t>
+            </a:r>
+            <a:r>
+              <a:rPr lang="zh-CN" altLang="en-US" sz="2000"/>
+              <a:t>是</a:t>
+            </a:r>
+            <a:r>
+              <a:rPr lang="en-US" altLang="zh-CN" sz="2000"/>
+              <a:t>“=”</a:t>
+            </a:r>
+            <a:endParaRPr lang="en-US" altLang="zh-CN" sz="2000"/>
+          </a:p>
+          <a:p>
+            <a:pPr marL="0" indent="0">
+              <a:buNone/>
+            </a:pPr>
+            <a:r>
+              <a:rPr lang="en-US" altLang="zh-CN" sz="2000"/>
+              <a:t>	</a:t>
+            </a:r>
+            <a:r>
+              <a:rPr lang="zh-CN" altLang="en-US" sz="2000"/>
+              <a:t>寻找</a:t>
+            </a:r>
+            <a:r>
+              <a:rPr lang="en-US" altLang="zh-CN" sz="2000"/>
+              <a:t>demo</a:t>
+            </a:r>
+            <a:r>
+              <a:rPr lang="zh-CN" altLang="en-US" sz="2000"/>
+              <a:t>相关已有定义</a:t>
+            </a:r>
+            <a:endParaRPr lang="zh-CN" altLang="en-US" sz="2000"/>
+          </a:p>
+          <a:p>
+            <a:pPr marL="0" indent="0">
+              <a:buNone/>
+            </a:pPr>
+            <a:r>
+              <a:rPr lang="en-US" altLang="zh-CN" sz="2000"/>
+              <a:t>	</a:t>
+            </a:r>
+            <a:r>
+              <a:rPr lang="zh-CN" altLang="en-US" sz="2000"/>
+              <a:t>将</a:t>
+            </a:r>
+            <a:r>
+              <a:rPr lang="en-US" altLang="zh-CN" sz="2000"/>
+              <a:t>p1</a:t>
+            </a:r>
+            <a:r>
+              <a:rPr lang="zh-CN" altLang="en-US" sz="2000"/>
+              <a:t>与定义加入</a:t>
+            </a:r>
+            <a:r>
+              <a:rPr lang="en-US" altLang="zh-CN" sz="2000"/>
+              <a:t>varlist</a:t>
+            </a:r>
+            <a:endParaRPr lang="en-US" altLang="zh-CN" sz="2000"/>
+          </a:p>
+          <a:p>
+            <a:pPr marL="0" indent="0">
+              <a:buNone/>
+            </a:pPr>
+            <a:r>
+              <a:rPr lang="zh-CN" altLang="en-US" sz="2000">
+                <a:sym typeface="+mn-ea"/>
+              </a:rPr>
+              <a:t>填写函数参数信息</a:t>
+            </a:r>
+            <a:r>
+              <a:rPr lang="en-US" altLang="zh-CN" sz="2000">
+                <a:sym typeface="+mn-ea"/>
+              </a:rPr>
+              <a:t>(main</a:t>
+            </a:r>
+            <a:r>
+              <a:rPr lang="zh-CN" altLang="en-US" sz="2000">
+                <a:sym typeface="+mn-ea"/>
+              </a:rPr>
+              <a:t>函数的空参数列表</a:t>
+            </a:r>
+            <a:r>
+              <a:rPr lang="en-US" altLang="zh-CN" sz="2000">
+                <a:sym typeface="+mn-ea"/>
+              </a:rPr>
+              <a:t>)</a:t>
+            </a:r>
+            <a:endParaRPr lang="en-US" altLang="zh-CN" sz="2000">
+              <a:sym typeface="+mn-ea"/>
+            </a:endParaRPr>
+          </a:p>
+          <a:p>
+            <a:pPr marL="0" indent="0">
+              <a:buNone/>
+            </a:pPr>
+            <a:r>
+              <a:rPr lang="en-US" altLang="zh-CN" sz="2000">
+                <a:sym typeface="+mn-ea"/>
+              </a:rPr>
+              <a:t>	</a:t>
+            </a:r>
+            <a:r>
+              <a:rPr lang="zh-CN" altLang="en-US" sz="2000">
+                <a:sym typeface="+mn-ea"/>
+              </a:rPr>
+              <a:t>寻找非空的小括号</a:t>
+            </a:r>
+            <a:endParaRPr lang="zh-CN" altLang="en-US" sz="2000">
+              <a:sym typeface="+mn-ea"/>
+            </a:endParaRPr>
+          </a:p>
+          <a:p>
+            <a:pPr marL="0" indent="0">
+              <a:buNone/>
+            </a:pPr>
+            <a:endParaRPr lang="zh-CN" altLang="en-US" sz="2000">
+              <a:sym typeface="+mn-ea"/>
+            </a:endParaRPr>
+          </a:p>
+        </p:txBody>
+      </p:sp>
+    </p:spTree>
+  </p:cSld>
+  <p:clrMapOvr>
+    <a:masterClrMapping/>
+  </p:clrMapOvr>
+</p:sld>
+</file>
+
+<file path=ppt/slides/slide14.xml><?xml version="1.0" encoding="utf-8"?>
+<p:sld xmlns:a="http://schemas.openxmlformats.org/drawingml/2006/main" xmlns:r="http://schemas.openxmlformats.org/officeDocument/2006/relationships" xmlns:p="http://schemas.openxmlformats.org/presentationml/2006/main">
+  <p:cSld>
+    <p:spTree>
+      <p:nvGrpSpPr>
+        <p:cNvPr id="1" name=""/>
+        <p:cNvGrpSpPr/>
+        <p:nvPr/>
+      </p:nvGrpSpPr>
+      <p:grpSpPr/>
+      <p:sp>
+        <p:nvSpPr>
+          <p:cNvPr id="2" name="标题 1"/>
+          <p:cNvSpPr>
+            <a:spLocks noGrp="1"/>
+          </p:cNvSpPr>
+          <p:nvPr>
+            <p:ph type="title"/>
+          </p:nvPr>
+        </p:nvSpPr>
+        <p:spPr/>
+        <p:txBody>
+          <a:bodyPr/>
+          <a:p>
+            <a:r>
+              <a:rPr lang="zh-CN" altLang="zh-CN">
+                <a:sym typeface="+mn-ea"/>
+              </a:rPr>
+              <a:t>过程详细流程</a:t>
+            </a:r>
+            <a:endParaRPr lang="zh-CN" altLang="en-US"/>
+          </a:p>
+        </p:txBody>
+      </p:sp>
+      <p:sp>
+        <p:nvSpPr>
+          <p:cNvPr id="6" name="内容占位符 2"/>
+          <p:cNvSpPr>
+            <a:spLocks noGrp="1"/>
+          </p:cNvSpPr>
+          <p:nvPr/>
+        </p:nvSpPr>
+        <p:spPr>
+          <a:xfrm>
+            <a:off x="838200" y="1642745"/>
+            <a:ext cx="10868025" cy="4692015"/>
           </a:xfrm>
           <a:prstGeom prst="rect">
             <a:avLst/>
@@ -6593,6 +8095,2982 @@
             </a:lvl9pPr>
           </a:lstStyle>
           <a:p>
+            <a:pPr marL="0" indent="0">
+              <a:lnSpc>
+                <a:spcPct val="120000"/>
+              </a:lnSpc>
+              <a:buNone/>
+            </a:pPr>
+            <a:r>
+              <a:rPr lang="zh-CN" altLang="en-US" sz="2000">
+                <a:sym typeface="+mn-ea"/>
+              </a:rPr>
+              <a:t>填写函数定义体的</a:t>
+            </a:r>
+            <a:r>
+              <a:rPr lang="en-US" altLang="zh-CN" sz="2000">
+                <a:sym typeface="+mn-ea"/>
+              </a:rPr>
+              <a:t>Scope(main</a:t>
+            </a:r>
+            <a:r>
+              <a:rPr lang="zh-CN" altLang="en-US" sz="2000">
+                <a:sym typeface="+mn-ea"/>
+              </a:rPr>
+              <a:t>函数后面的</a:t>
+            </a:r>
+            <a:r>
+              <a:rPr lang="en-US" altLang="zh-CN" sz="2000">
+                <a:sym typeface="+mn-ea"/>
+              </a:rPr>
+              <a:t>{...})</a:t>
+            </a:r>
+            <a:endParaRPr lang="en-US" altLang="zh-CN" sz="2000">
+              <a:sym typeface="+mn-ea"/>
+            </a:endParaRPr>
+          </a:p>
+          <a:p>
+            <a:pPr marL="0" indent="0">
+              <a:lnSpc>
+                <a:spcPct val="120000"/>
+              </a:lnSpc>
+              <a:buNone/>
+            </a:pPr>
+            <a:r>
+              <a:rPr lang="zh-CN" altLang="en-US" sz="2000">
+                <a:sym typeface="+mn-ea"/>
+              </a:rPr>
+              <a:t>填写类与结构体定义体</a:t>
+            </a:r>
+            <a:r>
+              <a:rPr lang="en-US" altLang="zh-CN" sz="2000">
+                <a:sym typeface="+mn-ea"/>
+              </a:rPr>
+              <a:t>Scope</a:t>
+            </a:r>
+            <a:endParaRPr lang="en-US" altLang="zh-CN" sz="2000">
+              <a:sym typeface="+mn-ea"/>
+            </a:endParaRPr>
+          </a:p>
+          <a:p>
+            <a:pPr marL="0" indent="0">
+              <a:lnSpc>
+                <a:spcPct val="120000"/>
+              </a:lnSpc>
+              <a:buNone/>
+            </a:pPr>
+            <a:r>
+              <a:rPr lang="zh-CN" altLang="en-US" sz="2000">
+                <a:sym typeface="+mn-ea"/>
+              </a:rPr>
+              <a:t>填写函数返回值类型</a:t>
+            </a:r>
+            <a:r>
+              <a:rPr lang="en-US" altLang="zh-CN" sz="2000">
+                <a:sym typeface="+mn-ea"/>
+              </a:rPr>
+              <a:t>(main</a:t>
+            </a:r>
+            <a:r>
+              <a:rPr lang="zh-CN" altLang="en-US" sz="2000">
+                <a:sym typeface="+mn-ea"/>
+              </a:rPr>
+              <a:t>的返回值</a:t>
+            </a:r>
+            <a:r>
+              <a:rPr lang="en-US" altLang="zh-CN" sz="2000">
+                <a:sym typeface="+mn-ea"/>
+              </a:rPr>
+              <a:t>int)</a:t>
+            </a:r>
+            <a:endParaRPr lang="en-US" altLang="zh-CN" sz="2000">
+              <a:sym typeface="+mn-ea"/>
+            </a:endParaRPr>
+          </a:p>
+          <a:p>
+            <a:pPr marL="0" indent="0">
+              <a:lnSpc>
+                <a:spcPct val="120000"/>
+              </a:lnSpc>
+              <a:buNone/>
+            </a:pPr>
+            <a:r>
+              <a:rPr lang="zh-CN" altLang="en-US" sz="2000">
+                <a:sym typeface="+mn-ea"/>
+              </a:rPr>
+              <a:t>填写变量列表</a:t>
+            </a:r>
+            <a:r>
+              <a:rPr lang="en-US" altLang="en-US" sz="2000">
+                <a:sym typeface="+mn-ea"/>
+              </a:rPr>
+              <a:t>variableList</a:t>
+            </a:r>
+            <a:r>
+              <a:rPr lang="zh-CN" altLang="en-US" sz="2000">
+                <a:sym typeface="+mn-ea"/>
+              </a:rPr>
+              <a:t>，寻找包括函数参数的所有</a:t>
+            </a:r>
+            <a:r>
+              <a:rPr lang="en-US" altLang="zh-CN" sz="2000">
+                <a:sym typeface="+mn-ea"/>
+              </a:rPr>
+              <a:t>Scope</a:t>
+            </a:r>
+            <a:r>
+              <a:rPr lang="zh-CN" altLang="en-US" sz="2000">
+                <a:sym typeface="+mn-ea"/>
+              </a:rPr>
+              <a:t>内的变量并加入</a:t>
+            </a:r>
+            <a:r>
+              <a:rPr lang="en-US" altLang="zh-CN" sz="2000">
+                <a:sym typeface="+mn-ea"/>
+              </a:rPr>
+              <a:t>(main</a:t>
+            </a:r>
+            <a:r>
+              <a:rPr lang="zh-CN" altLang="en-US" sz="2000">
+                <a:sym typeface="+mn-ea"/>
+              </a:rPr>
+              <a:t>函数内的</a:t>
+            </a:r>
+            <a:r>
+              <a:rPr lang="en-US" altLang="zh-CN" sz="2000">
+                <a:sym typeface="+mn-ea"/>
+              </a:rPr>
+              <a:t>p1,p2)</a:t>
+            </a:r>
+            <a:endParaRPr lang="en-US" altLang="zh-CN" sz="2000">
+              <a:sym typeface="+mn-ea"/>
+            </a:endParaRPr>
+          </a:p>
+          <a:p>
+            <a:pPr marL="0" indent="0">
+              <a:lnSpc>
+                <a:spcPct val="120000"/>
+              </a:lnSpc>
+              <a:buNone/>
+            </a:pPr>
+            <a:r>
+              <a:rPr lang="zh-CN" altLang="en-US" sz="2000"/>
+              <a:t>填写</a:t>
+            </a:r>
+            <a:r>
+              <a:rPr lang="en-US" altLang="zh-CN" sz="2000"/>
+              <a:t>Scope</a:t>
+            </a:r>
+            <a:r>
+              <a:rPr lang="zh-CN" altLang="en-US" sz="2000"/>
+              <a:t>，函数定义声明，函数调用等符号间匹配信息</a:t>
+            </a:r>
+            <a:endParaRPr lang="zh-CN" altLang="en-US" sz="2000"/>
+          </a:p>
+          <a:p>
+            <a:pPr marL="0" indent="0">
+              <a:lnSpc>
+                <a:spcPct val="120000"/>
+              </a:lnSpc>
+              <a:buNone/>
+            </a:pPr>
+            <a:r>
+              <a:rPr lang="en-US" altLang="zh-CN" sz="2000"/>
+              <a:t>	main</a:t>
+            </a:r>
+            <a:r>
+              <a:rPr lang="zh-CN" altLang="en-US" sz="2000"/>
+              <a:t>函数与名为</a:t>
+            </a:r>
+            <a:r>
+              <a:rPr lang="en-US" altLang="zh-CN" sz="2000"/>
+              <a:t>main</a:t>
+            </a:r>
+            <a:r>
+              <a:rPr lang="zh-CN" altLang="en-US" sz="2000"/>
+              <a:t>的</a:t>
+            </a:r>
+            <a:r>
+              <a:rPr lang="en-US" altLang="zh-CN" sz="2000"/>
+              <a:t>token</a:t>
+            </a:r>
+            <a:endParaRPr lang="en-US" altLang="zh-CN" sz="2000"/>
+          </a:p>
+          <a:p>
+            <a:pPr marL="0" indent="0">
+              <a:lnSpc>
+                <a:spcPct val="120000"/>
+              </a:lnSpc>
+              <a:buNone/>
+            </a:pPr>
+            <a:r>
+              <a:rPr lang="en-US" altLang="zh-CN" sz="2000"/>
+              <a:t>	</a:t>
+            </a:r>
+            <a:r>
+              <a:rPr lang="zh-CN" altLang="en-US" sz="2000"/>
+              <a:t>尝试为</a:t>
+            </a:r>
+            <a:r>
+              <a:rPr lang="en-US" altLang="zh-CN" sz="2000"/>
+              <a:t>demo</a:t>
+            </a:r>
+            <a:r>
+              <a:rPr lang="zh-CN" altLang="en-US" sz="2000"/>
+              <a:t>（构造函数），</a:t>
+            </a:r>
+            <a:r>
+              <a:rPr lang="en-US" altLang="zh-CN" sz="2000"/>
+              <a:t>func</a:t>
+            </a:r>
+            <a:r>
+              <a:rPr lang="zh-CN" altLang="en-US" sz="2000"/>
+              <a:t>两</a:t>
+            </a:r>
+            <a:r>
+              <a:rPr lang="en-US" altLang="zh-CN" sz="2000"/>
+              <a:t>token</a:t>
+            </a:r>
+            <a:r>
+              <a:rPr lang="zh-CN" altLang="en-US" sz="2000"/>
+              <a:t>匹配函数，因没有定义未果</a:t>
+            </a:r>
+            <a:endParaRPr lang="zh-CN" altLang="en-US" sz="2000"/>
+          </a:p>
+          <a:p>
+            <a:pPr marL="0" indent="0">
+              <a:lnSpc>
+                <a:spcPct val="120000"/>
+              </a:lnSpc>
+              <a:buNone/>
+            </a:pPr>
+            <a:r>
+              <a:rPr lang="en-US" altLang="zh-CN" sz="2000"/>
+              <a:t>	</a:t>
+            </a:r>
+            <a:r>
+              <a:rPr lang="zh-CN" altLang="en-US" sz="2000"/>
+              <a:t>为</a:t>
+            </a:r>
+            <a:r>
+              <a:rPr lang="en-US" altLang="zh-CN" sz="2000"/>
+              <a:t>demo(</a:t>
+            </a:r>
+            <a:r>
+              <a:rPr lang="zh-CN" altLang="en-US" sz="2000"/>
+              <a:t>类</a:t>
+            </a:r>
+            <a:r>
+              <a:rPr lang="en-US" altLang="zh-CN" sz="2000"/>
+              <a:t>)</a:t>
+            </a:r>
+            <a:r>
+              <a:rPr lang="zh-CN" altLang="en-US" sz="2000"/>
+              <a:t>匹配</a:t>
+            </a:r>
+            <a:r>
+              <a:rPr lang="en-US" altLang="zh-CN" sz="2000"/>
+              <a:t>demo</a:t>
+            </a:r>
+            <a:r>
+              <a:rPr lang="zh-CN" altLang="en-US" sz="2000"/>
+              <a:t>类，多次出现</a:t>
+            </a:r>
+            <a:endParaRPr lang="zh-CN" altLang="en-US" sz="2000"/>
+          </a:p>
+          <a:p>
+            <a:pPr marL="0" indent="0">
+              <a:lnSpc>
+                <a:spcPct val="120000"/>
+              </a:lnSpc>
+              <a:buNone/>
+            </a:pPr>
+            <a:r>
+              <a:rPr lang="en-US" altLang="zh-CN" sz="2000"/>
+              <a:t>	</a:t>
+            </a:r>
+            <a:r>
+              <a:rPr lang="zh-CN" altLang="en-US" sz="2000"/>
+              <a:t>为</a:t>
+            </a:r>
+            <a:r>
+              <a:rPr lang="en-US" altLang="zh-CN" sz="2000"/>
+              <a:t>p1,p2</a:t>
+            </a:r>
+            <a:r>
+              <a:rPr lang="zh-CN" altLang="en-US" sz="2000"/>
+              <a:t>匹配对应</a:t>
+            </a:r>
+            <a:r>
+              <a:rPr lang="en-US" altLang="zh-CN" sz="2000"/>
+              <a:t>Variable</a:t>
+            </a:r>
+            <a:endParaRPr lang="en-US" altLang="zh-CN" sz="2000"/>
+          </a:p>
+        </p:txBody>
+      </p:sp>
+    </p:spTree>
+  </p:cSld>
+  <p:clrMapOvr>
+    <a:masterClrMapping/>
+  </p:clrMapOvr>
+</p:sld>
+</file>
+
+<file path=ppt/slides/slide15.xml><?xml version="1.0" encoding="utf-8"?>
+<p:sld xmlns:a="http://schemas.openxmlformats.org/drawingml/2006/main" xmlns:r="http://schemas.openxmlformats.org/officeDocument/2006/relationships" xmlns:p="http://schemas.openxmlformats.org/presentationml/2006/main">
+  <p:cSld>
+    <p:spTree>
+      <p:nvGrpSpPr>
+        <p:cNvPr id="1" name=""/>
+        <p:cNvGrpSpPr/>
+        <p:nvPr/>
+      </p:nvGrpSpPr>
+      <p:grpSpPr/>
+      <p:sp>
+        <p:nvSpPr>
+          <p:cNvPr id="2" name="标题 1"/>
+          <p:cNvSpPr>
+            <a:spLocks noGrp="1"/>
+          </p:cNvSpPr>
+          <p:nvPr>
+            <p:ph type="title"/>
+          </p:nvPr>
+        </p:nvSpPr>
+        <p:spPr/>
+        <p:txBody>
+          <a:bodyPr/>
+          <a:p>
+            <a:r>
+              <a:rPr lang="zh-CN" altLang="zh-CN">
+                <a:sym typeface="+mn-ea"/>
+              </a:rPr>
+              <a:t>过程详细流程</a:t>
+            </a:r>
+            <a:endParaRPr lang="zh-CN" altLang="en-US"/>
+          </a:p>
+        </p:txBody>
+      </p:sp>
+      <p:sp>
+        <p:nvSpPr>
+          <p:cNvPr id="3" name="内容占位符 2"/>
+          <p:cNvSpPr>
+            <a:spLocks noGrp="1"/>
+          </p:cNvSpPr>
+          <p:nvPr/>
+        </p:nvSpPr>
+        <p:spPr>
+          <a:xfrm>
+            <a:off x="1045845" y="1691640"/>
+            <a:ext cx="8701405" cy="4351655"/>
+          </a:xfrm>
+          <a:prstGeom prst="rect">
+            <a:avLst/>
+          </a:prstGeom>
+        </p:spPr>
+        <p:txBody>
+          <a:bodyPr vert="horz" lIns="91440" tIns="45720" rIns="91440" bIns="45720" rtlCol="0">
+            <a:normAutofit/>
+          </a:bodyPr>
+          <a:lstStyle>
+            <a:lvl1pPr marL="228600" indent="-228600" algn="l" defTabSz="914400" rtl="0" eaLnBrk="1" latinLnBrk="0" hangingPunct="1">
+              <a:lnSpc>
+                <a:spcPct val="90000"/>
+              </a:lnSpc>
+              <a:spcBef>
+                <a:spcPts val="1000"/>
+              </a:spcBef>
+              <a:buFont typeface="Arial" pitchFamily="34" charset="0"/>
+              <a:buChar char="•"/>
+              <a:defRPr sz="2800" kern="1200">
+                <a:gradFill>
+                  <a:gsLst>
+                    <a:gs pos="34000">
+                      <a:schemeClr val="tx1">
+                        <a:lumMod val="93000"/>
+                      </a:schemeClr>
+                    </a:gs>
+                    <a:gs pos="0">
+                      <a:schemeClr val="bg1">
+                        <a:lumMod val="25000"/>
+                        <a:lumOff val="75000"/>
+                      </a:schemeClr>
+                    </a:gs>
+                    <a:gs pos="100000">
+                      <a:schemeClr val="tx2">
+                        <a:lumMod val="0"/>
+                        <a:lumOff val="100000"/>
+                      </a:schemeClr>
+                    </a:gs>
+                  </a:gsLst>
+                  <a:lin ang="4800000" scaled="0"/>
+                </a:gradFill>
+                <a:latin typeface="+mn-lt"/>
+                <a:ea typeface="+mn-ea"/>
+                <a:cs typeface="+mn-cs"/>
+              </a:defRPr>
+            </a:lvl1pPr>
+            <a:lvl2pPr marL="685800" indent="-228600" algn="l" defTabSz="914400" rtl="0" eaLnBrk="1" latinLnBrk="0" hangingPunct="1">
+              <a:lnSpc>
+                <a:spcPct val="90000"/>
+              </a:lnSpc>
+              <a:spcBef>
+                <a:spcPts val="500"/>
+              </a:spcBef>
+              <a:buFont typeface="Arial" pitchFamily="34" charset="0"/>
+              <a:buChar char="•"/>
+              <a:defRPr sz="2400" kern="1200">
+                <a:gradFill>
+                  <a:gsLst>
+                    <a:gs pos="34000">
+                      <a:schemeClr val="tx1">
+                        <a:lumMod val="93000"/>
+                      </a:schemeClr>
+                    </a:gs>
+                    <a:gs pos="0">
+                      <a:schemeClr val="bg1">
+                        <a:lumMod val="25000"/>
+                        <a:lumOff val="75000"/>
+                      </a:schemeClr>
+                    </a:gs>
+                    <a:gs pos="100000">
+                      <a:schemeClr val="tx2">
+                        <a:lumMod val="0"/>
+                        <a:lumOff val="100000"/>
+                      </a:schemeClr>
+                    </a:gs>
+                  </a:gsLst>
+                  <a:lin ang="4800000" scaled="0"/>
+                </a:gradFill>
+                <a:latin typeface="+mn-lt"/>
+                <a:ea typeface="+mn-ea"/>
+                <a:cs typeface="+mn-cs"/>
+              </a:defRPr>
+            </a:lvl2pPr>
+            <a:lvl3pPr marL="1143000" indent="-228600" algn="l" defTabSz="914400" rtl="0" eaLnBrk="1" latinLnBrk="0" hangingPunct="1">
+              <a:lnSpc>
+                <a:spcPct val="90000"/>
+              </a:lnSpc>
+              <a:spcBef>
+                <a:spcPts val="500"/>
+              </a:spcBef>
+              <a:buFont typeface="Arial" pitchFamily="34" charset="0"/>
+              <a:buChar char="•"/>
+              <a:defRPr sz="2000" kern="1200">
+                <a:gradFill>
+                  <a:gsLst>
+                    <a:gs pos="34000">
+                      <a:schemeClr val="tx1">
+                        <a:lumMod val="93000"/>
+                      </a:schemeClr>
+                    </a:gs>
+                    <a:gs pos="0">
+                      <a:schemeClr val="bg1">
+                        <a:lumMod val="25000"/>
+                        <a:lumOff val="75000"/>
+                      </a:schemeClr>
+                    </a:gs>
+                    <a:gs pos="100000">
+                      <a:schemeClr val="tx2">
+                        <a:lumMod val="0"/>
+                        <a:lumOff val="100000"/>
+                      </a:schemeClr>
+                    </a:gs>
+                  </a:gsLst>
+                  <a:lin ang="4800000" scaled="0"/>
+                </a:gradFill>
+                <a:latin typeface="+mn-lt"/>
+                <a:ea typeface="+mn-ea"/>
+                <a:cs typeface="+mn-cs"/>
+              </a:defRPr>
+            </a:lvl3pPr>
+            <a:lvl4pPr marL="1600200" indent="-228600" algn="l" defTabSz="914400" rtl="0" eaLnBrk="1" latinLnBrk="0" hangingPunct="1">
+              <a:lnSpc>
+                <a:spcPct val="90000"/>
+              </a:lnSpc>
+              <a:spcBef>
+                <a:spcPts val="500"/>
+              </a:spcBef>
+              <a:buFont typeface="Arial" pitchFamily="34" charset="0"/>
+              <a:buChar char="•"/>
+              <a:defRPr sz="1800" kern="1200">
+                <a:gradFill>
+                  <a:gsLst>
+                    <a:gs pos="34000">
+                      <a:schemeClr val="tx1">
+                        <a:lumMod val="93000"/>
+                      </a:schemeClr>
+                    </a:gs>
+                    <a:gs pos="0">
+                      <a:schemeClr val="bg1">
+                        <a:lumMod val="25000"/>
+                        <a:lumOff val="75000"/>
+                      </a:schemeClr>
+                    </a:gs>
+                    <a:gs pos="100000">
+                      <a:schemeClr val="tx2">
+                        <a:lumMod val="0"/>
+                        <a:lumOff val="100000"/>
+                      </a:schemeClr>
+                    </a:gs>
+                  </a:gsLst>
+                  <a:lin ang="4800000" scaled="0"/>
+                </a:gradFill>
+                <a:latin typeface="+mn-lt"/>
+                <a:ea typeface="+mn-ea"/>
+                <a:cs typeface="+mn-cs"/>
+              </a:defRPr>
+            </a:lvl4pPr>
+            <a:lvl5pPr marL="2057400" indent="-228600" algn="l" defTabSz="914400" rtl="0" eaLnBrk="1" latinLnBrk="0" hangingPunct="1">
+              <a:lnSpc>
+                <a:spcPct val="90000"/>
+              </a:lnSpc>
+              <a:spcBef>
+                <a:spcPts val="500"/>
+              </a:spcBef>
+              <a:buFont typeface="Arial" pitchFamily="34" charset="0"/>
+              <a:buChar char="•"/>
+              <a:defRPr sz="1800" kern="1200">
+                <a:gradFill>
+                  <a:gsLst>
+                    <a:gs pos="34000">
+                      <a:schemeClr val="tx1">
+                        <a:lumMod val="93000"/>
+                      </a:schemeClr>
+                    </a:gs>
+                    <a:gs pos="0">
+                      <a:schemeClr val="bg1">
+                        <a:lumMod val="25000"/>
+                        <a:lumOff val="75000"/>
+                      </a:schemeClr>
+                    </a:gs>
+                    <a:gs pos="100000">
+                      <a:schemeClr val="tx2">
+                        <a:lumMod val="0"/>
+                        <a:lumOff val="100000"/>
+                      </a:schemeClr>
+                    </a:gs>
+                  </a:gsLst>
+                  <a:lin ang="4800000" scaled="0"/>
+                </a:gradFill>
+                <a:latin typeface="+mn-lt"/>
+                <a:ea typeface="+mn-ea"/>
+                <a:cs typeface="+mn-cs"/>
+              </a:defRPr>
+            </a:lvl5pPr>
+            <a:lvl6pPr marL="2514600" indent="-228600" algn="l" defTabSz="914400" rtl="0" eaLnBrk="1" latinLnBrk="0" hangingPunct="1">
+              <a:lnSpc>
+                <a:spcPct val="90000"/>
+              </a:lnSpc>
+              <a:spcBef>
+                <a:spcPts val="500"/>
+              </a:spcBef>
+              <a:buFont typeface="Arial" pitchFamily="34" charset="0"/>
+              <a:buChar char="•"/>
+              <a:defRPr sz="1800" kern="1200">
+                <a:solidFill>
+                  <a:schemeClr val="tx1"/>
+                </a:solidFill>
+                <a:latin typeface="+mn-lt"/>
+                <a:ea typeface="+mn-ea"/>
+                <a:cs typeface="+mn-cs"/>
+              </a:defRPr>
+            </a:lvl6pPr>
+            <a:lvl7pPr marL="2971800" indent="-228600" algn="l" defTabSz="914400" rtl="0" eaLnBrk="1" latinLnBrk="0" hangingPunct="1">
+              <a:lnSpc>
+                <a:spcPct val="90000"/>
+              </a:lnSpc>
+              <a:spcBef>
+                <a:spcPts val="500"/>
+              </a:spcBef>
+              <a:buFont typeface="Arial" pitchFamily="34" charset="0"/>
+              <a:buChar char="•"/>
+              <a:defRPr sz="1800" kern="1200">
+                <a:solidFill>
+                  <a:schemeClr val="tx1"/>
+                </a:solidFill>
+                <a:latin typeface="+mn-lt"/>
+                <a:ea typeface="+mn-ea"/>
+                <a:cs typeface="+mn-cs"/>
+              </a:defRPr>
+            </a:lvl7pPr>
+            <a:lvl8pPr marL="3429000" indent="-228600" algn="l" defTabSz="914400" rtl="0" eaLnBrk="1" latinLnBrk="0" hangingPunct="1">
+              <a:lnSpc>
+                <a:spcPct val="90000"/>
+              </a:lnSpc>
+              <a:spcBef>
+                <a:spcPts val="500"/>
+              </a:spcBef>
+              <a:buFont typeface="Arial" pitchFamily="34" charset="0"/>
+              <a:buChar char="•"/>
+              <a:defRPr sz="1800" kern="1200">
+                <a:solidFill>
+                  <a:schemeClr val="tx1"/>
+                </a:solidFill>
+                <a:latin typeface="+mn-lt"/>
+                <a:ea typeface="+mn-ea"/>
+                <a:cs typeface="+mn-cs"/>
+              </a:defRPr>
+            </a:lvl8pPr>
+            <a:lvl9pPr marL="3886200" indent="-228600" algn="l" defTabSz="914400" rtl="0" eaLnBrk="1" latinLnBrk="0" hangingPunct="1">
+              <a:lnSpc>
+                <a:spcPct val="90000"/>
+              </a:lnSpc>
+              <a:spcBef>
+                <a:spcPts val="500"/>
+              </a:spcBef>
+              <a:buFont typeface="Arial" pitchFamily="34" charset="0"/>
+              <a:buChar char="•"/>
+              <a:defRPr sz="1800" kern="1200">
+                <a:solidFill>
+                  <a:schemeClr val="tx1"/>
+                </a:solidFill>
+                <a:latin typeface="+mn-lt"/>
+                <a:ea typeface="+mn-ea"/>
+                <a:cs typeface="+mn-cs"/>
+              </a:defRPr>
+            </a:lvl9pPr>
+          </a:lstStyle>
+          <a:p>
+            <a:r>
+              <a:rPr altLang="zh-CN" sz="3200"/>
+              <a:t>ValueFlow::setValues规则</a:t>
+            </a:r>
+            <a:endParaRPr altLang="zh-CN" sz="3200"/>
+          </a:p>
+          <a:p>
+            <a:pPr marL="0" indent="0">
+              <a:buNone/>
+            </a:pPr>
+            <a:r>
+              <a:rPr lang="en-US" altLang="zh-CN"/>
+              <a:t>Number					String</a:t>
+            </a:r>
+            <a:endParaRPr lang="en-US" altLang="zh-CN"/>
+          </a:p>
+          <a:p>
+            <a:pPr marL="0" indent="0">
+              <a:buNone/>
+            </a:pPr>
+            <a:r>
+              <a:rPr lang="en-US" altLang="zh-CN"/>
+              <a:t>Array						PointerAlias</a:t>
+            </a:r>
+            <a:endParaRPr lang="en-US" altLang="zh-CN"/>
+          </a:p>
+          <a:p>
+            <a:pPr marL="0" indent="0">
+              <a:buNone/>
+            </a:pPr>
+            <a:r>
+              <a:rPr lang="en-US" altLang="zh-CN"/>
+              <a:t>FunctionReturn				BitAnd</a:t>
+            </a:r>
+            <a:endParaRPr lang="en-US" altLang="zh-CN"/>
+          </a:p>
+          <a:p>
+            <a:pPr marL="0" indent="0">
+              <a:buNone/>
+            </a:pPr>
+            <a:r>
+              <a:rPr lang="en-US" altLang="zh-CN"/>
+              <a:t>ForLoop					BeforeCondition</a:t>
+            </a:r>
+            <a:endParaRPr lang="en-US" altLang="zh-CN"/>
+          </a:p>
+          <a:p>
+            <a:pPr marL="0" indent="0">
+              <a:buNone/>
+            </a:pPr>
+            <a:r>
+              <a:rPr lang="en-US" altLang="zh-CN"/>
+              <a:t>AfterAssign					AfterCondition</a:t>
+            </a:r>
+            <a:endParaRPr lang="en-US" altLang="zh-CN"/>
+          </a:p>
+          <a:p>
+            <a:pPr marL="0" indent="0">
+              <a:buNone/>
+            </a:pPr>
+            <a:r>
+              <a:rPr lang="en-US" altLang="zh-CN"/>
+              <a:t>SwitchVariable				SubFunction</a:t>
+            </a:r>
+            <a:endParaRPr lang="en-US" altLang="zh-CN"/>
+          </a:p>
+          <a:p>
+            <a:pPr marL="0" indent="0">
+              <a:buNone/>
+            </a:pPr>
+            <a:r>
+              <a:rPr lang="en-US" altLang="zh-CN"/>
+              <a:t>FunctionDefaultParameter</a:t>
+            </a:r>
+            <a:endParaRPr lang="en-US" altLang="zh-CN"/>
+          </a:p>
+        </p:txBody>
+      </p:sp>
+    </p:spTree>
+  </p:cSld>
+  <p:clrMapOvr>
+    <a:masterClrMapping/>
+  </p:clrMapOvr>
+</p:sld>
+</file>
+
+<file path=ppt/slides/slide16.xml><?xml version="1.0" encoding="utf-8"?>
+<p:sld xmlns:a="http://schemas.openxmlformats.org/drawingml/2006/main" xmlns:r="http://schemas.openxmlformats.org/officeDocument/2006/relationships" xmlns:p="http://schemas.openxmlformats.org/presentationml/2006/main">
+  <p:cSld>
+    <p:spTree>
+      <p:nvGrpSpPr>
+        <p:cNvPr id="1" name=""/>
+        <p:cNvGrpSpPr/>
+        <p:nvPr/>
+      </p:nvGrpSpPr>
+      <p:grpSpPr/>
+      <p:sp>
+        <p:nvSpPr>
+          <p:cNvPr id="2" name="标题 1"/>
+          <p:cNvSpPr>
+            <a:spLocks noGrp="1"/>
+          </p:cNvSpPr>
+          <p:nvPr>
+            <p:ph type="title"/>
+          </p:nvPr>
+        </p:nvSpPr>
+        <p:spPr/>
+        <p:txBody>
+          <a:bodyPr/>
+          <a:p>
+            <a:r>
+              <a:rPr kumimoji="1" lang="zh-CN" altLang="en-US" dirty="0" smtClean="0">
+                <a:sym typeface="+mn-ea"/>
+              </a:rPr>
+              <a:t>样例二</a:t>
+            </a:r>
+            <a:r>
+              <a:rPr kumimoji="1" lang="en-US" altLang="zh-CN" dirty="0" smtClean="0">
+                <a:sym typeface="+mn-ea"/>
+              </a:rPr>
+              <a:t>(1)</a:t>
+            </a:r>
+            <a:r>
+              <a:rPr kumimoji="1" lang="zh-CN" altLang="en-US" dirty="0" smtClean="0">
+                <a:sym typeface="+mn-ea"/>
+              </a:rPr>
+              <a:t>测试</a:t>
+            </a:r>
+            <a:endParaRPr lang="zh-CN" altLang="en-US"/>
+          </a:p>
+        </p:txBody>
+      </p:sp>
+      <p:sp>
+        <p:nvSpPr>
+          <p:cNvPr id="3" name="内容占位符 2"/>
+          <p:cNvSpPr>
+            <a:spLocks noGrp="1"/>
+          </p:cNvSpPr>
+          <p:nvPr>
+            <p:ph idx="1"/>
+          </p:nvPr>
+        </p:nvSpPr>
+        <p:spPr/>
+        <p:txBody>
+          <a:bodyPr/>
+          <a:p>
+            <a:pPr>
+              <a:buFont typeface="Arial" charset="0"/>
+              <a:buChar char="•"/>
+            </a:pPr>
+            <a:r>
+              <a:rPr lang="zh-CN" altLang="en-US"/>
+              <a:t>测试改进建议</a:t>
+            </a:r>
+            <a:endParaRPr lang="zh-CN" altLang="en-US"/>
+          </a:p>
+          <a:p>
+            <a:pPr lvl="1"/>
+            <a:r>
+              <a:rPr lang="zh-CN" altLang="en-US"/>
+              <a:t>换为int指针类型进行测试，避免未定义成员函数带来的干扰</a:t>
+            </a:r>
+            <a:endParaRPr lang="zh-CN" altLang="en-US"/>
+          </a:p>
+          <a:p>
+            <a:pPr lvl="1"/>
+            <a:r>
+              <a:rPr lang="zh-CN" altLang="en-US"/>
+              <a:t>完善class定义进行测试</a:t>
+            </a:r>
+            <a:endParaRPr lang="zh-CN" altLang="en-US"/>
+          </a:p>
+          <a:p>
+            <a:pPr lvl="0"/>
+            <a:r>
+              <a:rPr lang="zh-CN" altLang="en-US"/>
+              <a:t>进一步测试方向</a:t>
+            </a:r>
+            <a:endParaRPr lang="zh-CN" altLang="en-US"/>
+          </a:p>
+          <a:p>
+            <a:pPr lvl="1"/>
+            <a:r>
+              <a:rPr lang="zh-CN" altLang="en-US"/>
+              <a:t>数据构成</a:t>
+            </a:r>
+            <a:endParaRPr lang="zh-CN" altLang="en-US"/>
+          </a:p>
+          <a:p>
+            <a:pPr lvl="1"/>
+            <a:r>
+              <a:rPr lang="zh-CN" altLang="en-US"/>
+              <a:t>数据模块中类的关系</a:t>
+            </a:r>
+            <a:endParaRPr lang="zh-CN" altLang="en-US"/>
+          </a:p>
+        </p:txBody>
+      </p:sp>
+    </p:spTree>
+  </p:cSld>
+  <p:clrMapOvr>
+    <a:masterClrMapping/>
+  </p:clrMapOvr>
+</p:sld>
+</file>
+
+<file path=ppt/slides/slide17.xml><?xml version="1.0" encoding="utf-8"?>
+<p:sld xmlns:a="http://schemas.openxmlformats.org/drawingml/2006/main" xmlns:r="http://schemas.openxmlformats.org/officeDocument/2006/relationships" xmlns:p="http://schemas.openxmlformats.org/presentationml/2006/main">
+  <p:cSld>
+    <p:spTree>
+      <p:nvGrpSpPr>
+        <p:cNvPr id="1" name=""/>
+        <p:cNvGrpSpPr/>
+        <p:nvPr/>
+      </p:nvGrpSpPr>
+      <p:grpSpPr/>
+      <p:sp>
+        <p:nvSpPr>
+          <p:cNvPr id="2" name="标题 1"/>
+          <p:cNvSpPr>
+            <a:spLocks noGrp="1"/>
+          </p:cNvSpPr>
+          <p:nvPr>
+            <p:ph type="title"/>
+          </p:nvPr>
+        </p:nvSpPr>
+        <p:spPr/>
+        <p:txBody>
+          <a:bodyPr/>
+          <a:p>
+            <a:r>
+              <a:rPr kumimoji="1" lang="zh-CN" altLang="en-US" dirty="0" smtClean="0">
+                <a:sym typeface="+mn-ea"/>
+              </a:rPr>
+              <a:t>样例二</a:t>
+            </a:r>
+            <a:r>
+              <a:rPr kumimoji="1" lang="en-US" altLang="zh-CN" dirty="0" smtClean="0">
+                <a:sym typeface="+mn-ea"/>
+              </a:rPr>
+              <a:t>(2)</a:t>
+            </a:r>
+            <a:r>
+              <a:rPr kumimoji="1" lang="zh-CN" altLang="en-US" dirty="0" smtClean="0">
+                <a:sym typeface="+mn-ea"/>
+              </a:rPr>
+              <a:t>测试</a:t>
+            </a:r>
+            <a:endParaRPr lang="zh-CN" altLang="en-US"/>
+          </a:p>
+        </p:txBody>
+      </p:sp>
+      <p:sp>
+        <p:nvSpPr>
+          <p:cNvPr id="3" name="内容占位符 2"/>
+          <p:cNvSpPr>
+            <a:spLocks noGrp="1"/>
+          </p:cNvSpPr>
+          <p:nvPr>
+            <p:ph idx="1"/>
+          </p:nvPr>
+        </p:nvSpPr>
+        <p:spPr/>
+        <p:txBody>
+          <a:bodyPr/>
+          <a:p>
+            <a:r>
+              <a:rPr lang="zh-CN" altLang="en-US"/>
+              <a:t>测试方法</a:t>
+            </a:r>
+            <a:endParaRPr lang="zh-CN" altLang="en-US"/>
+          </a:p>
+          <a:p>
+            <a:pPr lvl="1"/>
+            <a:r>
+              <a:rPr lang="zh-CN" altLang="en-US"/>
+              <a:t>白盒测试</a:t>
+            </a:r>
+            <a:endParaRPr lang="zh-CN" altLang="en-US"/>
+          </a:p>
+          <a:p>
+            <a:r>
+              <a:rPr lang="zh-CN" altLang="en-US"/>
+              <a:t>侧重点</a:t>
+            </a:r>
+            <a:endParaRPr lang="zh-CN" altLang="en-US"/>
+          </a:p>
+          <a:p>
+            <a:pPr lvl="1"/>
+            <a:r>
+              <a:rPr lang="zh-CN" altLang="en-US"/>
+              <a:t>跟踪</a:t>
+            </a:r>
+            <a:r>
+              <a:rPr lang="zh-CN" altLang="en-US" u="sng"/>
+              <a:t>数据</a:t>
+            </a:r>
+            <a:r>
+              <a:rPr lang="zh-CN" altLang="en-US"/>
+              <a:t>走向</a:t>
+            </a:r>
+            <a:endParaRPr lang="zh-CN" altLang="en-US"/>
+          </a:p>
+          <a:p>
+            <a:pPr lvl="1"/>
+            <a:r>
+              <a:rPr lang="zh-CN" altLang="en-US"/>
+              <a:t>分析</a:t>
+            </a:r>
+            <a:r>
+              <a:rPr lang="en-US" altLang="zh-CN"/>
+              <a:t>Token</a:t>
+            </a:r>
+            <a:r>
+              <a:rPr lang="zh-CN" altLang="en-US"/>
+              <a:t>（</a:t>
+            </a:r>
+            <a:r>
+              <a:rPr lang="en-US" altLang="zh-CN"/>
+              <a:t>Tokenize</a:t>
+            </a:r>
+            <a:r>
+              <a:rPr lang="zh-CN" altLang="en-US"/>
+              <a:t>模块）与</a:t>
+            </a:r>
+            <a:r>
+              <a:rPr lang="en-US" altLang="zh-CN"/>
+              <a:t>Symbol</a:t>
+            </a:r>
+            <a:r>
+              <a:rPr lang="zh-CN" altLang="en-US"/>
+              <a:t>（</a:t>
+            </a:r>
+            <a:r>
+              <a:rPr lang="en-US" altLang="zh-CN"/>
+              <a:t>SymbolDatabase</a:t>
+            </a:r>
+            <a:r>
+              <a:rPr lang="zh-CN" altLang="en-US"/>
+              <a:t>模块）类与对象间关系</a:t>
+            </a:r>
+            <a:endParaRPr lang="zh-CN" altLang="en-US"/>
+          </a:p>
+          <a:p>
+            <a:pPr lvl="1"/>
+            <a:r>
+              <a:rPr lang="en-US" altLang="zh-CN"/>
+              <a:t>Ast</a:t>
+            </a:r>
+            <a:r>
+              <a:rPr lang="zh-CN" altLang="en-US"/>
+              <a:t>（抽象语法树）分析，与</a:t>
+            </a:r>
+            <a:r>
+              <a:rPr lang="en-US" altLang="zh-CN"/>
+              <a:t>Token</a:t>
+            </a:r>
+            <a:r>
+              <a:rPr lang="zh-CN" altLang="en-US"/>
+              <a:t>挂钩</a:t>
+            </a:r>
+            <a:endParaRPr lang="zh-CN" altLang="en-US"/>
+          </a:p>
+        </p:txBody>
+      </p:sp>
+    </p:spTree>
+  </p:cSld>
+  <p:clrMapOvr>
+    <a:masterClrMapping/>
+  </p:clrMapOvr>
+</p:sld>
+</file>
+
+<file path=ppt/slides/slide18.xml><?xml version="1.0" encoding="utf-8"?>
+<p:sld xmlns:a="http://schemas.openxmlformats.org/drawingml/2006/main" xmlns:r="http://schemas.openxmlformats.org/officeDocument/2006/relationships" xmlns:p="http://schemas.openxmlformats.org/presentationml/2006/main">
+  <p:cSld>
+    <p:spTree>
+      <p:nvGrpSpPr>
+        <p:cNvPr id="1" name=""/>
+        <p:cNvGrpSpPr/>
+        <p:nvPr/>
+      </p:nvGrpSpPr>
+      <p:grpSpPr/>
+      <p:sp>
+        <p:nvSpPr>
+          <p:cNvPr id="2" name="标题 1"/>
+          <p:cNvSpPr>
+            <a:spLocks noGrp="1"/>
+          </p:cNvSpPr>
+          <p:nvPr>
+            <p:ph type="title"/>
+          </p:nvPr>
+        </p:nvSpPr>
+        <p:spPr/>
+        <p:txBody>
+          <a:bodyPr/>
+          <a:p>
+            <a:r>
+              <a:rPr kumimoji="1" lang="zh-CN" altLang="en-US" dirty="0" smtClean="0">
+                <a:sym typeface="+mn-ea"/>
+              </a:rPr>
+              <a:t>样例二</a:t>
+            </a:r>
+            <a:r>
+              <a:rPr kumimoji="1" lang="en-US" altLang="zh-CN" dirty="0" smtClean="0">
+                <a:sym typeface="+mn-ea"/>
+              </a:rPr>
+              <a:t>(2)</a:t>
+            </a:r>
+            <a:r>
+              <a:rPr kumimoji="1" lang="zh-CN" altLang="en-US" dirty="0" smtClean="0">
+                <a:sym typeface="+mn-ea"/>
+              </a:rPr>
+              <a:t>测试</a:t>
+            </a:r>
+            <a:endParaRPr lang="zh-CN" altLang="en-US"/>
+          </a:p>
+        </p:txBody>
+      </p:sp>
+      <p:sp>
+        <p:nvSpPr>
+          <p:cNvPr id="4" name="文本框 3"/>
+          <p:cNvSpPr txBox="1"/>
+          <p:nvPr/>
+        </p:nvSpPr>
+        <p:spPr>
+          <a:xfrm>
+            <a:off x="8487410" y="1969135"/>
+            <a:ext cx="2209165" cy="465455"/>
+          </a:xfrm>
+          <a:prstGeom prst="rect">
+            <a:avLst/>
+          </a:prstGeom>
+          <a:noFill/>
+        </p:spPr>
+        <p:txBody>
+          <a:bodyPr wrap="square" rtlCol="0">
+            <a:spAutoFit/>
+          </a:bodyPr>
+          <a:p>
+            <a:r>
+              <a:rPr lang="en-US" altLang="zh-CN" sz="2400"/>
+              <a:t>Tokenize</a:t>
+            </a:r>
+            <a:r>
+              <a:rPr lang="zh-CN" altLang="en-US" sz="2400"/>
+              <a:t>模块</a:t>
+            </a:r>
+            <a:endParaRPr lang="zh-CN" altLang="en-US" sz="2400"/>
+          </a:p>
+        </p:txBody>
+      </p:sp>
+      <p:sp>
+        <p:nvSpPr>
+          <p:cNvPr id="5" name="文本框 4"/>
+          <p:cNvSpPr txBox="1"/>
+          <p:nvPr/>
+        </p:nvSpPr>
+        <p:spPr>
+          <a:xfrm>
+            <a:off x="2540000" y="1969135"/>
+            <a:ext cx="2209165" cy="465455"/>
+          </a:xfrm>
+          <a:prstGeom prst="rect">
+            <a:avLst/>
+          </a:prstGeom>
+          <a:noFill/>
+        </p:spPr>
+        <p:txBody>
+          <a:bodyPr wrap="square" rtlCol="0">
+            <a:spAutoFit/>
+          </a:bodyPr>
+          <a:p>
+            <a:r>
+              <a:rPr lang="en-US" altLang="zh-CN" sz="2400"/>
+              <a:t>SymbolDB</a:t>
+            </a:r>
+            <a:r>
+              <a:rPr lang="zh-CN" altLang="en-US" sz="2400"/>
+              <a:t>模块</a:t>
+            </a:r>
+            <a:endParaRPr lang="zh-CN" altLang="en-US" sz="2400"/>
+          </a:p>
+        </p:txBody>
+      </p:sp>
+      <p:grpSp>
+        <p:nvGrpSpPr>
+          <p:cNvPr id="33" name="组合 32"/>
+          <p:cNvGrpSpPr/>
+          <p:nvPr/>
+        </p:nvGrpSpPr>
+        <p:grpSpPr>
+          <a:xfrm>
+            <a:off x="1045845" y="2769235"/>
+            <a:ext cx="5421630" cy="3395980"/>
+            <a:chOff x="1001" y="4361"/>
+            <a:chExt cx="8538" cy="5348"/>
+          </a:xfrm>
+        </p:grpSpPr>
+        <p:sp>
+          <p:nvSpPr>
+            <p:cNvPr id="31" name="矩形 30"/>
+            <p:cNvSpPr/>
+            <p:nvPr/>
+          </p:nvSpPr>
+          <p:spPr>
+            <a:xfrm>
+              <a:off x="1001" y="4361"/>
+              <a:ext cx="8538" cy="5348"/>
+            </a:xfrm>
+            <a:prstGeom prst="rect">
+              <a:avLst/>
+            </a:prstGeom>
+            <a:solidFill>
+              <a:schemeClr val="accent1">
+                <a:lumMod val="20000"/>
+                <a:lumOff val="80000"/>
+                <a:alpha val="14000"/>
+              </a:schemeClr>
+            </a:solidFill>
+          </p:spPr>
+          <p:style>
+            <a:lnRef idx="2">
+              <a:schemeClr val="accent1">
+                <a:shade val="50000"/>
+              </a:schemeClr>
+            </a:lnRef>
+            <a:fillRef idx="1">
+              <a:schemeClr val="accent1"/>
+            </a:fillRef>
+            <a:effectRef idx="0">
+              <a:schemeClr val="accent1"/>
+            </a:effectRef>
+            <a:fontRef idx="minor">
+              <a:schemeClr val="lt1"/>
+            </a:fontRef>
+          </p:style>
+          <p:txBody>
+            <a:bodyPr rtlCol="0" anchor="ctr"/>
+            <a:p>
+              <a:pPr algn="ctr"/>
+              <a:endParaRPr lang="zh-CN" altLang="en-US"/>
+            </a:p>
+          </p:txBody>
+        </p:sp>
+        <p:sp>
+          <p:nvSpPr>
+            <p:cNvPr id="6" name="矩形 5"/>
+            <p:cNvSpPr/>
+            <p:nvPr/>
+          </p:nvSpPr>
+          <p:spPr>
+            <a:xfrm>
+              <a:off x="4063" y="4994"/>
+              <a:ext cx="2042" cy="1310"/>
+            </a:xfrm>
+            <a:prstGeom prst="rect">
+              <a:avLst/>
+            </a:prstGeom>
+          </p:spPr>
+          <p:style>
+            <a:lnRef idx="2">
+              <a:schemeClr val="accent1">
+                <a:shade val="50000"/>
+              </a:schemeClr>
+            </a:lnRef>
+            <a:fillRef idx="1">
+              <a:schemeClr val="accent1"/>
+            </a:fillRef>
+            <a:effectRef idx="0">
+              <a:schemeClr val="accent1"/>
+            </a:effectRef>
+            <a:fontRef idx="minor">
+              <a:schemeClr val="lt1"/>
+            </a:fontRef>
+          </p:style>
+          <p:txBody>
+            <a:bodyPr rtlCol="0" anchor="ctr"/>
+            <a:p>
+              <a:pPr algn="ctr"/>
+              <a:r>
+                <a:rPr lang="en-US" altLang="zh-CN"/>
+                <a:t>Scope</a:t>
+              </a:r>
+              <a:endParaRPr lang="en-US" altLang="zh-CN"/>
+            </a:p>
+          </p:txBody>
+        </p:sp>
+        <p:sp>
+          <p:nvSpPr>
+            <p:cNvPr id="7" name="矩形 6"/>
+            <p:cNvSpPr/>
+            <p:nvPr/>
+          </p:nvSpPr>
+          <p:spPr>
+            <a:xfrm>
+              <a:off x="1320" y="6562"/>
+              <a:ext cx="2042" cy="1310"/>
+            </a:xfrm>
+            <a:prstGeom prst="rect">
+              <a:avLst/>
+            </a:prstGeom>
+          </p:spPr>
+          <p:style>
+            <a:lnRef idx="2">
+              <a:schemeClr val="accent1">
+                <a:shade val="50000"/>
+              </a:schemeClr>
+            </a:lnRef>
+            <a:fillRef idx="1">
+              <a:schemeClr val="accent1"/>
+            </a:fillRef>
+            <a:effectRef idx="0">
+              <a:schemeClr val="accent1"/>
+            </a:effectRef>
+            <a:fontRef idx="minor">
+              <a:schemeClr val="lt1"/>
+            </a:fontRef>
+          </p:style>
+          <p:txBody>
+            <a:bodyPr rtlCol="0" anchor="ctr"/>
+            <a:p>
+              <a:pPr algn="ctr"/>
+              <a:r>
+                <a:rPr lang="en-US" altLang="zh-CN"/>
+                <a:t>Variable</a:t>
+              </a:r>
+              <a:endParaRPr lang="en-US" altLang="zh-CN"/>
+            </a:p>
+          </p:txBody>
+        </p:sp>
+        <p:sp>
+          <p:nvSpPr>
+            <p:cNvPr id="8" name="矩形 7"/>
+            <p:cNvSpPr/>
+            <p:nvPr/>
+          </p:nvSpPr>
+          <p:spPr>
+            <a:xfrm>
+              <a:off x="4061" y="7217"/>
+              <a:ext cx="2042" cy="1310"/>
+            </a:xfrm>
+            <a:prstGeom prst="rect">
+              <a:avLst/>
+            </a:prstGeom>
+          </p:spPr>
+          <p:style>
+            <a:lnRef idx="2">
+              <a:schemeClr val="accent1">
+                <a:shade val="50000"/>
+              </a:schemeClr>
+            </a:lnRef>
+            <a:fillRef idx="1">
+              <a:schemeClr val="accent1"/>
+            </a:fillRef>
+            <a:effectRef idx="0">
+              <a:schemeClr val="accent1"/>
+            </a:effectRef>
+            <a:fontRef idx="minor">
+              <a:schemeClr val="lt1"/>
+            </a:fontRef>
+          </p:style>
+          <p:txBody>
+            <a:bodyPr rtlCol="0" anchor="ctr"/>
+            <a:p>
+              <a:pPr algn="ctr"/>
+              <a:r>
+                <a:rPr lang="en-US" altLang="zh-CN"/>
+                <a:t>Function</a:t>
+              </a:r>
+              <a:endParaRPr lang="en-US" altLang="zh-CN"/>
+            </a:p>
+          </p:txBody>
+        </p:sp>
+        <p:sp>
+          <p:nvSpPr>
+            <p:cNvPr id="9" name="矩形 8"/>
+            <p:cNvSpPr/>
+            <p:nvPr/>
+          </p:nvSpPr>
+          <p:spPr>
+            <a:xfrm>
+              <a:off x="6833" y="6560"/>
+              <a:ext cx="2042" cy="1310"/>
+            </a:xfrm>
+            <a:prstGeom prst="rect">
+              <a:avLst/>
+            </a:prstGeom>
+          </p:spPr>
+          <p:style>
+            <a:lnRef idx="2">
+              <a:schemeClr val="accent1">
+                <a:shade val="50000"/>
+              </a:schemeClr>
+            </a:lnRef>
+            <a:fillRef idx="1">
+              <a:schemeClr val="accent1"/>
+            </a:fillRef>
+            <a:effectRef idx="0">
+              <a:schemeClr val="accent1"/>
+            </a:effectRef>
+            <a:fontRef idx="minor">
+              <a:schemeClr val="lt1"/>
+            </a:fontRef>
+          </p:style>
+          <p:txBody>
+            <a:bodyPr rtlCol="0" anchor="ctr"/>
+            <a:p>
+              <a:pPr algn="ctr"/>
+              <a:r>
+                <a:rPr lang="en-US" altLang="zh-CN"/>
+                <a:t>Type</a:t>
+              </a:r>
+              <a:endParaRPr lang="en-US" altLang="zh-CN"/>
+            </a:p>
+          </p:txBody>
+        </p:sp>
+        <p:cxnSp>
+          <p:nvCxnSpPr>
+            <p:cNvPr id="10" name="肘形连接符 9"/>
+            <p:cNvCxnSpPr>
+              <a:stCxn id="6" idx="1"/>
+              <a:endCxn id="6" idx="0"/>
+            </p:cNvCxnSpPr>
+            <p:nvPr/>
+          </p:nvCxnSpPr>
+          <p:spPr>
+            <a:xfrm rot="10800000" flipH="1">
+              <a:off x="4062" y="4993"/>
+              <a:ext cx="1021" cy="655"/>
+            </a:xfrm>
+            <a:prstGeom prst="bentConnector4">
+              <a:avLst>
+                <a:gd name="adj1" fmla="val -36729"/>
+                <a:gd name="adj2" fmla="val 157252"/>
+              </a:avLst>
+            </a:prstGeom>
+            <a:ln>
+              <a:tailEnd type="arrow"/>
+            </a:ln>
+          </p:spPr>
+          <p:style>
+            <a:lnRef idx="1">
+              <a:schemeClr val="accent1"/>
+            </a:lnRef>
+            <a:fillRef idx="0">
+              <a:schemeClr val="accent1"/>
+            </a:fillRef>
+            <a:effectRef idx="0">
+              <a:schemeClr val="accent1"/>
+            </a:effectRef>
+            <a:fontRef idx="minor">
+              <a:schemeClr val="tx1"/>
+            </a:fontRef>
+          </p:style>
+        </p:cxnSp>
+        <p:cxnSp>
+          <p:nvCxnSpPr>
+            <p:cNvPr id="12" name="肘形连接符 11"/>
+            <p:cNvCxnSpPr>
+              <a:stCxn id="6" idx="2"/>
+              <a:endCxn id="8" idx="0"/>
+            </p:cNvCxnSpPr>
+            <p:nvPr/>
+          </p:nvCxnSpPr>
+          <p:spPr>
+            <a:xfrm rot="5400000">
+              <a:off x="4627" y="6760"/>
+              <a:ext cx="913" cy="2"/>
+            </a:xfrm>
+            <a:prstGeom prst="bentConnector3">
+              <a:avLst>
+                <a:gd name="adj1" fmla="val 50000"/>
+              </a:avLst>
+            </a:prstGeom>
+            <a:ln>
+              <a:headEnd type="arrow"/>
+              <a:tailEnd type="arrow"/>
+            </a:ln>
+          </p:spPr>
+          <p:style>
+            <a:lnRef idx="1">
+              <a:schemeClr val="accent1"/>
+            </a:lnRef>
+            <a:fillRef idx="0">
+              <a:schemeClr val="accent1"/>
+            </a:fillRef>
+            <a:effectRef idx="0">
+              <a:schemeClr val="accent1"/>
+            </a:effectRef>
+            <a:fontRef idx="minor">
+              <a:schemeClr val="tx1"/>
+            </a:fontRef>
+          </p:style>
+        </p:cxnSp>
+        <p:cxnSp>
+          <p:nvCxnSpPr>
+            <p:cNvPr id="14" name="肘形连接符 13"/>
+            <p:cNvCxnSpPr>
+              <a:stCxn id="8" idx="1"/>
+              <a:endCxn id="7" idx="3"/>
+            </p:cNvCxnSpPr>
+            <p:nvPr/>
+          </p:nvCxnSpPr>
+          <p:spPr>
+            <a:xfrm rot="10800000">
+              <a:off x="3362" y="7217"/>
+              <a:ext cx="699" cy="655"/>
+            </a:xfrm>
+            <a:prstGeom prst="bentConnector3">
+              <a:avLst>
+                <a:gd name="adj1" fmla="val 49928"/>
+              </a:avLst>
+            </a:prstGeom>
+            <a:ln>
+              <a:tailEnd type="arrow"/>
+            </a:ln>
+          </p:spPr>
+          <p:style>
+            <a:lnRef idx="1">
+              <a:schemeClr val="accent1"/>
+            </a:lnRef>
+            <a:fillRef idx="0">
+              <a:schemeClr val="accent1"/>
+            </a:fillRef>
+            <a:effectRef idx="0">
+              <a:schemeClr val="accent1"/>
+            </a:effectRef>
+            <a:fontRef idx="minor">
+              <a:schemeClr val="tx1"/>
+            </a:fontRef>
+          </p:style>
+        </p:cxnSp>
+        <p:cxnSp>
+          <p:nvCxnSpPr>
+            <p:cNvPr id="16" name="肘形连接符 15"/>
+            <p:cNvCxnSpPr>
+              <a:stCxn id="7" idx="2"/>
+              <a:endCxn id="9" idx="2"/>
+            </p:cNvCxnSpPr>
+            <p:nvPr/>
+          </p:nvCxnSpPr>
+          <p:spPr>
+            <a:xfrm rot="5400000" flipH="1" flipV="1">
+              <a:off x="5096" y="5114"/>
+              <a:ext cx="5" cy="5513"/>
+            </a:xfrm>
+            <a:prstGeom prst="bentConnector3">
+              <a:avLst>
+                <a:gd name="adj1" fmla="val -29060000"/>
+              </a:avLst>
+            </a:prstGeom>
+            <a:ln>
+              <a:tailEnd type="arrow"/>
+            </a:ln>
+          </p:spPr>
+          <p:style>
+            <a:lnRef idx="1">
+              <a:schemeClr val="accent1"/>
+            </a:lnRef>
+            <a:fillRef idx="0">
+              <a:schemeClr val="accent1"/>
+            </a:fillRef>
+            <a:effectRef idx="0">
+              <a:schemeClr val="accent1"/>
+            </a:effectRef>
+            <a:fontRef idx="minor">
+              <a:schemeClr val="tx1"/>
+            </a:fontRef>
+          </p:style>
+        </p:cxnSp>
+        <p:cxnSp>
+          <p:nvCxnSpPr>
+            <p:cNvPr id="17" name="肘形连接符 16"/>
+            <p:cNvCxnSpPr>
+              <a:stCxn id="8" idx="2"/>
+              <a:endCxn id="8" idx="3"/>
+            </p:cNvCxnSpPr>
+            <p:nvPr/>
+          </p:nvCxnSpPr>
+          <p:spPr>
+            <a:xfrm rot="5400000" flipH="1" flipV="1">
+              <a:off x="5265" y="7688"/>
+              <a:ext cx="655" cy="1021"/>
+            </a:xfrm>
+            <a:prstGeom prst="bentConnector4">
+              <a:avLst>
+                <a:gd name="adj1" fmla="val -57252"/>
+                <a:gd name="adj2" fmla="val 136729"/>
+              </a:avLst>
+            </a:prstGeom>
+            <a:ln>
+              <a:tailEnd type="arrow"/>
+            </a:ln>
+          </p:spPr>
+          <p:style>
+            <a:lnRef idx="1">
+              <a:schemeClr val="accent1"/>
+            </a:lnRef>
+            <a:fillRef idx="0">
+              <a:schemeClr val="accent1"/>
+            </a:fillRef>
+            <a:effectRef idx="0">
+              <a:schemeClr val="accent1"/>
+            </a:effectRef>
+            <a:fontRef idx="minor">
+              <a:schemeClr val="tx1"/>
+            </a:fontRef>
+          </p:style>
+        </p:cxnSp>
+        <p:cxnSp>
+          <p:nvCxnSpPr>
+            <p:cNvPr id="18" name="肘形连接符 17"/>
+            <p:cNvCxnSpPr>
+              <a:stCxn id="9" idx="0"/>
+              <a:endCxn id="9" idx="3"/>
+            </p:cNvCxnSpPr>
+            <p:nvPr/>
+          </p:nvCxnSpPr>
+          <p:spPr>
+            <a:xfrm rot="16200000" flipH="1">
+              <a:off x="8036" y="6377"/>
+              <a:ext cx="655" cy="1021"/>
+            </a:xfrm>
+            <a:prstGeom prst="bentConnector4">
+              <a:avLst>
+                <a:gd name="adj1" fmla="val -57252"/>
+                <a:gd name="adj2" fmla="val 136729"/>
+              </a:avLst>
+            </a:prstGeom>
+            <a:ln>
+              <a:tailEnd type="arrow"/>
+            </a:ln>
+          </p:spPr>
+          <p:style>
+            <a:lnRef idx="1">
+              <a:schemeClr val="accent1"/>
+            </a:lnRef>
+            <a:fillRef idx="0">
+              <a:schemeClr val="accent1"/>
+            </a:fillRef>
+            <a:effectRef idx="0">
+              <a:schemeClr val="accent1"/>
+            </a:effectRef>
+            <a:fontRef idx="minor">
+              <a:schemeClr val="tx1"/>
+            </a:fontRef>
+          </p:style>
+        </p:cxnSp>
+        <p:cxnSp>
+          <p:nvCxnSpPr>
+            <p:cNvPr id="22" name="肘形连接符 21"/>
+            <p:cNvCxnSpPr>
+              <a:stCxn id="6" idx="3"/>
+              <a:endCxn id="9" idx="1"/>
+            </p:cNvCxnSpPr>
+            <p:nvPr/>
+          </p:nvCxnSpPr>
+          <p:spPr>
+            <a:xfrm>
+              <a:off x="6105" y="5649"/>
+              <a:ext cx="728" cy="1566"/>
+            </a:xfrm>
+            <a:prstGeom prst="bentConnector3">
+              <a:avLst>
+                <a:gd name="adj1" fmla="val 50000"/>
+              </a:avLst>
+            </a:prstGeom>
+            <a:ln>
+              <a:headEnd type="arrow"/>
+              <a:tailEnd type="arrow"/>
+            </a:ln>
+          </p:spPr>
+          <p:style>
+            <a:lnRef idx="1">
+              <a:schemeClr val="accent1"/>
+            </a:lnRef>
+            <a:fillRef idx="0">
+              <a:schemeClr val="accent1"/>
+            </a:fillRef>
+            <a:effectRef idx="0">
+              <a:schemeClr val="accent1"/>
+            </a:effectRef>
+            <a:fontRef idx="minor">
+              <a:schemeClr val="tx1"/>
+            </a:fontRef>
+          </p:style>
+        </p:cxnSp>
+        <p:cxnSp>
+          <p:nvCxnSpPr>
+            <p:cNvPr id="23" name="肘形连接符 22"/>
+            <p:cNvCxnSpPr>
+              <a:stCxn id="7" idx="0"/>
+              <a:endCxn id="6" idx="1"/>
+            </p:cNvCxnSpPr>
+            <p:nvPr/>
+          </p:nvCxnSpPr>
+          <p:spPr>
+            <a:xfrm rot="16200000">
+              <a:off x="2745" y="5244"/>
+              <a:ext cx="913" cy="1722"/>
+            </a:xfrm>
+            <a:prstGeom prst="bentConnector2">
+              <a:avLst/>
+            </a:prstGeom>
+            <a:ln>
+              <a:headEnd type="arrow"/>
+              <a:tailEnd type="arrow"/>
+            </a:ln>
+          </p:spPr>
+          <p:style>
+            <a:lnRef idx="1">
+              <a:schemeClr val="accent1"/>
+            </a:lnRef>
+            <a:fillRef idx="0">
+              <a:schemeClr val="accent1"/>
+            </a:fillRef>
+            <a:effectRef idx="0">
+              <a:schemeClr val="accent1"/>
+            </a:effectRef>
+            <a:fontRef idx="minor">
+              <a:schemeClr val="tx1"/>
+            </a:fontRef>
+          </p:style>
+        </p:cxnSp>
+      </p:grpSp>
+      <p:grpSp>
+        <p:nvGrpSpPr>
+          <p:cNvPr id="34" name="组合 33"/>
+          <p:cNvGrpSpPr/>
+          <p:nvPr/>
+        </p:nvGrpSpPr>
+        <p:grpSpPr>
+          <a:xfrm>
+            <a:off x="7649845" y="2769235"/>
+            <a:ext cx="3517900" cy="3337560"/>
+            <a:chOff x="11401" y="4361"/>
+            <a:chExt cx="5540" cy="5256"/>
+          </a:xfrm>
+        </p:grpSpPr>
+        <p:sp>
+          <p:nvSpPr>
+            <p:cNvPr id="32" name="矩形 31"/>
+            <p:cNvSpPr/>
+            <p:nvPr/>
+          </p:nvSpPr>
+          <p:spPr>
+            <a:xfrm>
+              <a:off x="11401" y="4361"/>
+              <a:ext cx="5540" cy="5256"/>
+            </a:xfrm>
+            <a:prstGeom prst="rect">
+              <a:avLst/>
+            </a:prstGeom>
+            <a:solidFill>
+              <a:schemeClr val="accent1">
+                <a:lumMod val="20000"/>
+                <a:lumOff val="80000"/>
+                <a:alpha val="14000"/>
+              </a:schemeClr>
+            </a:solidFill>
+          </p:spPr>
+          <p:style>
+            <a:lnRef idx="2">
+              <a:schemeClr val="accent1">
+                <a:shade val="50000"/>
+              </a:schemeClr>
+            </a:lnRef>
+            <a:fillRef idx="1">
+              <a:schemeClr val="accent1"/>
+            </a:fillRef>
+            <a:effectRef idx="0">
+              <a:schemeClr val="accent1"/>
+            </a:effectRef>
+            <a:fontRef idx="minor">
+              <a:schemeClr val="lt1"/>
+            </a:fontRef>
+          </p:style>
+          <p:txBody>
+            <a:bodyPr rtlCol="0" anchor="ctr"/>
+            <a:p>
+              <a:pPr algn="ctr"/>
+              <a:endParaRPr lang="zh-CN" altLang="en-US"/>
+            </a:p>
+          </p:txBody>
+        </p:sp>
+        <p:sp>
+          <p:nvSpPr>
+            <p:cNvPr id="24" name="矩形 23"/>
+            <p:cNvSpPr/>
+            <p:nvPr/>
+          </p:nvSpPr>
+          <p:spPr>
+            <a:xfrm>
+              <a:off x="13119" y="5451"/>
+              <a:ext cx="2103" cy="2223"/>
+            </a:xfrm>
+            <a:prstGeom prst="rect">
+              <a:avLst/>
+            </a:prstGeom>
+          </p:spPr>
+          <p:style>
+            <a:lnRef idx="2">
+              <a:schemeClr val="accent1">
+                <a:shade val="50000"/>
+              </a:schemeClr>
+            </a:lnRef>
+            <a:fillRef idx="1">
+              <a:schemeClr val="accent1"/>
+            </a:fillRef>
+            <a:effectRef idx="0">
+              <a:schemeClr val="accent1"/>
+            </a:effectRef>
+            <a:fontRef idx="minor">
+              <a:schemeClr val="lt1"/>
+            </a:fontRef>
+          </p:style>
+          <p:txBody>
+            <a:bodyPr rtlCol="0" anchor="ctr"/>
+            <a:p>
+              <a:pPr algn="ctr"/>
+              <a:r>
+                <a:rPr lang="en-US" altLang="zh-CN"/>
+                <a:t>Token</a:t>
+              </a:r>
+              <a:endParaRPr lang="en-US" altLang="zh-CN"/>
+            </a:p>
+          </p:txBody>
+        </p:sp>
+        <p:cxnSp>
+          <p:nvCxnSpPr>
+            <p:cNvPr id="25" name="肘形连接符 24"/>
+            <p:cNvCxnSpPr>
+              <a:stCxn id="24" idx="0"/>
+              <a:endCxn id="24" idx="3"/>
+            </p:cNvCxnSpPr>
+            <p:nvPr/>
+          </p:nvCxnSpPr>
+          <p:spPr>
+            <a:xfrm rot="16200000" flipH="1">
+              <a:off x="14141" y="5482"/>
+              <a:ext cx="1112" cy="1051"/>
+            </a:xfrm>
+            <a:prstGeom prst="bentConnector4">
+              <a:avLst>
+                <a:gd name="adj1" fmla="val -33768"/>
+                <a:gd name="adj2" fmla="val 135633"/>
+              </a:avLst>
+            </a:prstGeom>
+            <a:ln>
+              <a:headEnd type="arrow"/>
+              <a:tailEnd type="arrow"/>
+            </a:ln>
+          </p:spPr>
+          <p:style>
+            <a:lnRef idx="1">
+              <a:schemeClr val="accent1"/>
+            </a:lnRef>
+            <a:fillRef idx="0">
+              <a:schemeClr val="accent1"/>
+            </a:fillRef>
+            <a:effectRef idx="0">
+              <a:schemeClr val="accent1"/>
+            </a:effectRef>
+            <a:fontRef idx="minor">
+              <a:schemeClr val="tx1"/>
+            </a:fontRef>
+          </p:style>
+        </p:cxnSp>
+        <p:cxnSp>
+          <p:nvCxnSpPr>
+            <p:cNvPr id="28" name="肘形连接符 27"/>
+            <p:cNvCxnSpPr>
+              <a:stCxn id="24" idx="2"/>
+              <a:endCxn id="24" idx="3"/>
+            </p:cNvCxnSpPr>
+            <p:nvPr/>
+          </p:nvCxnSpPr>
+          <p:spPr>
+            <a:xfrm rot="5400000" flipH="1" flipV="1">
+              <a:off x="14141" y="6593"/>
+              <a:ext cx="1111" cy="1051"/>
+            </a:xfrm>
+            <a:prstGeom prst="bentConnector4">
+              <a:avLst>
+                <a:gd name="adj1" fmla="val -33753"/>
+                <a:gd name="adj2" fmla="val 135680"/>
+              </a:avLst>
+            </a:prstGeom>
+            <a:ln>
+              <a:headEnd type="arrow"/>
+              <a:tailEnd type="arrow"/>
+            </a:ln>
+          </p:spPr>
+          <p:style>
+            <a:lnRef idx="1">
+              <a:schemeClr val="accent1"/>
+            </a:lnRef>
+            <a:fillRef idx="0">
+              <a:schemeClr val="accent1"/>
+            </a:fillRef>
+            <a:effectRef idx="0">
+              <a:schemeClr val="accent1"/>
+            </a:effectRef>
+            <a:fontRef idx="minor">
+              <a:schemeClr val="tx1"/>
+            </a:fontRef>
+          </p:style>
+        </p:cxnSp>
+        <p:cxnSp>
+          <p:nvCxnSpPr>
+            <p:cNvPr id="29" name="肘形连接符 28"/>
+            <p:cNvCxnSpPr>
+              <a:stCxn id="24" idx="0"/>
+              <a:endCxn id="24" idx="1"/>
+            </p:cNvCxnSpPr>
+            <p:nvPr/>
+          </p:nvCxnSpPr>
+          <p:spPr>
+            <a:xfrm rot="16200000" flipH="1" flipV="1">
+              <a:off x="13089" y="5481"/>
+              <a:ext cx="1112" cy="1052"/>
+            </a:xfrm>
+            <a:prstGeom prst="bentConnector4">
+              <a:avLst>
+                <a:gd name="adj1" fmla="val -33723"/>
+                <a:gd name="adj2" fmla="val 135646"/>
+              </a:avLst>
+            </a:prstGeom>
+            <a:ln>
+              <a:headEnd type="arrow"/>
+              <a:tailEnd type="arrow"/>
+            </a:ln>
+          </p:spPr>
+          <p:style>
+            <a:lnRef idx="1">
+              <a:schemeClr val="accent1"/>
+            </a:lnRef>
+            <a:fillRef idx="0">
+              <a:schemeClr val="accent1"/>
+            </a:fillRef>
+            <a:effectRef idx="0">
+              <a:schemeClr val="accent1"/>
+            </a:effectRef>
+            <a:fontRef idx="minor">
+              <a:schemeClr val="tx1"/>
+            </a:fontRef>
+          </p:style>
+        </p:cxnSp>
+        <p:cxnSp>
+          <p:nvCxnSpPr>
+            <p:cNvPr id="30" name="肘形连接符 29"/>
+            <p:cNvCxnSpPr>
+              <a:stCxn id="24" idx="1"/>
+              <a:endCxn id="24" idx="2"/>
+            </p:cNvCxnSpPr>
+            <p:nvPr/>
+          </p:nvCxnSpPr>
+          <p:spPr>
+            <a:xfrm rot="10800000" flipH="1" flipV="1">
+              <a:off x="13119" y="6563"/>
+              <a:ext cx="1052" cy="1111"/>
+            </a:xfrm>
+            <a:prstGeom prst="bentConnector4">
+              <a:avLst>
+                <a:gd name="adj1" fmla="val -35646"/>
+                <a:gd name="adj2" fmla="val 133753"/>
+              </a:avLst>
+            </a:prstGeom>
+            <a:ln>
+              <a:headEnd type="arrow"/>
+              <a:tailEnd type="arrow"/>
+            </a:ln>
+          </p:spPr>
+          <p:style>
+            <a:lnRef idx="1">
+              <a:schemeClr val="accent1"/>
+            </a:lnRef>
+            <a:fillRef idx="0">
+              <a:schemeClr val="accent1"/>
+            </a:fillRef>
+            <a:effectRef idx="0">
+              <a:schemeClr val="accent1"/>
+            </a:effectRef>
+            <a:fontRef idx="minor">
+              <a:schemeClr val="tx1"/>
+            </a:fontRef>
+          </p:style>
+        </p:cxnSp>
+      </p:grpSp>
+      <p:sp>
+        <p:nvSpPr>
+          <p:cNvPr id="37" name="右箭头 36"/>
+          <p:cNvSpPr/>
+          <p:nvPr/>
+        </p:nvSpPr>
+        <p:spPr>
+          <a:xfrm>
+            <a:off x="6480810" y="3699510"/>
+            <a:ext cx="1153795" cy="491490"/>
+          </a:xfrm>
+          <a:prstGeom prst="rightArrow">
+            <a:avLst/>
+          </a:prstGeom>
+        </p:spPr>
+        <p:style>
+          <a:lnRef idx="2">
+            <a:schemeClr val="accent1">
+              <a:shade val="50000"/>
+            </a:schemeClr>
+          </a:lnRef>
+          <a:fillRef idx="1">
+            <a:schemeClr val="accent1"/>
+          </a:fillRef>
+          <a:effectRef idx="0">
+            <a:schemeClr val="accent1"/>
+          </a:effectRef>
+          <a:fontRef idx="minor">
+            <a:schemeClr val="lt1"/>
+          </a:fontRef>
+        </p:style>
+        <p:txBody>
+          <a:bodyPr rtlCol="0" anchor="ctr"/>
+          <a:p>
+            <a:pPr algn="ctr"/>
+            <a:endParaRPr lang="zh-CN" altLang="en-US"/>
+          </a:p>
+        </p:txBody>
+      </p:sp>
+      <p:sp>
+        <p:nvSpPr>
+          <p:cNvPr id="38" name="右箭头 37"/>
+          <p:cNvSpPr/>
+          <p:nvPr/>
+        </p:nvSpPr>
+        <p:spPr>
+          <a:xfrm rot="10800000">
+            <a:off x="6491605" y="4693920"/>
+            <a:ext cx="1153795" cy="491490"/>
+          </a:xfrm>
+          <a:prstGeom prst="rightArrow">
+            <a:avLst/>
+          </a:prstGeom>
+        </p:spPr>
+        <p:style>
+          <a:lnRef idx="2">
+            <a:schemeClr val="accent1">
+              <a:shade val="50000"/>
+            </a:schemeClr>
+          </a:lnRef>
+          <a:fillRef idx="1">
+            <a:schemeClr val="accent1"/>
+          </a:fillRef>
+          <a:effectRef idx="0">
+            <a:schemeClr val="accent1"/>
+          </a:effectRef>
+          <a:fontRef idx="minor">
+            <a:schemeClr val="lt1"/>
+          </a:fontRef>
+        </p:style>
+        <p:txBody>
+          <a:bodyPr rtlCol="0" anchor="ctr"/>
+          <a:p>
+            <a:pPr algn="ctr"/>
+            <a:endParaRPr lang="zh-CN" altLang="en-US"/>
+          </a:p>
+        </p:txBody>
+      </p:sp>
+      <p:sp>
+        <p:nvSpPr>
+          <p:cNvPr id="39" name="文本框 38"/>
+          <p:cNvSpPr txBox="1"/>
+          <p:nvPr/>
+        </p:nvSpPr>
+        <p:spPr>
+          <a:xfrm>
+            <a:off x="6640195" y="3758565"/>
+            <a:ext cx="934085" cy="372110"/>
+          </a:xfrm>
+          <a:prstGeom prst="rect">
+            <a:avLst/>
+          </a:prstGeom>
+          <a:noFill/>
+        </p:spPr>
+        <p:txBody>
+          <a:bodyPr wrap="square" rtlCol="0">
+            <a:spAutoFit/>
+          </a:bodyPr>
+          <a:p>
+            <a:r>
+              <a:rPr lang="en-US" altLang="zh-CN"/>
+              <a:t>1</a:t>
+            </a:r>
+            <a:r>
+              <a:rPr lang="zh-CN" altLang="en-US"/>
+              <a:t>对多</a:t>
+            </a:r>
+            <a:endParaRPr lang="zh-CN" altLang="en-US"/>
+          </a:p>
+        </p:txBody>
+      </p:sp>
+      <p:sp>
+        <p:nvSpPr>
+          <p:cNvPr id="40" name="文本框 39"/>
+          <p:cNvSpPr txBox="1"/>
+          <p:nvPr/>
+        </p:nvSpPr>
+        <p:spPr>
+          <a:xfrm>
+            <a:off x="6850380" y="4742180"/>
+            <a:ext cx="795020" cy="372110"/>
+          </a:xfrm>
+          <a:prstGeom prst="rect">
+            <a:avLst/>
+          </a:prstGeom>
+          <a:noFill/>
+        </p:spPr>
+        <p:txBody>
+          <a:bodyPr wrap="square" rtlCol="0">
+            <a:spAutoFit/>
+          </a:bodyPr>
+          <a:p>
+            <a:r>
+              <a:rPr lang="en-US"/>
+              <a:t>1</a:t>
+            </a:r>
+            <a:r>
+              <a:rPr lang="zh-CN" altLang="en-US"/>
+              <a:t>对</a:t>
+            </a:r>
+            <a:r>
+              <a:rPr lang="en-US" altLang="zh-CN"/>
+              <a:t>1</a:t>
+            </a:r>
+            <a:endParaRPr lang="en-US" altLang="zh-CN"/>
+          </a:p>
+        </p:txBody>
+      </p:sp>
+    </p:spTree>
+  </p:cSld>
+  <p:clrMapOvr>
+    <a:masterClrMapping/>
+  </p:clrMapOvr>
+</p:sld>
+</file>
+
+<file path=ppt/slides/slide19.xml><?xml version="1.0" encoding="utf-8"?>
+<p:sld xmlns:a="http://schemas.openxmlformats.org/drawingml/2006/main" xmlns:r="http://schemas.openxmlformats.org/officeDocument/2006/relationships" xmlns:p="http://schemas.openxmlformats.org/presentationml/2006/main">
+  <p:cSld>
+    <p:spTree>
+      <p:nvGrpSpPr>
+        <p:cNvPr id="1" name=""/>
+        <p:cNvGrpSpPr/>
+        <p:nvPr/>
+      </p:nvGrpSpPr>
+      <p:grpSpPr/>
+      <p:sp>
+        <p:nvSpPr>
+          <p:cNvPr id="2" name="标题 1"/>
+          <p:cNvSpPr>
+            <a:spLocks noGrp="1"/>
+          </p:cNvSpPr>
+          <p:nvPr>
+            <p:ph type="title"/>
+          </p:nvPr>
+        </p:nvSpPr>
+        <p:spPr/>
+        <p:txBody>
+          <a:bodyPr/>
+          <a:p>
+            <a:r>
+              <a:rPr lang="en-US" altLang="zh-CN">
+                <a:sym typeface="+mn-ea"/>
+              </a:rPr>
+              <a:t>Tokenize</a:t>
+            </a:r>
+            <a:r>
+              <a:rPr lang="zh-CN" altLang="en-US">
+                <a:sym typeface="+mn-ea"/>
+              </a:rPr>
+              <a:t>模块</a:t>
+            </a:r>
+            <a:endParaRPr lang="zh-CN" altLang="en-US"/>
+          </a:p>
+        </p:txBody>
+      </p:sp>
+      <p:sp>
+        <p:nvSpPr>
+          <p:cNvPr id="3" name="内容占位符 2"/>
+          <p:cNvSpPr>
+            <a:spLocks noGrp="1"/>
+          </p:cNvSpPr>
+          <p:nvPr>
+            <p:ph idx="1"/>
+          </p:nvPr>
+        </p:nvSpPr>
+        <p:spPr/>
+        <p:txBody>
+          <a:bodyPr/>
+          <a:p>
+            <a:r>
+              <a:rPr lang="zh-CN" altLang="en-US"/>
+              <a:t>由</a:t>
+            </a:r>
+            <a:r>
+              <a:rPr lang="en-US" altLang="zh-CN"/>
+              <a:t>Token</a:t>
+            </a:r>
+            <a:r>
+              <a:rPr lang="zh-CN" altLang="en-US"/>
+              <a:t>构成图型数据</a:t>
+            </a:r>
+            <a:endParaRPr lang="zh-CN" altLang="en-US"/>
+          </a:p>
+          <a:p>
+            <a:r>
+              <a:rPr lang="en-US" altLang="zh-CN"/>
+              <a:t>Token</a:t>
+            </a:r>
+            <a:r>
+              <a:rPr lang="zh-CN" altLang="en-US"/>
+              <a:t>间关系：</a:t>
+            </a:r>
+            <a:endParaRPr lang="zh-CN" altLang="en-US"/>
+          </a:p>
+          <a:p>
+            <a:pPr lvl="1"/>
+            <a:r>
+              <a:rPr lang="zh-CN" altLang="en-US" sz="2400"/>
+              <a:t>前后顺序</a:t>
+            </a:r>
+            <a:endParaRPr lang="zh-CN" altLang="en-US" sz="2400"/>
+          </a:p>
+          <a:p>
+            <a:pPr lvl="1"/>
+            <a:r>
+              <a:rPr lang="zh-CN" altLang="en-US" sz="2400"/>
+              <a:t>配对关系 </a:t>
+            </a:r>
+            <a:r>
+              <a:rPr lang="en-US" altLang="zh-CN" sz="2400"/>
+              <a:t>(link)</a:t>
+            </a:r>
+            <a:endParaRPr lang="en-US" altLang="zh-CN" sz="2400"/>
+          </a:p>
+          <a:p>
+            <a:pPr lvl="1"/>
+            <a:r>
+              <a:rPr lang="en-US" altLang="zh-CN" sz="2400"/>
+              <a:t>Ast</a:t>
+            </a:r>
+            <a:r>
+              <a:rPr lang="zh-CN" altLang="en-US" sz="2400"/>
+              <a:t>关系：</a:t>
+            </a:r>
+            <a:r>
+              <a:rPr lang="en-US" altLang="zh-CN" sz="2400"/>
+              <a:t>parent</a:t>
+            </a:r>
+            <a:r>
+              <a:rPr lang="zh-CN" altLang="en-US" sz="2400"/>
+              <a:t>，左右操作数</a:t>
+            </a:r>
+            <a:endParaRPr lang="zh-CN" altLang="en-US" sz="2400"/>
+          </a:p>
+          <a:p>
+            <a:pPr lvl="0"/>
+            <a:r>
+              <a:rPr lang="en-US" altLang="zh-CN" sz="2800"/>
+              <a:t>Token</a:t>
+            </a:r>
+            <a:r>
+              <a:rPr lang="zh-CN" altLang="en-US" sz="2800"/>
+              <a:t>形成流程：</a:t>
+            </a:r>
+            <a:endParaRPr lang="zh-CN" altLang="en-US" sz="2800"/>
+          </a:p>
+          <a:p>
+            <a:pPr lvl="1"/>
+            <a:r>
+              <a:rPr lang="zh-CN" altLang="en-US" sz="2400"/>
+              <a:t>根据单词与单个符号分割</a:t>
+            </a:r>
+            <a:endParaRPr lang="zh-CN" altLang="en-US" sz="2400"/>
+          </a:p>
+          <a:p>
+            <a:pPr lvl="1"/>
+            <a:r>
+              <a:rPr lang="zh-CN" altLang="en-US" sz="2400"/>
+              <a:t>连接前后匹配成对符号</a:t>
+            </a:r>
+            <a:endParaRPr lang="zh-CN" altLang="en-US" sz="2400"/>
+          </a:p>
+          <a:p>
+            <a:pPr lvl="1"/>
+            <a:r>
+              <a:rPr lang="zh-CN" altLang="en-US" sz="2400"/>
+              <a:t>连接部分单个符号成为完整多字符操作符</a:t>
+            </a:r>
+            <a:endParaRPr lang="zh-CN" altLang="en-US" sz="2400"/>
+          </a:p>
+          <a:p>
+            <a:pPr lvl="1"/>
+            <a:r>
+              <a:rPr lang="zh-CN" altLang="en-US" sz="2400"/>
+              <a:t>其他操作如简化单个操作内容，进行增添或删减</a:t>
+            </a:r>
+            <a:endParaRPr lang="zh-CN" altLang="en-US" sz="2400"/>
+          </a:p>
+          <a:p>
+            <a:endParaRPr lang="zh-CN" altLang="en-US"/>
+          </a:p>
+        </p:txBody>
+      </p:sp>
+    </p:spTree>
+  </p:cSld>
+  <p:clrMapOvr>
+    <a:masterClrMapping/>
+  </p:clrMapOvr>
+</p:sld>
+</file>
+
+<file path=ppt/slides/slide2.xml><?xml version="1.0" encoding="utf-8"?>
+<p:sld xmlns:a="http://schemas.openxmlformats.org/drawingml/2006/main" xmlns:r="http://schemas.openxmlformats.org/officeDocument/2006/relationships" xmlns:p="http://schemas.openxmlformats.org/presentationml/2006/main">
+  <p:cSld>
+    <p:spTree>
+      <p:nvGrpSpPr>
+        <p:cNvPr id="1" name=""/>
+        <p:cNvGrpSpPr/>
+        <p:nvPr/>
+      </p:nvGrpSpPr>
+      <p:grpSpPr/>
+      <p:sp>
+        <p:nvSpPr>
+          <p:cNvPr id="2" name="标题 1"/>
+          <p:cNvSpPr>
+            <a:spLocks noGrp="1"/>
+          </p:cNvSpPr>
+          <p:nvPr>
+            <p:ph type="title"/>
+          </p:nvPr>
+        </p:nvSpPr>
+        <p:spPr/>
+        <p:txBody>
+          <a:bodyPr/>
+          <a:p>
+            <a:r>
+              <a:rPr lang="zh-CN" altLang="en-US"/>
+              <a:t>本周工作进展</a:t>
+            </a:r>
+            <a:endParaRPr lang="zh-CN" altLang="en-US"/>
+          </a:p>
+        </p:txBody>
+      </p:sp>
+      <p:sp>
+        <p:nvSpPr>
+          <p:cNvPr id="3" name="内容占位符 2"/>
+          <p:cNvSpPr>
+            <a:spLocks noGrp="1"/>
+          </p:cNvSpPr>
+          <p:nvPr>
+            <p:ph idx="1"/>
+          </p:nvPr>
+        </p:nvSpPr>
+        <p:spPr/>
+        <p:txBody>
+          <a:bodyPr/>
+          <a:p>
+            <a:r>
+              <a:rPr lang="zh-CN" altLang="en-US"/>
+              <a:t>对于我们的主要开发方向（</a:t>
+            </a:r>
+            <a:r>
+              <a:rPr lang="en-US" altLang="zh-CN"/>
+              <a:t>“</a:t>
+            </a:r>
+            <a:r>
+              <a:rPr lang="zh-CN" altLang="en-US"/>
+              <a:t>野指针</a:t>
+            </a:r>
+            <a:r>
+              <a:rPr lang="en-US" altLang="zh-CN"/>
+              <a:t>”</a:t>
+            </a:r>
+            <a:r>
+              <a:rPr lang="zh-CN" altLang="en-US"/>
+              <a:t>的检测与报错）进行了面向数据的分析</a:t>
+            </a:r>
+            <a:endParaRPr lang="zh-CN" altLang="en-US"/>
+          </a:p>
+          <a:p>
+            <a:r>
+              <a:rPr lang="zh-CN" altLang="en-US"/>
+              <a:t>跟踪数据走向，分析</a:t>
+            </a:r>
+            <a:r>
+              <a:rPr lang="en-US" altLang="en-US"/>
+              <a:t>Token</a:t>
+            </a:r>
+            <a:r>
+              <a:rPr lang="zh-CN" altLang="en-US"/>
+              <a:t>与</a:t>
+            </a:r>
+            <a:r>
+              <a:rPr lang="en-US" altLang="en-US"/>
+              <a:t>Symbol</a:t>
+            </a:r>
+            <a:r>
+              <a:rPr lang="zh-CN" altLang="en-US"/>
+              <a:t>类与对象之间的关系</a:t>
+            </a:r>
+            <a:endParaRPr lang="zh-CN" altLang="en-US"/>
+          </a:p>
+          <a:p>
+            <a:r>
+              <a:rPr lang="en-US" altLang="en-US"/>
+              <a:t>Ast(</a:t>
+            </a:r>
+            <a:r>
+              <a:rPr lang="zh-CN" altLang="en-US"/>
+              <a:t>抽象语法树</a:t>
+            </a:r>
+            <a:r>
+              <a:rPr lang="en-US" altLang="en-US"/>
+              <a:t>)</a:t>
+            </a:r>
+            <a:r>
+              <a:rPr lang="zh-CN" altLang="en-US"/>
+              <a:t>分析，与</a:t>
+            </a:r>
+            <a:r>
+              <a:rPr lang="en-US" altLang="zh-CN"/>
+              <a:t>Token</a:t>
+            </a:r>
+            <a:r>
+              <a:rPr lang="zh-CN" altLang="en-US"/>
+              <a:t>挂钩</a:t>
+            </a:r>
+            <a:endParaRPr lang="zh-CN" altLang="en-US"/>
+          </a:p>
+        </p:txBody>
+      </p:sp>
+    </p:spTree>
+  </p:cSld>
+  <p:clrMapOvr>
+    <a:masterClrMapping/>
+  </p:clrMapOvr>
+  <p:transition/>
+</p:sld>
+</file>
+
+<file path=ppt/slides/slide20.xml><?xml version="1.0" encoding="utf-8"?>
+<p:sld xmlns:a="http://schemas.openxmlformats.org/drawingml/2006/main" xmlns:r="http://schemas.openxmlformats.org/officeDocument/2006/relationships" xmlns:p="http://schemas.openxmlformats.org/presentationml/2006/main">
+  <p:cSld>
+    <p:spTree>
+      <p:nvGrpSpPr>
+        <p:cNvPr id="1" name=""/>
+        <p:cNvGrpSpPr/>
+        <p:nvPr/>
+      </p:nvGrpSpPr>
+      <p:grpSpPr/>
+      <p:sp>
+        <p:nvSpPr>
+          <p:cNvPr id="2" name="标题 1"/>
+          <p:cNvSpPr>
+            <a:spLocks noGrp="1"/>
+          </p:cNvSpPr>
+          <p:nvPr>
+            <p:ph type="title"/>
+          </p:nvPr>
+        </p:nvSpPr>
+        <p:spPr/>
+        <p:txBody>
+          <a:bodyPr/>
+          <a:p>
+            <a:r>
+              <a:rPr lang="en-US" altLang="zh-CN">
+                <a:sym typeface="+mn-ea"/>
+              </a:rPr>
+              <a:t>Tokenize</a:t>
+            </a:r>
+            <a:r>
+              <a:rPr lang="zh-CN" altLang="en-US">
+                <a:sym typeface="+mn-ea"/>
+              </a:rPr>
+              <a:t>模块</a:t>
+            </a:r>
+            <a:endParaRPr lang="zh-CN" altLang="en-US"/>
+          </a:p>
+        </p:txBody>
+      </p:sp>
+      <p:sp>
+        <p:nvSpPr>
+          <p:cNvPr id="3" name="内容占位符 2"/>
+          <p:cNvSpPr>
+            <a:spLocks noGrp="1"/>
+          </p:cNvSpPr>
+          <p:nvPr>
+            <p:ph idx="1"/>
+          </p:nvPr>
+        </p:nvSpPr>
+        <p:spPr/>
+        <p:txBody>
+          <a:bodyPr/>
+          <a:p>
+            <a:r>
+              <a:rPr lang="zh-CN" altLang="en-US"/>
+              <a:t>抽象语法树</a:t>
+            </a:r>
+            <a:r>
+              <a:rPr lang="en-US" altLang="zh-CN"/>
+              <a:t>Ast</a:t>
+            </a:r>
+            <a:endParaRPr lang="en-US" altLang="zh-CN"/>
+          </a:p>
+          <a:p>
+            <a:pPr lvl="1"/>
+            <a:r>
+              <a:rPr lang="zh-CN" altLang="en-US"/>
+              <a:t>在</a:t>
+            </a:r>
+            <a:r>
+              <a:rPr lang="en-US" altLang="zh-CN"/>
+              <a:t>SymbolDatabase</a:t>
+            </a:r>
+            <a:r>
+              <a:rPr lang="zh-CN" altLang="en-US"/>
+              <a:t>建立后分析，此时所有</a:t>
+            </a:r>
+            <a:r>
+              <a:rPr lang="en-US" altLang="zh-CN"/>
+              <a:t>token</a:t>
+            </a:r>
+            <a:r>
+              <a:rPr lang="zh-CN" altLang="en-US"/>
+              <a:t>都已分析出含义</a:t>
+            </a:r>
+            <a:endParaRPr lang="zh-CN" altLang="en-US"/>
+          </a:p>
+          <a:p>
+            <a:pPr lvl="1"/>
+            <a:r>
+              <a:rPr lang="zh-CN" altLang="en-US"/>
+              <a:t>按顺序枚举</a:t>
+            </a:r>
+            <a:r>
+              <a:rPr lang="en-US" altLang="zh-CN"/>
+              <a:t>Token</a:t>
+            </a:r>
+            <a:r>
+              <a:rPr lang="zh-CN" altLang="en-US"/>
+              <a:t>，按语法依赖顺序递归编译规则，按规则定义推进编译子语法，或者将已经编译的语法树设为子树</a:t>
+            </a:r>
+            <a:endParaRPr lang="zh-CN" altLang="en-US"/>
+          </a:p>
+          <a:p>
+            <a:pPr lvl="0"/>
+            <a:endParaRPr lang="en-US" altLang="zh-CN"/>
+          </a:p>
+        </p:txBody>
+      </p:sp>
+    </p:spTree>
+  </p:cSld>
+  <p:clrMapOvr>
+    <a:masterClrMapping/>
+  </p:clrMapOvr>
+</p:sld>
+</file>
+
+<file path=ppt/slides/slide21.xml><?xml version="1.0" encoding="utf-8"?>
+<p:sld xmlns:a="http://schemas.openxmlformats.org/drawingml/2006/main" xmlns:r="http://schemas.openxmlformats.org/officeDocument/2006/relationships" xmlns:p="http://schemas.openxmlformats.org/presentationml/2006/main">
+  <p:cSld>
+    <p:spTree>
+      <p:nvGrpSpPr>
+        <p:cNvPr id="1" name=""/>
+        <p:cNvGrpSpPr/>
+        <p:nvPr/>
+      </p:nvGrpSpPr>
+      <p:grpSpPr/>
+      <p:sp>
+        <p:nvSpPr>
+          <p:cNvPr id="2" name="标题 1"/>
+          <p:cNvSpPr>
+            <a:spLocks noGrp="1"/>
+          </p:cNvSpPr>
+          <p:nvPr>
+            <p:ph type="title"/>
+          </p:nvPr>
+        </p:nvSpPr>
+        <p:spPr/>
+        <p:txBody>
+          <a:bodyPr/>
+          <a:p>
+            <a:r>
+              <a:rPr lang="en-US" altLang="zh-CN">
+                <a:sym typeface="+mn-ea"/>
+              </a:rPr>
+              <a:t>Tokenize</a:t>
+            </a:r>
+            <a:r>
+              <a:rPr lang="zh-CN" altLang="en-US">
+                <a:sym typeface="+mn-ea"/>
+              </a:rPr>
+              <a:t>模块</a:t>
+            </a:r>
+            <a:endParaRPr lang="zh-CN" altLang="en-US"/>
+          </a:p>
+        </p:txBody>
+      </p:sp>
+      <p:sp>
+        <p:nvSpPr>
+          <p:cNvPr id="3" name="内容占位符 2"/>
+          <p:cNvSpPr>
+            <a:spLocks noGrp="1"/>
+          </p:cNvSpPr>
+          <p:nvPr>
+            <p:ph idx="1"/>
+          </p:nvPr>
+        </p:nvSpPr>
+        <p:spPr>
+          <a:xfrm>
+            <a:off x="1120775" y="1825625"/>
+            <a:ext cx="3759835" cy="4061460"/>
+          </a:xfrm>
+        </p:spPr>
+        <p:txBody>
+          <a:bodyPr/>
+          <a:p>
+            <a:r>
+              <a:rPr lang="zh-CN"/>
+              <a:t>样例数据</a:t>
+            </a:r>
+            <a:endParaRPr lang="zh-CN"/>
+          </a:p>
+          <a:p>
+            <a:pPr marL="457200" lvl="1" indent="0">
+              <a:buNone/>
+            </a:pPr>
+            <a:r>
+              <a:rPr kumimoji="1" lang="en-US" altLang="zh-CN" dirty="0">
+                <a:sym typeface="+mn-ea"/>
+              </a:rPr>
+              <a:t>i</a:t>
+            </a:r>
+            <a:r>
+              <a:rPr kumimoji="1" lang="zh-CN" altLang="en-US" dirty="0">
+                <a:sym typeface="+mn-ea"/>
+              </a:rPr>
+              <a:t>nt main()</a:t>
+            </a:r>
+            <a:endParaRPr kumimoji="1" lang="zh-CN" altLang="en-US" dirty="0"/>
+          </a:p>
+          <a:p>
+            <a:pPr marL="457200" lvl="1" indent="0">
+              <a:buNone/>
+            </a:pPr>
+            <a:r>
+              <a:rPr kumimoji="1" lang="zh-CN" altLang="en-US" dirty="0">
+                <a:sym typeface="+mn-ea"/>
+              </a:rPr>
+              <a:t>{</a:t>
+            </a:r>
+            <a:endParaRPr kumimoji="1" lang="zh-CN" altLang="en-US" dirty="0"/>
+          </a:p>
+          <a:p>
+            <a:pPr marL="457200" lvl="1" indent="0">
+              <a:buNone/>
+            </a:pPr>
+            <a:r>
+              <a:rPr kumimoji="1" lang="zh-CN" altLang="en-US" dirty="0">
+                <a:sym typeface="+mn-ea"/>
+              </a:rPr>
+              <a:t>    int *p1 = new int(</a:t>
+            </a:r>
+            <a:r>
+              <a:rPr kumimoji="1" lang="en-US" altLang="zh-CN" dirty="0">
+                <a:sym typeface="+mn-ea"/>
+              </a:rPr>
+              <a:t>0</a:t>
+            </a:r>
+            <a:r>
+              <a:rPr kumimoji="1" lang="zh-CN" altLang="en-US" dirty="0">
+                <a:sym typeface="+mn-ea"/>
+              </a:rPr>
+              <a:t>);</a:t>
+            </a:r>
+            <a:endParaRPr kumimoji="1" lang="zh-CN" altLang="en-US" dirty="0"/>
+          </a:p>
+          <a:p>
+            <a:pPr marL="457200" lvl="1" indent="0">
+              <a:buNone/>
+            </a:pPr>
+            <a:r>
+              <a:rPr kumimoji="1" lang="zh-CN" altLang="en-US" dirty="0">
+                <a:sym typeface="+mn-ea"/>
+              </a:rPr>
+              <a:t>    delete p1;</a:t>
+            </a:r>
+            <a:endParaRPr kumimoji="1" lang="zh-CN" altLang="en-US" dirty="0"/>
+          </a:p>
+          <a:p>
+            <a:pPr marL="457200" lvl="1" indent="0">
+              <a:buNone/>
+            </a:pPr>
+            <a:r>
+              <a:rPr kumimoji="1" lang="zh-CN" altLang="en-US" dirty="0">
+                <a:sym typeface="+mn-ea"/>
+              </a:rPr>
+              <a:t>    int *p2 = p1;</a:t>
+            </a:r>
+            <a:endParaRPr kumimoji="1" lang="zh-CN" altLang="en-US" dirty="0"/>
+          </a:p>
+          <a:p>
+            <a:pPr marL="457200" lvl="1" indent="0">
+              <a:buNone/>
+            </a:pPr>
+            <a:r>
+              <a:rPr kumimoji="1" lang="zh-CN" altLang="en-US" dirty="0">
+                <a:sym typeface="+mn-ea"/>
+              </a:rPr>
+              <a:t>    *p1=0;</a:t>
+            </a:r>
+            <a:endParaRPr kumimoji="1" lang="zh-CN" altLang="en-US" dirty="0"/>
+          </a:p>
+          <a:p>
+            <a:pPr marL="457200" lvl="1" indent="0">
+              <a:buNone/>
+            </a:pPr>
+            <a:r>
+              <a:rPr kumimoji="1" lang="zh-CN" altLang="en-US" dirty="0">
+                <a:sym typeface="+mn-ea"/>
+              </a:rPr>
+              <a:t>    *p2=0;</a:t>
+            </a:r>
+            <a:endParaRPr kumimoji="1" lang="zh-CN" altLang="en-US" dirty="0"/>
+          </a:p>
+          <a:p>
+            <a:pPr marL="457200" lvl="1" indent="0">
+              <a:buNone/>
+            </a:pPr>
+            <a:r>
+              <a:rPr kumimoji="1" lang="zh-CN" altLang="en-US" dirty="0">
+                <a:sym typeface="+mn-ea"/>
+              </a:rPr>
+              <a:t>}</a:t>
+            </a:r>
+            <a:endParaRPr kumimoji="1" lang="zh-CN" altLang="en-US" dirty="0"/>
+          </a:p>
+          <a:p>
+            <a:pPr lvl="1"/>
+            <a:endParaRPr lang="zh-CN"/>
+          </a:p>
+          <a:p>
+            <a:pPr lvl="0"/>
+            <a:endParaRPr lang="en-US" altLang="zh-CN"/>
+          </a:p>
+        </p:txBody>
+      </p:sp>
+      <p:sp>
+        <p:nvSpPr>
+          <p:cNvPr id="4" name="内容占位符 2"/>
+          <p:cNvSpPr>
+            <a:spLocks noGrp="1"/>
+          </p:cNvSpPr>
+          <p:nvPr/>
+        </p:nvSpPr>
+        <p:spPr>
+          <a:xfrm>
+            <a:off x="5966460" y="1825625"/>
+            <a:ext cx="5387340" cy="4061460"/>
+          </a:xfrm>
+          <a:prstGeom prst="rect">
+            <a:avLst/>
+          </a:prstGeom>
+        </p:spPr>
+        <p:txBody>
+          <a:bodyPr vert="horz" lIns="91440" tIns="45720" rIns="91440" bIns="45720" rtlCol="0">
+            <a:normAutofit/>
+          </a:bodyPr>
+          <a:lstStyle>
+            <a:lvl1pPr marL="228600" indent="-228600" algn="l" defTabSz="914400" rtl="0" eaLnBrk="1" latinLnBrk="0" hangingPunct="1">
+              <a:lnSpc>
+                <a:spcPct val="90000"/>
+              </a:lnSpc>
+              <a:spcBef>
+                <a:spcPts val="1000"/>
+              </a:spcBef>
+              <a:buFont typeface="Arial" pitchFamily="34" charset="0"/>
+              <a:buChar char="•"/>
+              <a:defRPr sz="2800" kern="1200">
+                <a:gradFill>
+                  <a:gsLst>
+                    <a:gs pos="34000">
+                      <a:schemeClr val="tx1">
+                        <a:lumMod val="93000"/>
+                      </a:schemeClr>
+                    </a:gs>
+                    <a:gs pos="0">
+                      <a:schemeClr val="bg1">
+                        <a:lumMod val="25000"/>
+                        <a:lumOff val="75000"/>
+                      </a:schemeClr>
+                    </a:gs>
+                    <a:gs pos="100000">
+                      <a:schemeClr val="tx2">
+                        <a:lumMod val="0"/>
+                        <a:lumOff val="100000"/>
+                      </a:schemeClr>
+                    </a:gs>
+                  </a:gsLst>
+                  <a:lin ang="4800000" scaled="0"/>
+                </a:gradFill>
+                <a:latin typeface="+mn-lt"/>
+                <a:ea typeface="+mn-ea"/>
+                <a:cs typeface="+mn-cs"/>
+              </a:defRPr>
+            </a:lvl1pPr>
+            <a:lvl2pPr marL="685800" indent="-228600" algn="l" defTabSz="914400" rtl="0" eaLnBrk="1" latinLnBrk="0" hangingPunct="1">
+              <a:lnSpc>
+                <a:spcPct val="90000"/>
+              </a:lnSpc>
+              <a:spcBef>
+                <a:spcPts val="500"/>
+              </a:spcBef>
+              <a:buFont typeface="Arial" pitchFamily="34" charset="0"/>
+              <a:buChar char="•"/>
+              <a:defRPr sz="2400" kern="1200">
+                <a:gradFill>
+                  <a:gsLst>
+                    <a:gs pos="34000">
+                      <a:schemeClr val="tx1">
+                        <a:lumMod val="93000"/>
+                      </a:schemeClr>
+                    </a:gs>
+                    <a:gs pos="0">
+                      <a:schemeClr val="bg1">
+                        <a:lumMod val="25000"/>
+                        <a:lumOff val="75000"/>
+                      </a:schemeClr>
+                    </a:gs>
+                    <a:gs pos="100000">
+                      <a:schemeClr val="tx2">
+                        <a:lumMod val="0"/>
+                        <a:lumOff val="100000"/>
+                      </a:schemeClr>
+                    </a:gs>
+                  </a:gsLst>
+                  <a:lin ang="4800000" scaled="0"/>
+                </a:gradFill>
+                <a:latin typeface="+mn-lt"/>
+                <a:ea typeface="+mn-ea"/>
+                <a:cs typeface="+mn-cs"/>
+              </a:defRPr>
+            </a:lvl2pPr>
+            <a:lvl3pPr marL="1143000" indent="-228600" algn="l" defTabSz="914400" rtl="0" eaLnBrk="1" latinLnBrk="0" hangingPunct="1">
+              <a:lnSpc>
+                <a:spcPct val="90000"/>
+              </a:lnSpc>
+              <a:spcBef>
+                <a:spcPts val="500"/>
+              </a:spcBef>
+              <a:buFont typeface="Arial" pitchFamily="34" charset="0"/>
+              <a:buChar char="•"/>
+              <a:defRPr sz="2000" kern="1200">
+                <a:gradFill>
+                  <a:gsLst>
+                    <a:gs pos="34000">
+                      <a:schemeClr val="tx1">
+                        <a:lumMod val="93000"/>
+                      </a:schemeClr>
+                    </a:gs>
+                    <a:gs pos="0">
+                      <a:schemeClr val="bg1">
+                        <a:lumMod val="25000"/>
+                        <a:lumOff val="75000"/>
+                      </a:schemeClr>
+                    </a:gs>
+                    <a:gs pos="100000">
+                      <a:schemeClr val="tx2">
+                        <a:lumMod val="0"/>
+                        <a:lumOff val="100000"/>
+                      </a:schemeClr>
+                    </a:gs>
+                  </a:gsLst>
+                  <a:lin ang="4800000" scaled="0"/>
+                </a:gradFill>
+                <a:latin typeface="+mn-lt"/>
+                <a:ea typeface="+mn-ea"/>
+                <a:cs typeface="+mn-cs"/>
+              </a:defRPr>
+            </a:lvl3pPr>
+            <a:lvl4pPr marL="1600200" indent="-228600" algn="l" defTabSz="914400" rtl="0" eaLnBrk="1" latinLnBrk="0" hangingPunct="1">
+              <a:lnSpc>
+                <a:spcPct val="90000"/>
+              </a:lnSpc>
+              <a:spcBef>
+                <a:spcPts val="500"/>
+              </a:spcBef>
+              <a:buFont typeface="Arial" pitchFamily="34" charset="0"/>
+              <a:buChar char="•"/>
+              <a:defRPr sz="1800" kern="1200">
+                <a:gradFill>
+                  <a:gsLst>
+                    <a:gs pos="34000">
+                      <a:schemeClr val="tx1">
+                        <a:lumMod val="93000"/>
+                      </a:schemeClr>
+                    </a:gs>
+                    <a:gs pos="0">
+                      <a:schemeClr val="bg1">
+                        <a:lumMod val="25000"/>
+                        <a:lumOff val="75000"/>
+                      </a:schemeClr>
+                    </a:gs>
+                    <a:gs pos="100000">
+                      <a:schemeClr val="tx2">
+                        <a:lumMod val="0"/>
+                        <a:lumOff val="100000"/>
+                      </a:schemeClr>
+                    </a:gs>
+                  </a:gsLst>
+                  <a:lin ang="4800000" scaled="0"/>
+                </a:gradFill>
+                <a:latin typeface="+mn-lt"/>
+                <a:ea typeface="+mn-ea"/>
+                <a:cs typeface="+mn-cs"/>
+              </a:defRPr>
+            </a:lvl4pPr>
+            <a:lvl5pPr marL="2057400" indent="-228600" algn="l" defTabSz="914400" rtl="0" eaLnBrk="1" latinLnBrk="0" hangingPunct="1">
+              <a:lnSpc>
+                <a:spcPct val="90000"/>
+              </a:lnSpc>
+              <a:spcBef>
+                <a:spcPts val="500"/>
+              </a:spcBef>
+              <a:buFont typeface="Arial" pitchFamily="34" charset="0"/>
+              <a:buChar char="•"/>
+              <a:defRPr sz="1800" kern="1200">
+                <a:gradFill>
+                  <a:gsLst>
+                    <a:gs pos="34000">
+                      <a:schemeClr val="tx1">
+                        <a:lumMod val="93000"/>
+                      </a:schemeClr>
+                    </a:gs>
+                    <a:gs pos="0">
+                      <a:schemeClr val="bg1">
+                        <a:lumMod val="25000"/>
+                        <a:lumOff val="75000"/>
+                      </a:schemeClr>
+                    </a:gs>
+                    <a:gs pos="100000">
+                      <a:schemeClr val="tx2">
+                        <a:lumMod val="0"/>
+                        <a:lumOff val="100000"/>
+                      </a:schemeClr>
+                    </a:gs>
+                  </a:gsLst>
+                  <a:lin ang="4800000" scaled="0"/>
+                </a:gradFill>
+                <a:latin typeface="+mn-lt"/>
+                <a:ea typeface="+mn-ea"/>
+                <a:cs typeface="+mn-cs"/>
+              </a:defRPr>
+            </a:lvl5pPr>
+            <a:lvl6pPr marL="2514600" indent="-228600" algn="l" defTabSz="914400" rtl="0" eaLnBrk="1" latinLnBrk="0" hangingPunct="1">
+              <a:lnSpc>
+                <a:spcPct val="90000"/>
+              </a:lnSpc>
+              <a:spcBef>
+                <a:spcPts val="500"/>
+              </a:spcBef>
+              <a:buFont typeface="Arial" pitchFamily="34" charset="0"/>
+              <a:buChar char="•"/>
+              <a:defRPr sz="1800" kern="1200">
+                <a:solidFill>
+                  <a:schemeClr val="tx1"/>
+                </a:solidFill>
+                <a:latin typeface="+mn-lt"/>
+                <a:ea typeface="+mn-ea"/>
+                <a:cs typeface="+mn-cs"/>
+              </a:defRPr>
+            </a:lvl6pPr>
+            <a:lvl7pPr marL="2971800" indent="-228600" algn="l" defTabSz="914400" rtl="0" eaLnBrk="1" latinLnBrk="0" hangingPunct="1">
+              <a:lnSpc>
+                <a:spcPct val="90000"/>
+              </a:lnSpc>
+              <a:spcBef>
+                <a:spcPts val="500"/>
+              </a:spcBef>
+              <a:buFont typeface="Arial" pitchFamily="34" charset="0"/>
+              <a:buChar char="•"/>
+              <a:defRPr sz="1800" kern="1200">
+                <a:solidFill>
+                  <a:schemeClr val="tx1"/>
+                </a:solidFill>
+                <a:latin typeface="+mn-lt"/>
+                <a:ea typeface="+mn-ea"/>
+                <a:cs typeface="+mn-cs"/>
+              </a:defRPr>
+            </a:lvl7pPr>
+            <a:lvl8pPr marL="3429000" indent="-228600" algn="l" defTabSz="914400" rtl="0" eaLnBrk="1" latinLnBrk="0" hangingPunct="1">
+              <a:lnSpc>
+                <a:spcPct val="90000"/>
+              </a:lnSpc>
+              <a:spcBef>
+                <a:spcPts val="500"/>
+              </a:spcBef>
+              <a:buFont typeface="Arial" pitchFamily="34" charset="0"/>
+              <a:buChar char="•"/>
+              <a:defRPr sz="1800" kern="1200">
+                <a:solidFill>
+                  <a:schemeClr val="tx1"/>
+                </a:solidFill>
+                <a:latin typeface="+mn-lt"/>
+                <a:ea typeface="+mn-ea"/>
+                <a:cs typeface="+mn-cs"/>
+              </a:defRPr>
+            </a:lvl8pPr>
+            <a:lvl9pPr marL="3886200" indent="-228600" algn="l" defTabSz="914400" rtl="0" eaLnBrk="1" latinLnBrk="0" hangingPunct="1">
+              <a:lnSpc>
+                <a:spcPct val="90000"/>
+              </a:lnSpc>
+              <a:spcBef>
+                <a:spcPts val="500"/>
+              </a:spcBef>
+              <a:buFont typeface="Arial" pitchFamily="34" charset="0"/>
+              <a:buChar char="•"/>
+              <a:defRPr sz="1800" kern="1200">
+                <a:solidFill>
+                  <a:schemeClr val="tx1"/>
+                </a:solidFill>
+                <a:latin typeface="+mn-lt"/>
+                <a:ea typeface="+mn-ea"/>
+                <a:cs typeface="+mn-cs"/>
+              </a:defRPr>
+            </a:lvl9pPr>
+          </a:lstStyle>
+          <a:p>
             <a:r>
               <a:rPr lang="zh-CN"/>
               <a:t>处理结果</a:t>
@@ -7708,7 +12186,7 @@
 </p:sld>
 </file>
 
-<file path=ppt/slides/slide12.xml><?xml version="1.0" encoding="utf-8"?>
+<file path=ppt/slides/slide22.xml><?xml version="1.0" encoding="utf-8"?>
 <p:sld xmlns:a="http://schemas.openxmlformats.org/drawingml/2006/main" xmlns:r="http://schemas.openxmlformats.org/officeDocument/2006/relationships" xmlns:p="http://schemas.openxmlformats.org/presentationml/2006/main">
   <p:cSld>
     <p:spTree>
@@ -7907,7 +12385,7 @@
 </p:sld>
 </file>
 
-<file path=ppt/slides/slide13.xml><?xml version="1.0" encoding="utf-8"?>
+<file path=ppt/slides/slide23.xml><?xml version="1.0" encoding="utf-8"?>
 <p:sld xmlns:a="http://schemas.openxmlformats.org/drawingml/2006/main" xmlns:r="http://schemas.openxmlformats.org/officeDocument/2006/relationships" xmlns:p="http://schemas.openxmlformats.org/presentationml/2006/main">
   <p:cSld>
     <p:spTree>
@@ -8846,7 +13324,7 @@
 </p:sld>
 </file>
 
-<file path=ppt/slides/slide14.xml><?xml version="1.0" encoding="utf-8"?>
+<file path=ppt/slides/slide24.xml><?xml version="1.0" encoding="utf-8"?>
 <p:sld xmlns:a="http://schemas.openxmlformats.org/drawingml/2006/main" xmlns:r="http://schemas.openxmlformats.org/officeDocument/2006/relationships" xmlns:p="http://schemas.openxmlformats.org/presentationml/2006/main">
   <p:cSld>
     <p:spTree>
@@ -9827,7 +14305,7 @@
 </p:sld>
 </file>
 
-<file path=ppt/slides/slide15.xml><?xml version="1.0" encoding="utf-8"?>
+<file path=ppt/slides/slide25.xml><?xml version="1.0" encoding="utf-8"?>
 <p:sld xmlns:a="http://schemas.openxmlformats.org/drawingml/2006/main" xmlns:r="http://schemas.openxmlformats.org/officeDocument/2006/relationships" xmlns:p="http://schemas.openxmlformats.org/presentationml/2006/main">
   <p:cSld>
     <p:spTree>
@@ -10055,7 +14533,7 @@
 </p:sld>
 </file>
 
-<file path=ppt/slides/slide16.xml><?xml version="1.0" encoding="utf-8"?>
+<file path=ppt/slides/slide26.xml><?xml version="1.0" encoding="utf-8"?>
 <p:sld xmlns:a="http://schemas.openxmlformats.org/drawingml/2006/main" xmlns:r="http://schemas.openxmlformats.org/officeDocument/2006/relationships" xmlns:p="http://schemas.openxmlformats.org/presentationml/2006/main">
   <p:cSld>
     <p:spTree>
@@ -11055,7 +15533,7 @@
 </p:sld>
 </file>
 
-<file path=ppt/slides/slide17.xml><?xml version="1.0" encoding="utf-8"?>
+<file path=ppt/slides/slide27.xml><?xml version="1.0" encoding="utf-8"?>
 <p:sld xmlns:a="http://schemas.openxmlformats.org/drawingml/2006/main" xmlns:r="http://schemas.openxmlformats.org/officeDocument/2006/relationships" xmlns:p="http://schemas.openxmlformats.org/presentationml/2006/main">
   <p:cSld>
     <p:spTree>
@@ -11724,7 +16202,7 @@
 </p:sld>
 </file>
 
-<file path=ppt/slides/slide18.xml><?xml version="1.0" encoding="utf-8"?>
+<file path=ppt/slides/slide28.xml><?xml version="1.0" encoding="utf-8"?>
 <p:sld xmlns:a="http://schemas.openxmlformats.org/drawingml/2006/main" xmlns:r="http://schemas.openxmlformats.org/officeDocument/2006/relationships" xmlns:p="http://schemas.openxmlformats.org/presentationml/2006/main">
   <p:cSld>
     <p:spTree>
@@ -11850,7 +16328,7 @@
 </p:sld>
 </file>
 
-<file path=ppt/slides/slide19.xml><?xml version="1.0" encoding="utf-8"?>
+<file path=ppt/slides/slide29.xml><?xml version="1.0" encoding="utf-8"?>
 <p:sld xmlns:a="http://schemas.openxmlformats.org/drawingml/2006/main" xmlns:r="http://schemas.openxmlformats.org/officeDocument/2006/relationships" xmlns:p="http://schemas.openxmlformats.org/presentationml/2006/main">
   <p:cSld>
     <p:spTree>
@@ -11961,7 +16439,319 @@
 </p:sld>
 </file>
 
-<file path=ppt/slides/slide2.xml><?xml version="1.0" encoding="utf-8"?>
+<file path=ppt/slides/slide3.xml><?xml version="1.0" encoding="utf-8"?>
+<p:sld xmlns:a="http://schemas.openxmlformats.org/drawingml/2006/main" xmlns:r="http://schemas.openxmlformats.org/officeDocument/2006/relationships" xmlns:p="http://schemas.openxmlformats.org/presentationml/2006/main">
+  <p:cSld>
+    <p:spTree>
+      <p:nvGrpSpPr>
+        <p:cNvPr id="1" name=""/>
+        <p:cNvGrpSpPr/>
+        <p:nvPr/>
+      </p:nvGrpSpPr>
+      <p:grpSpPr/>
+      <p:sp>
+        <p:nvSpPr>
+          <p:cNvPr id="2" name="标题 1"/>
+          <p:cNvSpPr>
+            <a:spLocks noGrp="1"/>
+          </p:cNvSpPr>
+          <p:nvPr>
+            <p:ph type="title"/>
+          </p:nvPr>
+        </p:nvSpPr>
+        <p:spPr/>
+        <p:txBody>
+          <a:bodyPr/>
+          <a:p>
+            <a:r>
+              <a:rPr lang="zh-CN" altLang="en-US"/>
+              <a:t>本周工作进展</a:t>
+            </a:r>
+            <a:endParaRPr lang="zh-CN" altLang="en-US"/>
+          </a:p>
+        </p:txBody>
+      </p:sp>
+      <p:sp>
+        <p:nvSpPr>
+          <p:cNvPr id="3" name="内容占位符 2"/>
+          <p:cNvSpPr>
+            <a:spLocks noGrp="1"/>
+          </p:cNvSpPr>
+          <p:nvPr>
+            <p:ph idx="1"/>
+          </p:nvPr>
+        </p:nvSpPr>
+        <p:spPr/>
+        <p:txBody>
+          <a:bodyPr/>
+          <a:p>
+            <a:r>
+              <a:rPr lang="zh-CN" altLang="en-US"/>
+              <a:t>对于我们的主要开发方向（</a:t>
+            </a:r>
+            <a:r>
+              <a:rPr lang="en-US" altLang="zh-CN"/>
+              <a:t>“</a:t>
+            </a:r>
+            <a:r>
+              <a:rPr lang="zh-CN" altLang="en-US"/>
+              <a:t>野指针</a:t>
+            </a:r>
+            <a:r>
+              <a:rPr lang="en-US" altLang="zh-CN"/>
+              <a:t>”</a:t>
+            </a:r>
+            <a:r>
+              <a:rPr lang="zh-CN" altLang="en-US"/>
+              <a:t>的检测与报错）进行了面向数据的分析</a:t>
+            </a:r>
+            <a:endParaRPr lang="zh-CN" altLang="en-US"/>
+          </a:p>
+          <a:p>
+            <a:r>
+              <a:rPr lang="zh-CN" altLang="en-US"/>
+              <a:t>跟踪数据走向，分析</a:t>
+            </a:r>
+            <a:r>
+              <a:rPr lang="en-US" altLang="en-US"/>
+              <a:t>Token</a:t>
+            </a:r>
+            <a:r>
+              <a:rPr lang="zh-CN" altLang="en-US"/>
+              <a:t>与</a:t>
+            </a:r>
+            <a:r>
+              <a:rPr lang="en-US" altLang="en-US"/>
+              <a:t>Symbol</a:t>
+            </a:r>
+            <a:r>
+              <a:rPr lang="zh-CN" altLang="en-US"/>
+              <a:t>类与对象之间的关系</a:t>
+            </a:r>
+            <a:endParaRPr lang="zh-CN" altLang="en-US"/>
+          </a:p>
+          <a:p>
+            <a:r>
+              <a:rPr lang="en-US" altLang="en-US"/>
+              <a:t>Ast(</a:t>
+            </a:r>
+            <a:r>
+              <a:rPr lang="zh-CN" altLang="en-US"/>
+              <a:t>抽象语法树</a:t>
+            </a:r>
+            <a:r>
+              <a:rPr lang="en-US" altLang="en-US"/>
+              <a:t>)</a:t>
+            </a:r>
+            <a:r>
+              <a:rPr lang="zh-CN" altLang="en-US"/>
+              <a:t>分析，与</a:t>
+            </a:r>
+            <a:r>
+              <a:rPr lang="en-US" altLang="zh-CN"/>
+              <a:t>Token</a:t>
+            </a:r>
+            <a:r>
+              <a:rPr lang="zh-CN" altLang="en-US"/>
+              <a:t>挂钩</a:t>
+            </a:r>
+            <a:endParaRPr lang="zh-CN" altLang="en-US"/>
+          </a:p>
+        </p:txBody>
+      </p:sp>
+      <p:pic>
+        <p:nvPicPr>
+          <p:cNvPr id="5" name="图片 4" descr="QQ图片20160401090900"/>
+          <p:cNvPicPr>
+            <a:picLocks noChangeAspect="1"/>
+          </p:cNvPicPr>
+          <p:nvPr/>
+        </p:nvPicPr>
+        <p:blipFill>
+          <a:blip r:embed="rId1"/>
+          <a:stretch>
+            <a:fillRect/>
+          </a:stretch>
+        </p:blipFill>
+        <p:spPr>
+          <a:xfrm>
+            <a:off x="1783715" y="1389380"/>
+            <a:ext cx="8170545" cy="4812030"/>
+          </a:xfrm>
+          <a:prstGeom prst="rect">
+            <a:avLst/>
+          </a:prstGeom>
+        </p:spPr>
+      </p:pic>
+    </p:spTree>
+  </p:cSld>
+  <p:clrMapOvr>
+    <a:masterClrMapping/>
+  </p:clrMapOvr>
+  <p:transition/>
+</p:sld>
+</file>
+
+<file path=ppt/slides/slide4.xml><?xml version="1.0" encoding="utf-8"?>
+<p:sld xmlns:a="http://schemas.openxmlformats.org/drawingml/2006/main" xmlns:r="http://schemas.openxmlformats.org/officeDocument/2006/relationships" xmlns:p="http://schemas.openxmlformats.org/presentationml/2006/main">
+  <p:cSld>
+    <p:spTree>
+      <p:nvGrpSpPr>
+        <p:cNvPr id="1" name=""/>
+        <p:cNvGrpSpPr/>
+        <p:nvPr/>
+      </p:nvGrpSpPr>
+      <p:grpSpPr>
+        <a:xfrm>
+          <a:off x="0" y="0"/>
+          <a:ext cx="0" cy="0"/>
+          <a:chOff x="0" y="0"/>
+          <a:chExt cx="0" cy="0"/>
+        </a:xfrm>
+      </p:grpSpPr>
+      <p:sp>
+        <p:nvSpPr>
+          <p:cNvPr id="2" name="标题 1"/>
+          <p:cNvSpPr>
+            <a:spLocks noGrp="1"/>
+          </p:cNvSpPr>
+          <p:nvPr>
+            <p:ph type="title"/>
+          </p:nvPr>
+        </p:nvSpPr>
+        <p:spPr/>
+        <p:txBody>
+          <a:bodyPr/>
+          <a:lstStyle/>
+          <a:p>
+            <a:r>
+              <a:rPr kumimoji="1" lang="zh-CN" altLang="en-US" dirty="0" smtClean="0"/>
+              <a:t>样例二测试</a:t>
+            </a:r>
+            <a:endParaRPr kumimoji="1" lang="zh-CN" altLang="en-US" dirty="0" smtClean="0"/>
+          </a:p>
+        </p:txBody>
+      </p:sp>
+      <p:sp>
+        <p:nvSpPr>
+          <p:cNvPr id="3" name="内容占位符 2"/>
+          <p:cNvSpPr>
+            <a:spLocks noGrp="1"/>
+          </p:cNvSpPr>
+          <p:nvPr>
+            <p:ph idx="1"/>
+          </p:nvPr>
+        </p:nvSpPr>
+        <p:spPr>
+          <a:xfrm>
+            <a:off x="1122045" y="1826895"/>
+            <a:ext cx="9714865" cy="4351655"/>
+          </a:xfrm>
+        </p:spPr>
+        <p:txBody>
+          <a:bodyPr/>
+          <a:lstStyle/>
+          <a:p>
+            <a:r>
+              <a:rPr kumimoji="1" lang="zh-CN" altLang="en-US" dirty="0"/>
+              <a:t>样例侧重点</a:t>
+            </a:r>
+            <a:endParaRPr kumimoji="1" lang="zh-CN" altLang="en-US" dirty="0"/>
+          </a:p>
+          <a:p>
+            <a:pPr lvl="1"/>
+            <a:r>
+              <a:rPr kumimoji="1" lang="zh-CN" altLang="en-US" dirty="0"/>
+              <a:t>悬垂指针用于指针初始化（赋值），导致指针状态异常。</a:t>
+            </a:r>
+            <a:endParaRPr kumimoji="1" lang="zh-CN" altLang="en-US" dirty="0"/>
+          </a:p>
+          <a:p>
+            <a:pPr lvl="0"/>
+            <a:r>
+              <a:rPr kumimoji="1" lang="zh-CN" altLang="en-US" sz="2800" dirty="0"/>
+              <a:t>对比性样例</a:t>
+            </a:r>
+            <a:endParaRPr kumimoji="1" lang="zh-CN" altLang="en-US" sz="2800" dirty="0"/>
+          </a:p>
+          <a:p>
+            <a:pPr lvl="1"/>
+            <a:r>
+              <a:rPr kumimoji="1" lang="zh-CN" altLang="en-US" dirty="0">
+                <a:sym typeface="+mn-ea"/>
+              </a:rPr>
+              <a:t>指针由另一指针初始化后，后者被释放导致前者成为悬垂指针</a:t>
+            </a:r>
+            <a:endParaRPr kumimoji="1" lang="zh-CN" altLang="en-US" dirty="0">
+              <a:sym typeface="+mn-ea"/>
+            </a:endParaRPr>
+          </a:p>
+          <a:p>
+            <a:pPr lvl="1"/>
+            <a:r>
+              <a:rPr kumimoji="1" lang="zh-CN" altLang="en-US" sz="2400" dirty="0"/>
+              <a:t>指针由未初始化的指针初始化</a:t>
+            </a:r>
+            <a:endParaRPr kumimoji="1" lang="zh-CN" altLang="en-US" sz="2400" dirty="0"/>
+          </a:p>
+          <a:p>
+            <a:pPr lvl="0"/>
+            <a:r>
+              <a:rPr kumimoji="1" lang="zh-CN" altLang="en-US" dirty="0"/>
+              <a:t>名词解释</a:t>
+            </a:r>
+            <a:endParaRPr kumimoji="1" lang="zh-CN" altLang="en-US" dirty="0"/>
+          </a:p>
+          <a:p>
+            <a:pPr lvl="1"/>
+            <a:r>
+              <a:rPr kumimoji="1" lang="zh-CN" altLang="en-US" dirty="0"/>
+              <a:t>悬垂指针</a:t>
+            </a:r>
+            <a:endParaRPr kumimoji="1" lang="zh-CN" altLang="en-US" dirty="0"/>
+          </a:p>
+          <a:p>
+            <a:pPr lvl="2"/>
+            <a:r>
+              <a:rPr kumimoji="1" lang="zh-CN" altLang="en-US" dirty="0"/>
+              <a:t>指针所指向内容被释放后，指针指向无效内存，此时指针被称为悬垂指针。</a:t>
+            </a:r>
+            <a:endParaRPr kumimoji="1" lang="zh-CN" altLang="en-US" dirty="0"/>
+          </a:p>
+          <a:p>
+            <a:pPr lvl="2"/>
+            <a:r>
+              <a:rPr kumimoji="1" lang="zh-CN" altLang="en-US" dirty="0"/>
+              <a:t>通常出现在对象释放后指针未重设，或者对象的不当多重引用。</a:t>
+            </a:r>
+            <a:endParaRPr kumimoji="1" lang="zh-CN" altLang="en-US" dirty="0"/>
+          </a:p>
+          <a:p>
+            <a:pPr lvl="2"/>
+            <a:r>
+              <a:rPr kumimoji="1" lang="zh-CN" altLang="en-US" dirty="0"/>
+              <a:t>及时重设指针，或者合理控制指针的作用域，有助于避免悬垂指针的出现。</a:t>
+            </a:r>
+            <a:endParaRPr kumimoji="1" lang="zh-CN" altLang="en-US" dirty="0"/>
+          </a:p>
+        </p:txBody>
+      </p:sp>
+    </p:spTree>
+  </p:cSld>
+  <p:clrMapOvr>
+    <a:masterClrMapping/>
+  </p:clrMapOvr>
+  <p:timing>
+    <p:tnLst>
+      <p:par>
+        <p:cTn id="1" dur="indefinite" restart="never" nodeType="tmRoot"/>
+      </p:par>
+    </p:tnLst>
+  </p:timing>
+</p:sld>
+</file>
+
+<file path=ppt/slides/slide5.xml><?xml version="1.0" encoding="utf-8"?>
 <p:sld xmlns:a="http://schemas.openxmlformats.org/drawingml/2006/main" xmlns:r="http://schemas.openxmlformats.org/officeDocument/2006/relationships" xmlns:p="http://schemas.openxmlformats.org/presentationml/2006/main">
   <p:cSld>
     <p:spTree>
@@ -12519,451 +17309,6 @@
 </p:sld>
 </file>
 
-<file path=ppt/slides/slide3.xml><?xml version="1.0" encoding="utf-8"?>
-<p:sld xmlns:a="http://schemas.openxmlformats.org/drawingml/2006/main" xmlns:r="http://schemas.openxmlformats.org/officeDocument/2006/relationships" xmlns:p="http://schemas.openxmlformats.org/presentationml/2006/main">
-  <p:cSld>
-    <p:spTree>
-      <p:nvGrpSpPr>
-        <p:cNvPr id="1" name=""/>
-        <p:cNvGrpSpPr/>
-        <p:nvPr/>
-      </p:nvGrpSpPr>
-      <p:grpSpPr/>
-      <p:sp>
-        <p:nvSpPr>
-          <p:cNvPr id="2" name="标题 1"/>
-          <p:cNvSpPr>
-            <a:spLocks noGrp="1"/>
-          </p:cNvSpPr>
-          <p:nvPr>
-            <p:ph type="title"/>
-          </p:nvPr>
-        </p:nvSpPr>
-        <p:spPr/>
-        <p:txBody>
-          <a:bodyPr/>
-          <a:p>
-            <a:r>
-              <a:rPr kumimoji="1" lang="zh-CN" altLang="en-US" dirty="0" smtClean="0">
-                <a:sym typeface="+mn-ea"/>
-              </a:rPr>
-              <a:t>样例二测试</a:t>
-            </a:r>
-            <a:endParaRPr lang="zh-CN" altLang="en-US"/>
-          </a:p>
-        </p:txBody>
-      </p:sp>
-      <p:sp>
-        <p:nvSpPr>
-          <p:cNvPr id="3" name="内容占位符 2"/>
-          <p:cNvSpPr>
-            <a:spLocks noGrp="1"/>
-          </p:cNvSpPr>
-          <p:nvPr>
-            <p:ph idx="1"/>
-          </p:nvPr>
-        </p:nvSpPr>
-        <p:spPr/>
-        <p:txBody>
-          <a:bodyPr/>
-          <a:p>
-            <a:r>
-              <a:rPr lang="zh-CN" altLang="en-US"/>
-              <a:t>测试输出：</a:t>
-            </a:r>
-            <a:endParaRPr lang="zh-CN" altLang="en-US"/>
-          </a:p>
-          <a:p>
-            <a:pPr lvl="1"/>
-            <a:r>
-              <a:rPr lang="en-US" altLang="zh-CN"/>
-              <a:t>1) </a:t>
-            </a:r>
-            <a:r>
-              <a:rPr lang="zh-CN" altLang="en-US"/>
-              <a:t>第六行“demo *p2 = p1;”，p1未初始化。</a:t>
-            </a:r>
-            <a:endParaRPr lang="zh-CN" altLang="en-US"/>
-          </a:p>
-          <a:p>
-            <a:pPr lvl="1"/>
-            <a:r>
-              <a:rPr lang="en-US" altLang="zh-CN"/>
-              <a:t>2) </a:t>
-            </a:r>
-            <a:r>
-              <a:rPr lang="zh-CN" altLang="en-US"/>
-              <a:t>第五行“int *p2 = p1;”，p1未初始化。</a:t>
-            </a:r>
-            <a:endParaRPr lang="zh-CN" altLang="en-US"/>
-          </a:p>
-          <a:p>
-            <a:pPr lvl="0"/>
-            <a:r>
-              <a:rPr lang="zh-CN" altLang="en-US"/>
-              <a:t>黑盒测试结论：</a:t>
-            </a:r>
-            <a:endParaRPr lang="zh-CN" altLang="en-US"/>
-          </a:p>
-          <a:p>
-            <a:pPr lvl="1"/>
-            <a:r>
-              <a:rPr lang="zh-CN" altLang="en-US"/>
-              <a:t>无定义体的</a:t>
-            </a:r>
-            <a:r>
-              <a:rPr lang="en-US" altLang="zh-CN"/>
-              <a:t>demo</a:t>
-            </a:r>
-            <a:r>
-              <a:rPr lang="zh-CN" altLang="en-US"/>
-              <a:t>类型还是</a:t>
-            </a:r>
-            <a:r>
-              <a:rPr lang="en-US" altLang="zh-CN"/>
-              <a:t>int</a:t>
-            </a:r>
-            <a:r>
-              <a:rPr lang="zh-CN" altLang="en-US"/>
-              <a:t>基础类型对于指针的分析结果没有影响</a:t>
-            </a:r>
-            <a:endParaRPr lang="zh-CN" altLang="en-US"/>
-          </a:p>
-          <a:p>
-            <a:pPr lvl="1"/>
-            <a:r>
-              <a:rPr lang="zh-CN" altLang="en-US"/>
-              <a:t>关于</a:t>
-            </a:r>
-            <a:r>
-              <a:rPr lang="en-US" altLang="zh-CN"/>
-              <a:t>p2</a:t>
-            </a:r>
-            <a:r>
-              <a:rPr lang="zh-CN" altLang="en-US"/>
-              <a:t>没有任何的信息输出</a:t>
-            </a:r>
-            <a:endParaRPr lang="zh-CN" altLang="en-US"/>
-          </a:p>
-          <a:p>
-            <a:pPr lvl="1"/>
-            <a:r>
-              <a:rPr lang="en-US" altLang="zh-CN"/>
-              <a:t>delete</a:t>
-            </a:r>
-            <a:r>
-              <a:rPr lang="zh-CN" altLang="en-US"/>
-              <a:t>语句对</a:t>
-            </a:r>
-            <a:r>
-              <a:rPr lang="en-US" altLang="zh-CN"/>
-              <a:t>p1</a:t>
-            </a:r>
-            <a:r>
-              <a:rPr lang="zh-CN" altLang="en-US"/>
-              <a:t>的值产生影响，同时因为错误未能判断初始化的可能性较低；</a:t>
-            </a:r>
-            <a:r>
-              <a:rPr lang="en-US" altLang="zh-CN"/>
-              <a:t>delete</a:t>
-            </a:r>
-            <a:r>
-              <a:rPr lang="zh-CN" altLang="en-US"/>
-              <a:t>后造成的悬垂指针可能被视为未初始化。</a:t>
-            </a:r>
-            <a:endParaRPr lang="zh-CN" altLang="en-US"/>
-          </a:p>
-          <a:p>
-            <a:pPr lvl="1"/>
-            <a:r>
-              <a:rPr lang="zh-CN" altLang="en-US"/>
-              <a:t>访问</a:t>
-            </a:r>
-            <a:r>
-              <a:rPr lang="en-US" altLang="zh-CN"/>
-              <a:t>p1</a:t>
-            </a:r>
-            <a:r>
-              <a:rPr lang="zh-CN" altLang="en-US"/>
-              <a:t>、</a:t>
-            </a:r>
-            <a:r>
-              <a:rPr lang="en-US" altLang="zh-CN"/>
-              <a:t>p2</a:t>
-            </a:r>
-            <a:r>
-              <a:rPr lang="zh-CN" altLang="en-US"/>
-              <a:t>指向的对象均未报错。成员函数未定义可能导致不能识别，但</a:t>
-            </a:r>
-            <a:r>
-              <a:rPr lang="en-US" altLang="zh-CN"/>
-              <a:t>int</a:t>
-            </a:r>
-            <a:r>
-              <a:rPr lang="zh-CN" altLang="en-US"/>
-              <a:t>型指针仍未提示异常访问。</a:t>
-            </a:r>
-            <a:endParaRPr lang="zh-CN" altLang="en-US"/>
-          </a:p>
-          <a:p>
-            <a:pPr lvl="1"/>
-            <a:endParaRPr lang="zh-CN" altLang="en-US"/>
-          </a:p>
-        </p:txBody>
-      </p:sp>
-    </p:spTree>
-  </p:cSld>
-  <p:clrMapOvr>
-    <a:masterClrMapping/>
-  </p:clrMapOvr>
-</p:sld>
-</file>
-
-<file path=ppt/slides/slide4.xml><?xml version="1.0" encoding="utf-8"?>
-<p:sld xmlns:a="http://schemas.openxmlformats.org/drawingml/2006/main" xmlns:r="http://schemas.openxmlformats.org/officeDocument/2006/relationships" xmlns:p="http://schemas.openxmlformats.org/presentationml/2006/main">
-  <p:cSld>
-    <p:spTree>
-      <p:nvGrpSpPr>
-        <p:cNvPr id="1" name=""/>
-        <p:cNvGrpSpPr/>
-        <p:nvPr/>
-      </p:nvGrpSpPr>
-      <p:grpSpPr/>
-      <p:sp>
-        <p:nvSpPr>
-          <p:cNvPr id="2" name="标题 1"/>
-          <p:cNvSpPr>
-            <a:spLocks noGrp="1"/>
-          </p:cNvSpPr>
-          <p:nvPr>
-            <p:ph type="title"/>
-          </p:nvPr>
-        </p:nvSpPr>
-        <p:spPr/>
-        <p:txBody>
-          <a:bodyPr/>
-          <a:p>
-            <a:r>
-              <a:rPr kumimoji="1" lang="zh-CN" altLang="en-US" dirty="0" smtClean="0">
-                <a:sym typeface="+mn-ea"/>
-              </a:rPr>
-              <a:t>样例二</a:t>
-            </a:r>
-            <a:r>
-              <a:rPr kumimoji="1" lang="en-US" altLang="zh-CN" dirty="0" smtClean="0">
-                <a:sym typeface="+mn-ea"/>
-              </a:rPr>
-              <a:t>(1)</a:t>
-            </a:r>
-            <a:r>
-              <a:rPr kumimoji="1" lang="zh-CN" altLang="en-US" dirty="0" smtClean="0">
-                <a:sym typeface="+mn-ea"/>
-              </a:rPr>
-              <a:t>测试</a:t>
-            </a:r>
-            <a:endParaRPr lang="zh-CN" altLang="en-US"/>
-          </a:p>
-        </p:txBody>
-      </p:sp>
-      <p:sp>
-        <p:nvSpPr>
-          <p:cNvPr id="3" name="内容占位符 2"/>
-          <p:cNvSpPr>
-            <a:spLocks noGrp="1"/>
-          </p:cNvSpPr>
-          <p:nvPr>
-            <p:ph idx="1"/>
-          </p:nvPr>
-        </p:nvSpPr>
-        <p:spPr/>
-        <p:txBody>
-          <a:bodyPr/>
-          <a:p>
-            <a:r>
-              <a:rPr lang="zh-CN" altLang="en-US"/>
-              <a:t>测试方法</a:t>
-            </a:r>
-            <a:endParaRPr lang="zh-CN" altLang="en-US"/>
-          </a:p>
-          <a:p>
-            <a:pPr lvl="1"/>
-            <a:r>
-              <a:rPr lang="zh-CN" altLang="en-US"/>
-              <a:t>白盒测试</a:t>
-            </a:r>
-            <a:endParaRPr lang="zh-CN" altLang="en-US"/>
-          </a:p>
-          <a:p>
-            <a:r>
-              <a:rPr lang="zh-CN" altLang="en-US"/>
-              <a:t>侧重点</a:t>
-            </a:r>
-            <a:endParaRPr lang="zh-CN" altLang="en-US"/>
-          </a:p>
-          <a:p>
-            <a:pPr lvl="1"/>
-            <a:r>
-              <a:rPr lang="zh-CN" altLang="en-US"/>
-              <a:t>跟踪程序</a:t>
-            </a:r>
-            <a:r>
-              <a:rPr lang="zh-CN" altLang="en-US" u="sng"/>
-              <a:t>流程</a:t>
-            </a:r>
-            <a:endParaRPr lang="zh-CN" altLang="en-US" u="sng"/>
-          </a:p>
-          <a:p>
-            <a:pPr lvl="1"/>
-            <a:r>
-              <a:rPr lang="zh-CN" altLang="en-US"/>
-              <a:t>分析各模块组成和作用方式</a:t>
-            </a:r>
-            <a:endParaRPr lang="zh-CN" altLang="en-US"/>
-          </a:p>
-          <a:p>
-            <a:pPr lvl="1"/>
-            <a:r>
-              <a:rPr lang="zh-CN" altLang="en-US"/>
-              <a:t>了解数据被处理的顺序</a:t>
-            </a:r>
-            <a:endParaRPr lang="zh-CN" altLang="en-US"/>
-          </a:p>
-        </p:txBody>
-      </p:sp>
-    </p:spTree>
-  </p:cSld>
-  <p:clrMapOvr>
-    <a:masterClrMapping/>
-  </p:clrMapOvr>
-</p:sld>
-</file>
-
-<file path=ppt/slides/slide5.xml><?xml version="1.0" encoding="utf-8"?>
-<p:sld xmlns:a="http://schemas.openxmlformats.org/drawingml/2006/main" xmlns:r="http://schemas.openxmlformats.org/officeDocument/2006/relationships" xmlns:p="http://schemas.openxmlformats.org/presentationml/2006/main">
-  <p:cSld>
-    <p:spTree>
-      <p:nvGrpSpPr>
-        <p:cNvPr id="1" name=""/>
-        <p:cNvGrpSpPr/>
-        <p:nvPr/>
-      </p:nvGrpSpPr>
-      <p:grpSpPr/>
-      <p:sp>
-        <p:nvSpPr>
-          <p:cNvPr id="2" name="标题 1"/>
-          <p:cNvSpPr>
-            <a:spLocks noGrp="1"/>
-          </p:cNvSpPr>
-          <p:nvPr>
-            <p:ph type="title"/>
-          </p:nvPr>
-        </p:nvSpPr>
-        <p:spPr/>
-        <p:txBody>
-          <a:bodyPr/>
-          <a:p>
-            <a:r>
-              <a:rPr kumimoji="1" lang="zh-CN" altLang="en-US" dirty="0" smtClean="0">
-                <a:sym typeface="+mn-ea"/>
-              </a:rPr>
-              <a:t>样例二</a:t>
-            </a:r>
-            <a:r>
-              <a:rPr kumimoji="1" lang="en-US" altLang="zh-CN" dirty="0" smtClean="0">
-                <a:sym typeface="+mn-ea"/>
-              </a:rPr>
-              <a:t>(1)</a:t>
-            </a:r>
-            <a:r>
-              <a:rPr kumimoji="1" lang="zh-CN" altLang="en-US" dirty="0" smtClean="0">
-                <a:sym typeface="+mn-ea"/>
-              </a:rPr>
-              <a:t>测试</a:t>
-            </a:r>
-            <a:endParaRPr lang="zh-CN" altLang="en-US"/>
-          </a:p>
-        </p:txBody>
-      </p:sp>
-      <p:sp>
-        <p:nvSpPr>
-          <p:cNvPr id="3" name="内容占位符 2"/>
-          <p:cNvSpPr>
-            <a:spLocks noGrp="1"/>
-          </p:cNvSpPr>
-          <p:nvPr>
-            <p:ph idx="1"/>
-          </p:nvPr>
-        </p:nvSpPr>
-        <p:spPr/>
-        <p:txBody>
-          <a:bodyPr/>
-          <a:p>
-            <a:r>
-              <a:rPr lang="zh-CN" altLang="en-US"/>
-              <a:t>白盒测试分析</a:t>
-            </a:r>
-            <a:endParaRPr lang="zh-CN" altLang="en-US"/>
-          </a:p>
-          <a:p>
-            <a:pPr lvl="1"/>
-            <a:r>
-              <a:rPr lang="zh-CN" altLang="en-US"/>
-              <a:t>ValueFlow::setValues过程了解的不明确；就结果而言p1和p2的token均没有由</a:t>
-            </a:r>
-            <a:r>
-              <a:rPr lang="zh-CN" altLang="en-US">
-                <a:sym typeface="+mn-ea"/>
-              </a:rPr>
-              <a:t>ValueFlow</a:t>
-            </a:r>
-            <a:r>
-              <a:rPr lang="zh-CN" altLang="en-US"/>
-              <a:t>设置合适的值，导致</a:t>
-            </a:r>
-            <a:r>
-              <a:rPr lang="en-US" altLang="zh-CN"/>
-              <a:t>Check</a:t>
-            </a:r>
-            <a:r>
-              <a:rPr lang="zh-CN" altLang="en-US"/>
-              <a:t>类没有检测出p2异常使用（func函数未定义也可能是原因之一）。</a:t>
-            </a:r>
-            <a:endParaRPr lang="zh-CN" altLang="en-US"/>
-          </a:p>
-          <a:p>
-            <a:pPr lvl="1"/>
-            <a:r>
-              <a:rPr lang="zh-CN" altLang="en-US"/>
-              <a:t>可以注意到，p1在delete后提示了未初始化的变量，但因为</a:t>
-            </a:r>
-            <a:r>
-              <a:rPr lang="zh-CN" altLang="en-US">
-                <a:sym typeface="+mn-ea"/>
-              </a:rPr>
-              <a:t>ValueFlow</a:t>
-            </a:r>
-            <a:r>
-              <a:rPr lang="zh-CN" altLang="en-US"/>
-              <a:t>功能异常，p1的值不确定是在delete后确定“未初始化”还是保持了value的初始值“未初始化”。</a:t>
-            </a:r>
-            <a:endParaRPr lang="zh-CN" altLang="en-US"/>
-          </a:p>
-          <a:p>
-            <a:pPr marL="0" lvl="0" indent="0">
-              <a:buNone/>
-            </a:pPr>
-            <a:endParaRPr lang="zh-CN" altLang="en-US"/>
-          </a:p>
-        </p:txBody>
-      </p:sp>
-    </p:spTree>
-  </p:cSld>
-  <p:clrMapOvr>
-    <a:masterClrMapping/>
-  </p:clrMapOvr>
-</p:sld>
-</file>
-
 <file path=ppt/slides/slide6.xml><?xml version="1.0" encoding="utf-8"?>
 <p:sld xmlns:a="http://schemas.openxmlformats.org/drawingml/2006/main" xmlns:r="http://schemas.openxmlformats.org/officeDocument/2006/relationships" xmlns:p="http://schemas.openxmlformats.org/presentationml/2006/main">
   <p:cSld>
@@ -12992,19 +17337,7 @@
               <a:rPr kumimoji="1" lang="zh-CN" altLang="en-US" dirty="0" smtClean="0">
                 <a:sym typeface="+mn-ea"/>
               </a:rPr>
-              <a:t>样例二</a:t>
-            </a:r>
-            <a:r>
-              <a:rPr kumimoji="1" lang="en-US" altLang="zh-CN" dirty="0" smtClean="0">
-                <a:sym typeface="+mn-ea"/>
-              </a:rPr>
-              <a:t>(1)</a:t>
-            </a:r>
-            <a:r>
-              <a:rPr kumimoji="1" lang="zh-CN" altLang="en-US" dirty="0" smtClean="0">
-                <a:sym typeface="+mn-ea"/>
-              </a:rPr>
-              <a:t>测试</a:t>
+              <a:t>样例二测试</a:t>
             </a:r>
             <a:endParaRPr lang="zh-CN" altLang="en-US"/>
           </a:p>
@@ -13024,29 +17357,33 @@
         <p:txBody>
           <a:bodyPr/>
           <a:p>
-            <a:pPr>
-              <a:buFont typeface="Arial" charset="0"/>
-              <a:buChar char="•"/>
-            </a:pPr>
             <a:r>
               <a:rPr lang="zh-CN" altLang="en-US"/>
-              <a:t>测试改进建议</a:t>
+              <a:t>测试输出：</a:t>
             </a:r>
             <a:endParaRPr lang="zh-CN" altLang="en-US"/>
           </a:p>
           <a:p>
             <a:pPr lvl="1"/>
             <a:r>
+              <a:rPr lang="en-US" altLang="zh-CN"/>
+              <a:t>1) </a:t>
+            </a:r>
+            <a:r>
               <a:rPr lang="zh-CN" altLang="en-US"/>
-              <a:t>换为int指针类型进行测试，避免未定义成员函数带来的干扰</a:t>
+              <a:t>第六行“demo *p2 = p1;”，p1未初始化。</a:t>
             </a:r>
             <a:endParaRPr lang="zh-CN" altLang="en-US"/>
           </a:p>
           <a:p>
             <a:pPr lvl="1"/>
             <a:r>
+              <a:rPr lang="en-US" altLang="zh-CN"/>
+              <a:t>2) </a:t>
+            </a:r>
+            <a:r>
               <a:rPr lang="zh-CN" altLang="en-US"/>
-              <a:t>完善class定义进行测试</a:t>
+              <a:t>第五行“int *p2 = p1;”，p1未初始化。</a:t>
             </a:r>
             <a:endParaRPr lang="zh-CN" altLang="en-US"/>
           </a:p>
@@ -13054,7 +17391,7 @@
             <a:pPr lvl="0"/>
             <a:r>
               <a:rPr lang="zh-CN" altLang="en-US"/>
-              <a:t>进一步测试方向</a:t>
+              <a:t>黑盒测试结论：</a:t>
             </a:r>
             <a:endParaRPr lang="zh-CN" altLang="en-US"/>
           </a:p>
@@ -13062,7 +17399,23 @@
             <a:pPr lvl="1"/>
             <a:r>
               <a:rPr lang="zh-CN" altLang="en-US"/>
-              <a:t>数据构成</a:t>
+              <a:t>无定义体的</a:t>
+            </a:r>
+            <a:r>
+              <a:rPr lang="en-US" altLang="zh-CN"/>
+              <a:t>demo</a:t>
+            </a:r>
+            <a:r>
+              <a:rPr lang="zh-CN" altLang="en-US"/>
+              <a:t>类型还是</a:t>
+            </a:r>
+            <a:r>
+              <a:rPr lang="en-US" altLang="zh-CN"/>
+              <a:t>int</a:t>
+            </a:r>
+            <a:r>
+              <a:rPr lang="zh-CN" altLang="en-US"/>
+              <a:t>基础类型对于指针的分析结果没有影响</a:t>
             </a:r>
             <a:endParaRPr lang="zh-CN" altLang="en-US"/>
           </a:p>
@@ -13070,8 +17423,80 @@
             <a:pPr lvl="1"/>
             <a:r>
               <a:rPr lang="zh-CN" altLang="en-US"/>
-              <a:t>数据模块中类的关系</a:t>
-            </a:r>
+              <a:t>关于</a:t>
+            </a:r>
+            <a:r>
+              <a:rPr lang="en-US" altLang="zh-CN"/>
+              <a:t>p2</a:t>
+            </a:r>
+            <a:r>
+              <a:rPr lang="zh-CN" altLang="en-US"/>
+              <a:t>没有任何的信息输出</a:t>
+            </a:r>
+            <a:endParaRPr lang="zh-CN" altLang="en-US"/>
+          </a:p>
+          <a:p>
+            <a:pPr lvl="1"/>
+            <a:r>
+              <a:rPr lang="en-US" altLang="zh-CN"/>
+              <a:t>delete</a:t>
+            </a:r>
+            <a:r>
+              <a:rPr lang="zh-CN" altLang="en-US"/>
+              <a:t>语句对</a:t>
+            </a:r>
+            <a:r>
+              <a:rPr lang="en-US" altLang="zh-CN"/>
+              <a:t>p1</a:t>
+            </a:r>
+            <a:r>
+              <a:rPr lang="zh-CN" altLang="en-US"/>
+              <a:t>的值产生影响，同时因为错误未能判断初始化的可能性较低；</a:t>
+            </a:r>
+            <a:r>
+              <a:rPr lang="en-US" altLang="zh-CN"/>
+              <a:t>delete</a:t>
+            </a:r>
+            <a:r>
+              <a:rPr lang="zh-CN" altLang="en-US"/>
+              <a:t>后造成的悬垂指针可能被视为未初始化。</a:t>
+            </a:r>
+            <a:endParaRPr lang="zh-CN" altLang="en-US"/>
+          </a:p>
+          <a:p>
+            <a:pPr lvl="1"/>
+            <a:r>
+              <a:rPr lang="zh-CN" altLang="en-US"/>
+              <a:t>访问</a:t>
+            </a:r>
+            <a:r>
+              <a:rPr lang="en-US" altLang="zh-CN"/>
+              <a:t>p1</a:t>
+            </a:r>
+            <a:r>
+              <a:rPr lang="zh-CN" altLang="en-US"/>
+              <a:t>、</a:t>
+            </a:r>
+            <a:r>
+              <a:rPr lang="en-US" altLang="zh-CN"/>
+              <a:t>p2</a:t>
+            </a:r>
+            <a:r>
+              <a:rPr lang="zh-CN" altLang="en-US"/>
+              <a:t>指向的对象均未报错。成员函数未定义可能导致不能识别，但</a:t>
+            </a:r>
+            <a:r>
+              <a:rPr lang="en-US" altLang="zh-CN"/>
+              <a:t>int</a:t>
+            </a:r>
+            <a:r>
+              <a:rPr lang="zh-CN" altLang="en-US"/>
+              <a:t>型指针仍未提示异常访问。</a:t>
+            </a:r>
+            <a:endParaRPr lang="zh-CN" altLang="en-US"/>
+          </a:p>
+          <a:p>
+            <a:pPr lvl="1"/>
             <a:endParaRPr lang="zh-CN" altLang="en-US"/>
           </a:p>
         </p:txBody>
@@ -13118,7 +17543,7 @@
               <a:rPr kumimoji="1" lang="en-US" altLang="zh-CN" dirty="0" smtClean="0">
                 <a:sym typeface="+mn-ea"/>
               </a:rPr>
-              <a:t>(2)</a:t>
+              <a:t>(1)</a:t>
             </a:r>
             <a:r>
               <a:rPr kumimoji="1" lang="zh-CN" altLang="en-US" dirty="0" smtClean="0">
@@ -13169,15 +17594,19 @@
             <a:pPr lvl="1"/>
             <a:r>
               <a:rPr lang="zh-CN" altLang="en-US"/>
-              <a:t>跟踪</a:t>
+              <a:t>跟踪程序</a:t>
             </a:r>
             <a:r>
               <a:rPr lang="zh-CN" altLang="en-US" u="sng"/>
-              <a:t>数据</a:t>
-            </a:r>
+              <a:t>流程</a:t>
+            </a:r>
+            <a:endParaRPr lang="zh-CN" altLang="en-US" u="sng"/>
+          </a:p>
+          <a:p>
+            <a:pPr lvl="1"/>
             <a:r>
               <a:rPr lang="zh-CN" altLang="en-US"/>
-              <a:t>走向</a:t>
+              <a:t>分析各模块组成和作用方式</a:t>
             </a:r>
             <a:endParaRPr lang="zh-CN" altLang="en-US"/>
           </a:p>
@@ -13185,59 +17614,7 @@
             <a:pPr lvl="1"/>
             <a:r>
               <a:rPr lang="zh-CN" altLang="en-US"/>
-              <a:t>分析</a:t>
-            </a:r>
-            <a:r>
-              <a:rPr lang="en-US" altLang="zh-CN"/>
-              <a:t>Token</a:t>
-            </a:r>
-            <a:r>
-              <a:rPr lang="zh-CN" altLang="en-US"/>
-              <a:t>（</a:t>
-            </a:r>
-            <a:r>
-              <a:rPr lang="en-US" altLang="zh-CN"/>
-              <a:t>Tokenize</a:t>
-            </a:r>
-            <a:r>
-              <a:rPr lang="zh-CN" altLang="en-US"/>
-              <a:t>模块）与</a:t>
-            </a:r>
-            <a:r>
-              <a:rPr lang="en-US" altLang="zh-CN"/>
-              <a:t>Symbol</a:t>
-            </a:r>
-            <a:r>
-              <a:rPr lang="zh-CN" altLang="en-US"/>
-              <a:t>（</a:t>
-            </a:r>
-            <a:r>
-              <a:rPr lang="en-US" altLang="zh-CN"/>
-              <a:t>SymbolDatabase</a:t>
-            </a:r>
-            <a:r>
-              <a:rPr lang="zh-CN" altLang="en-US"/>
-              <a:t>模块）类与对象间关系</a:t>
-            </a:r>
-            <a:endParaRPr lang="zh-CN" altLang="en-US"/>
-          </a:p>
-          <a:p>
-            <a:pPr lvl="1"/>
-            <a:r>
-              <a:rPr lang="en-US" altLang="zh-CN"/>
-              <a:t>Ast</a:t>
-            </a:r>
-            <a:r>
-              <a:rPr lang="zh-CN" altLang="en-US"/>
-              <a:t>（抽象语法树）分析，与</a:t>
-            </a:r>
-            <a:r>
-              <a:rPr lang="en-US" altLang="zh-CN"/>
-              <a:t>Token</a:t>
-            </a:r>
-            <a:r>
-              <a:rPr lang="zh-CN" altLang="en-US"/>
-              <a:t>挂钩</a:t>
+              <a:t>了解数据被处理的顺序</a:t>
             </a:r>
             <a:endParaRPr lang="zh-CN" altLang="en-US"/>
           </a:p>
@@ -13285,7 +17662,7 @@
               <a:rPr kumimoji="1" lang="en-US" altLang="zh-CN" dirty="0" smtClean="0">
                 <a:sym typeface="+mn-ea"/>
               </a:rPr>
-              <a:t>(2)</a:t>
+              <a:t>(1)</a:t>
             </a:r>
             <a:r>
               <a:rPr kumimoji="1" lang="zh-CN" altLang="en-US" dirty="0" smtClean="0">
@@ -13299,1020 +17676,73 @@
       </p:sp>
       <p:sp>
         <p:nvSpPr>
-          <p:cNvPr id="4" name="文本框 3"/>
-          <p:cNvSpPr txBox="1"/>
-          <p:nvPr/>
-        </p:nvSpPr>
-        <p:spPr>
-          <a:xfrm>
-            <a:off x="8487410" y="1969135"/>
-            <a:ext cx="2209165" cy="465455"/>
-          </a:xfrm>
-          <a:prstGeom prst="rect">
-            <a:avLst/>
-          </a:prstGeom>
-          <a:noFill/>
-        </p:spPr>
-        <p:txBody>
-          <a:bodyPr wrap="square" rtlCol="0">
-            <a:spAutoFit/>
-          </a:bodyPr>
-          <a:p>
-            <a:r>
-              <a:rPr lang="en-US" altLang="zh-CN" sz="2400"/>
-              <a:t>Tokenize</a:t>
-            </a:r>
-            <a:r>
-              <a:rPr lang="zh-CN" altLang="en-US" sz="2400"/>
-              <a:t>模块</a:t>
-            </a:r>
-            <a:endParaRPr lang="zh-CN" altLang="en-US" sz="2400"/>
-          </a:p>
-        </p:txBody>
-      </p:sp>
-      <p:sp>
-        <p:nvSpPr>
-          <p:cNvPr id="5" name="文本框 4"/>
-          <p:cNvSpPr txBox="1"/>
-          <p:nvPr/>
-        </p:nvSpPr>
-        <p:spPr>
-          <a:xfrm>
-            <a:off x="2540000" y="1969135"/>
-            <a:ext cx="2209165" cy="465455"/>
-          </a:xfrm>
-          <a:prstGeom prst="rect">
-            <a:avLst/>
-          </a:prstGeom>
-          <a:noFill/>
-        </p:spPr>
-        <p:txBody>
-          <a:bodyPr wrap="square" rtlCol="0">
-            <a:spAutoFit/>
-          </a:bodyPr>
-          <a:p>
-            <a:r>
-              <a:rPr lang="en-US" altLang="zh-CN" sz="2400"/>
-              <a:t>SymbolDB</a:t>
-            </a:r>
-            <a:r>
-              <a:rPr lang="zh-CN" altLang="en-US" sz="2400"/>
-              <a:t>模块</a:t>
-            </a:r>
-            <a:endParaRPr lang="zh-CN" altLang="en-US" sz="2400"/>
-          </a:p>
-        </p:txBody>
-      </p:sp>
-      <p:grpSp>
-        <p:nvGrpSpPr>
-          <p:cNvPr id="33" name="组合 32"/>
-          <p:cNvGrpSpPr/>
-          <p:nvPr/>
-        </p:nvGrpSpPr>
-        <p:grpSpPr>
-          <a:xfrm>
-            <a:off x="1045845" y="2769235"/>
-            <a:ext cx="5421630" cy="3395980"/>
-            <a:chOff x="1001" y="4361"/>
-            <a:chExt cx="8538" cy="5348"/>
-          </a:xfrm>
-        </p:grpSpPr>
-        <p:sp>
-          <p:nvSpPr>
-            <p:cNvPr id="31" name="矩形 30"/>
-            <p:cNvSpPr/>
-            <p:nvPr/>
-          </p:nvSpPr>
-          <p:spPr>
-            <a:xfrm>
-              <a:off x="1001" y="4361"/>
-              <a:ext cx="8538" cy="5348"/>
-            </a:xfrm>
-            <a:prstGeom prst="rect">
-              <a:avLst/>
-            </a:prstGeom>
-            <a:solidFill>
-              <a:schemeClr val="accent1">
-                <a:lumMod val="20000"/>
-                <a:lumOff val="80000"/>
-                <a:alpha val="14000"/>
-              </a:schemeClr>
-            </a:solidFill>
-          </p:spPr>
-          <p:style>
-            <a:lnRef idx="2">
-              <a:schemeClr val="accent1">
-                <a:shade val="50000"/>
-              </a:schemeClr>
-            </a:lnRef>
-            <a:fillRef idx="1">
-              <a:schemeClr val="accent1"/>
-            </a:fillRef>
-            <a:effectRef idx="0">
-              <a:schemeClr val="accent1"/>
-            </a:effectRef>
-            <a:fontRef idx="minor">
-              <a:schemeClr val="lt1"/>
-            </a:fontRef>
-          </p:style>
-          <p:txBody>
-            <a:bodyPr rtlCol="0" anchor="ctr"/>
-            <a:p>
-              <a:pPr algn="ctr"/>
-              <a:endParaRPr lang="zh-CN" altLang="en-US"/>
-            </a:p>
-          </p:txBody>
-        </p:sp>
-        <p:sp>
-          <p:nvSpPr>
-            <p:cNvPr id="6" name="矩形 5"/>
-            <p:cNvSpPr/>
-            <p:nvPr/>
-          </p:nvSpPr>
-          <p:spPr>
-            <a:xfrm>
-              <a:off x="4063" y="4994"/>
-              <a:ext cx="2042" cy="1310"/>
-            </a:xfrm>
-            <a:prstGeom prst="rect">
-              <a:avLst/>
-            </a:prstGeom>
-          </p:spPr>
-          <p:style>
-            <a:lnRef idx="2">
-              <a:schemeClr val="accent1">
-                <a:shade val="50000"/>
-              </a:schemeClr>
-            </a:lnRef>
-            <a:fillRef idx="1">
-              <a:schemeClr val="accent1"/>
-            </a:fillRef>
-            <a:effectRef idx="0">
-              <a:schemeClr val="accent1"/>
-            </a:effectRef>
-            <a:fontRef idx="minor">
-              <a:schemeClr val="lt1"/>
-            </a:fontRef>
-          </p:style>
-          <p:txBody>
-            <a:bodyPr rtlCol="0" anchor="ctr"/>
-            <a:p>
-              <a:pPr algn="ctr"/>
-              <a:r>
-                <a:rPr lang="en-US" altLang="zh-CN"/>
-                <a:t>Scope</a:t>
-              </a:r>
-              <a:endParaRPr lang="en-US" altLang="zh-CN"/>
-            </a:p>
-          </p:txBody>
-        </p:sp>
-        <p:sp>
-          <p:nvSpPr>
-            <p:cNvPr id="7" name="矩形 6"/>
-            <p:cNvSpPr/>
-            <p:nvPr/>
-          </p:nvSpPr>
-          <p:spPr>
-            <a:xfrm>
-              <a:off x="1320" y="6562"/>
-              <a:ext cx="2042" cy="1310"/>
-            </a:xfrm>
-            <a:prstGeom prst="rect">
-              <a:avLst/>
-            </a:prstGeom>
-          </p:spPr>
-          <p:style>
-            <a:lnRef idx="2">
-              <a:schemeClr val="accent1">
-                <a:shade val="50000"/>
-              </a:schemeClr>
-            </a:lnRef>
-            <a:fillRef idx="1">
-              <a:schemeClr val="accent1"/>
-            </a:fillRef>
-            <a:effectRef idx="0">
-              <a:schemeClr val="accent1"/>
-            </a:effectRef>
-            <a:fontRef idx="minor">
-              <a:schemeClr val="lt1"/>
-            </a:fontRef>
-          </p:style>
-          <p:txBody>
-            <a:bodyPr rtlCol="0" anchor="ctr"/>
-            <a:p>
-              <a:pPr algn="ctr"/>
-              <a:r>
-                <a:rPr lang="en-US" altLang="zh-CN"/>
-                <a:t>Variable</a:t>
-              </a:r>
-              <a:endParaRPr lang="en-US" altLang="zh-CN"/>
-            </a:p>
-          </p:txBody>
-        </p:sp>
-        <p:sp>
-          <p:nvSpPr>
-            <p:cNvPr id="8" name="矩形 7"/>
-            <p:cNvSpPr/>
-            <p:nvPr/>
-          </p:nvSpPr>
-          <p:spPr>
-            <a:xfrm>
-              <a:off x="4061" y="7217"/>
-              <a:ext cx="2042" cy="1310"/>
-            </a:xfrm>
-            <a:prstGeom prst="rect">
-              <a:avLst/>
-            </a:prstGeom>
-          </p:spPr>
-          <p:style>
-            <a:lnRef idx="2">
-              <a:schemeClr val="accent1">
-                <a:shade val="50000"/>
-              </a:schemeClr>
-            </a:lnRef>
-            <a:fillRef idx="1">
-              <a:schemeClr val="accent1"/>
-            </a:fillRef>
-            <a:effectRef idx="0">
-              <a:schemeClr val="accent1"/>
-            </a:effectRef>
-            <a:fontRef idx="minor">
-              <a:schemeClr val="lt1"/>
-            </a:fontRef>
-          </p:style>
-          <p:txBody>
-            <a:bodyPr rtlCol="0" anchor="ctr"/>
-            <a:p>
-              <a:pPr algn="ctr"/>
-              <a:r>
-                <a:rPr lang="en-US" altLang="zh-CN"/>
-                <a:t>Function</a:t>
-              </a:r>
-              <a:endParaRPr lang="en-US" altLang="zh-CN"/>
-            </a:p>
-          </p:txBody>
-        </p:sp>
-        <p:sp>
-          <p:nvSpPr>
-            <p:cNvPr id="9" name="矩形 8"/>
-            <p:cNvSpPr/>
-            <p:nvPr/>
-          </p:nvSpPr>
-          <p:spPr>
-            <a:xfrm>
-              <a:off x="6833" y="6560"/>
-              <a:ext cx="2042" cy="1310"/>
-            </a:xfrm>
-            <a:prstGeom prst="rect">
-              <a:avLst/>
-            </a:prstGeom>
-          </p:spPr>
-          <p:style>
-            <a:lnRef idx="2">
-              <a:schemeClr val="accent1">
-                <a:shade val="50000"/>
-              </a:schemeClr>
-            </a:lnRef>
-            <a:fillRef idx="1">
-              <a:schemeClr val="accent1"/>
-            </a:fillRef>
-            <a:effectRef idx="0">
-              <a:schemeClr val="accent1"/>
-            </a:effectRef>
-            <a:fontRef idx="minor">
-              <a:schemeClr val="lt1"/>
-            </a:fontRef>
-          </p:style>
-          <p:txBody>
-            <a:bodyPr rtlCol="0" anchor="ctr"/>
-            <a:p>
-              <a:pPr algn="ctr"/>
-              <a:r>
-                <a:rPr lang="en-US" altLang="zh-CN"/>
-                <a:t>Type</a:t>
-              </a:r>
-              <a:endParaRPr lang="en-US" altLang="zh-CN"/>
-            </a:p>
-          </p:txBody>
-        </p:sp>
-        <p:cxnSp>
-          <p:nvCxnSpPr>
-            <p:cNvPr id="10" name="肘形连接符 9"/>
-            <p:cNvCxnSpPr>
-              <a:stCxn id="6" idx="1"/>
-              <a:endCxn id="6" idx="0"/>
-            </p:cNvCxnSpPr>
-            <p:nvPr/>
-          </p:nvCxnSpPr>
-          <p:spPr>
-            <a:xfrm rot="10800000" flipH="1">
-              <a:off x="4062" y="4993"/>
-              <a:ext cx="1021" cy="655"/>
-            </a:xfrm>
-            <a:prstGeom prst="bentConnector4">
-              <a:avLst>
-                <a:gd name="adj1" fmla="val -36729"/>
-                <a:gd name="adj2" fmla="val 157252"/>
-              </a:avLst>
-            </a:prstGeom>
-            <a:ln>
-              <a:tailEnd type="arrow"/>
-            </a:ln>
-          </p:spPr>
-          <p:style>
-            <a:lnRef idx="1">
-              <a:schemeClr val="accent1"/>
-            </a:lnRef>
-            <a:fillRef idx="0">
-              <a:schemeClr val="accent1"/>
-            </a:fillRef>
-            <a:effectRef idx="0">
-              <a:schemeClr val="accent1"/>
-            </a:effectRef>
-            <a:fontRef idx="minor">
-              <a:schemeClr val="tx1"/>
-            </a:fontRef>
-          </p:style>
-        </p:cxnSp>
-        <p:cxnSp>
-          <p:nvCxnSpPr>
-            <p:cNvPr id="12" name="肘形连接符 11"/>
-            <p:cNvCxnSpPr>
-              <a:stCxn id="6" idx="2"/>
-              <a:endCxn id="8" idx="0"/>
-            </p:cNvCxnSpPr>
-            <p:nvPr/>
-          </p:nvCxnSpPr>
-          <p:spPr>
-            <a:xfrm rot="5400000">
-              <a:off x="4627" y="6760"/>
-              <a:ext cx="913" cy="2"/>
-            </a:xfrm>
-            <a:prstGeom prst="bentConnector3">
-              <a:avLst>
-                <a:gd name="adj1" fmla="val 50000"/>
-              </a:avLst>
-            </a:prstGeom>
-            <a:ln>
-              <a:headEnd type="arrow"/>
-              <a:tailEnd type="arrow"/>
-            </a:ln>
-          </p:spPr>
-          <p:style>
-            <a:lnRef idx="1">
-              <a:schemeClr val="accent1"/>
-            </a:lnRef>
-            <a:fillRef idx="0">
-              <a:schemeClr val="accent1"/>
-            </a:fillRef>
-            <a:effectRef idx="0">
-              <a:schemeClr val="accent1"/>
-            </a:effectRef>
-            <a:fontRef idx="minor">
-              <a:schemeClr val="tx1"/>
-            </a:fontRef>
-          </p:style>
-        </p:cxnSp>
-        <p:cxnSp>
-          <p:nvCxnSpPr>
-            <p:cNvPr id="14" name="肘形连接符 13"/>
-            <p:cNvCxnSpPr>
-              <a:stCxn id="8" idx="1"/>
-              <a:endCxn id="7" idx="3"/>
-            </p:cNvCxnSpPr>
-            <p:nvPr/>
-          </p:nvCxnSpPr>
-          <p:spPr>
-            <a:xfrm rot="10800000">
-              <a:off x="3362" y="7217"/>
-              <a:ext cx="699" cy="655"/>
-            </a:xfrm>
-            <a:prstGeom prst="bentConnector3">
-              <a:avLst>
-                <a:gd name="adj1" fmla="val 49928"/>
-              </a:avLst>
-            </a:prstGeom>
-            <a:ln>
-              <a:tailEnd type="arrow"/>
-            </a:ln>
-          </p:spPr>
-          <p:style>
-            <a:lnRef idx="1">
-              <a:schemeClr val="accent1"/>
-            </a:lnRef>
-            <a:fillRef idx="0">
-              <a:schemeClr val="accent1"/>
-            </a:fillRef>
-            <a:effectRef idx="0">
-              <a:schemeClr val="accent1"/>
-            </a:effectRef>
-            <a:fontRef idx="minor">
-              <a:schemeClr val="tx1"/>
-            </a:fontRef>
-          </p:style>
-        </p:cxnSp>
-        <p:cxnSp>
-          <p:nvCxnSpPr>
-            <p:cNvPr id="16" name="肘形连接符 15"/>
-            <p:cNvCxnSpPr>
-              <a:stCxn id="7" idx="2"/>
-              <a:endCxn id="9" idx="2"/>
-            </p:cNvCxnSpPr>
-            <p:nvPr/>
-          </p:nvCxnSpPr>
-          <p:spPr>
-            <a:xfrm rot="5400000" flipH="1" flipV="1">
-              <a:off x="5096" y="5114"/>
-              <a:ext cx="5" cy="5513"/>
-            </a:xfrm>
-            <a:prstGeom prst="bentConnector3">
-              <a:avLst>
-                <a:gd name="adj1" fmla="val -29060000"/>
-              </a:avLst>
-            </a:prstGeom>
-            <a:ln>
-              <a:tailEnd type="arrow"/>
-            </a:ln>
-          </p:spPr>
-          <p:style>
-            <a:lnRef idx="1">
-              <a:schemeClr val="accent1"/>
-            </a:lnRef>
-            <a:fillRef idx="0">
-              <a:schemeClr val="accent1"/>
-            </a:fillRef>
-            <a:effectRef idx="0">
-              <a:schemeClr val="accent1"/>
-            </a:effectRef>
-            <a:fontRef idx="minor">
-              <a:schemeClr val="tx1"/>
-            </a:fontRef>
-          </p:style>
-        </p:cxnSp>
-        <p:cxnSp>
-          <p:nvCxnSpPr>
-            <p:cNvPr id="17" name="肘形连接符 16"/>
-            <p:cNvCxnSpPr>
-              <a:stCxn id="8" idx="2"/>
-              <a:endCxn id="8" idx="3"/>
-            </p:cNvCxnSpPr>
-            <p:nvPr/>
-          </p:nvCxnSpPr>
-          <p:spPr>
-            <a:xfrm rot="5400000" flipH="1" flipV="1">
-              <a:off x="5265" y="7688"/>
-              <a:ext cx="655" cy="1021"/>
-            </a:xfrm>
-            <a:prstGeom prst="bentConnector4">
-              <a:avLst>
-                <a:gd name="adj1" fmla="val -57252"/>
-                <a:gd name="adj2" fmla="val 136729"/>
-              </a:avLst>
-            </a:prstGeom>
-            <a:ln>
-              <a:tailEnd type="arrow"/>
-            </a:ln>
-          </p:spPr>
-          <p:style>
-            <a:lnRef idx="1">
-              <a:schemeClr val="accent1"/>
-            </a:lnRef>
-            <a:fillRef idx="0">
-              <a:schemeClr val="accent1"/>
-            </a:fillRef>
-            <a:effectRef idx="0">
-              <a:schemeClr val="accent1"/>
-            </a:effectRef>
-            <a:fontRef idx="minor">
-              <a:schemeClr val="tx1"/>
-            </a:fontRef>
-          </p:style>
-        </p:cxnSp>
-        <p:cxnSp>
-          <p:nvCxnSpPr>
-            <p:cNvPr id="18" name="肘形连接符 17"/>
-            <p:cNvCxnSpPr>
-              <a:stCxn id="9" idx="0"/>
-              <a:endCxn id="9" idx="3"/>
-            </p:cNvCxnSpPr>
-            <p:nvPr/>
-          </p:nvCxnSpPr>
-          <p:spPr>
-            <a:xfrm rot="16200000" flipH="1">
-              <a:off x="8036" y="6377"/>
-              <a:ext cx="655" cy="1021"/>
-            </a:xfrm>
-            <a:prstGeom prst="bentConnector4">
-              <a:avLst>
-                <a:gd name="adj1" fmla="val -57252"/>
-                <a:gd name="adj2" fmla="val 136729"/>
-              </a:avLst>
-            </a:prstGeom>
-            <a:ln>
-              <a:tailEnd type="arrow"/>
-            </a:ln>
-          </p:spPr>
-          <p:style>
-            <a:lnRef idx="1">
-              <a:schemeClr val="accent1"/>
-            </a:lnRef>
-            <a:fillRef idx="0">
-              <a:schemeClr val="accent1"/>
-            </a:fillRef>
-            <a:effectRef idx="0">
-              <a:schemeClr val="accent1"/>
-            </a:effectRef>
-            <a:fontRef idx="minor">
-              <a:schemeClr val="tx1"/>
-            </a:fontRef>
-          </p:style>
-        </p:cxnSp>
-        <p:cxnSp>
-          <p:nvCxnSpPr>
-            <p:cNvPr id="22" name="肘形连接符 21"/>
-            <p:cNvCxnSpPr>
-              <a:stCxn id="6" idx="3"/>
-              <a:endCxn id="9" idx="1"/>
-            </p:cNvCxnSpPr>
-            <p:nvPr/>
-          </p:nvCxnSpPr>
-          <p:spPr>
-            <a:xfrm>
-              <a:off x="6105" y="5649"/>
-              <a:ext cx="728" cy="1566"/>
-            </a:xfrm>
-            <a:prstGeom prst="bentConnector3">
-              <a:avLst>
-                <a:gd name="adj1" fmla="val 50000"/>
-              </a:avLst>
-            </a:prstGeom>
-            <a:ln>
-              <a:headEnd type="arrow"/>
-              <a:tailEnd type="arrow"/>
-            </a:ln>
-          </p:spPr>
-          <p:style>
-            <a:lnRef idx="1">
-              <a:schemeClr val="accent1"/>
-            </a:lnRef>
-            <a:fillRef idx="0">
-              <a:schemeClr val="accent1"/>
-            </a:fillRef>
-            <a:effectRef idx="0">
-              <a:schemeClr val="accent1"/>
-            </a:effectRef>
-            <a:fontRef idx="minor">
-              <a:schemeClr val="tx1"/>
-            </a:fontRef>
-          </p:style>
-        </p:cxnSp>
-        <p:cxnSp>
-          <p:nvCxnSpPr>
-            <p:cNvPr id="23" name="肘形连接符 22"/>
-            <p:cNvCxnSpPr>
-              <a:stCxn id="7" idx="0"/>
-              <a:endCxn id="6" idx="1"/>
-            </p:cNvCxnSpPr>
-            <p:nvPr/>
-          </p:nvCxnSpPr>
-          <p:spPr>
-            <a:xfrm rot="16200000">
-              <a:off x="2745" y="5244"/>
-              <a:ext cx="913" cy="1722"/>
-            </a:xfrm>
-            <a:prstGeom prst="bentConnector2">
-              <a:avLst/>
-            </a:prstGeom>
-            <a:ln>
-              <a:headEnd type="arrow"/>
-              <a:tailEnd type="arrow"/>
-            </a:ln>
-          </p:spPr>
-          <p:style>
-            <a:lnRef idx="1">
-              <a:schemeClr val="accent1"/>
-            </a:lnRef>
-            <a:fillRef idx="0">
-              <a:schemeClr val="accent1"/>
-            </a:fillRef>
-            <a:effectRef idx="0">
-              <a:schemeClr val="accent1"/>
-            </a:effectRef>
-            <a:fontRef idx="minor">
-              <a:schemeClr val="tx1"/>
-            </a:fontRef>
-          </p:style>
-        </p:cxnSp>
-      </p:grpSp>
-      <p:grpSp>
-        <p:nvGrpSpPr>
-          <p:cNvPr id="34" name="组合 33"/>
-          <p:cNvGrpSpPr/>
-          <p:nvPr/>
-        </p:nvGrpSpPr>
-        <p:grpSpPr>
-          <a:xfrm>
-            <a:off x="7649845" y="2769235"/>
-            <a:ext cx="3517900" cy="3337560"/>
-            <a:chOff x="11401" y="4361"/>
-            <a:chExt cx="5540" cy="5256"/>
-          </a:xfrm>
-        </p:grpSpPr>
-        <p:sp>
-          <p:nvSpPr>
-            <p:cNvPr id="32" name="矩形 31"/>
-            <p:cNvSpPr/>
-            <p:nvPr/>
-          </p:nvSpPr>
-          <p:spPr>
-            <a:xfrm>
-              <a:off x="11401" y="4361"/>
-              <a:ext cx="5540" cy="5256"/>
-            </a:xfrm>
-            <a:prstGeom prst="rect">
-              <a:avLst/>
-            </a:prstGeom>
-            <a:solidFill>
-              <a:schemeClr val="accent1">
-                <a:lumMod val="20000"/>
-                <a:lumOff val="80000"/>
-                <a:alpha val="14000"/>
-              </a:schemeClr>
-            </a:solidFill>
-          </p:spPr>
-          <p:style>
-            <a:lnRef idx="2">
-              <a:schemeClr val="accent1">
-                <a:shade val="50000"/>
-              </a:schemeClr>
-            </a:lnRef>
-            <a:fillRef idx="1">
-              <a:schemeClr val="accent1"/>
-            </a:fillRef>
-            <a:effectRef idx="0">
-              <a:schemeClr val="accent1"/>
-            </a:effectRef>
-            <a:fontRef idx="minor">
-              <a:schemeClr val="lt1"/>
-            </a:fontRef>
-          </p:style>
-          <p:txBody>
-            <a:bodyPr rtlCol="0" anchor="ctr"/>
-            <a:p>
-              <a:pPr algn="ctr"/>
-              <a:endParaRPr lang="zh-CN" altLang="en-US"/>
-            </a:p>
-          </p:txBody>
-        </p:sp>
-        <p:sp>
-          <p:nvSpPr>
-            <p:cNvPr id="24" name="矩形 23"/>
-            <p:cNvSpPr/>
-            <p:nvPr/>
-          </p:nvSpPr>
-          <p:spPr>
-            <a:xfrm>
-              <a:off x="13119" y="5451"/>
-              <a:ext cx="2103" cy="2223"/>
-            </a:xfrm>
-            <a:prstGeom prst="rect">
-              <a:avLst/>
-            </a:prstGeom>
-          </p:spPr>
-          <p:style>
-            <a:lnRef idx="2">
-              <a:schemeClr val="accent1">
-                <a:shade val="50000"/>
-              </a:schemeClr>
-            </a:lnRef>
-            <a:fillRef idx="1">
-              <a:schemeClr val="accent1"/>
-            </a:fillRef>
-            <a:effectRef idx="0">
-              <a:schemeClr val="accent1"/>
-            </a:effectRef>
-            <a:fontRef idx="minor">
-              <a:schemeClr val="lt1"/>
-            </a:fontRef>
-          </p:style>
-          <p:txBody>
-            <a:bodyPr rtlCol="0" anchor="ctr"/>
-            <a:p>
-              <a:pPr algn="ctr"/>
-              <a:r>
-                <a:rPr lang="en-US" altLang="zh-CN"/>
-                <a:t>Token</a:t>
-              </a:r>
-              <a:endParaRPr lang="en-US" altLang="zh-CN"/>
-            </a:p>
-          </p:txBody>
-        </p:sp>
-        <p:cxnSp>
-          <p:nvCxnSpPr>
-            <p:cNvPr id="25" name="肘形连接符 24"/>
-            <p:cNvCxnSpPr>
-              <a:stCxn id="24" idx="0"/>
-              <a:endCxn id="24" idx="3"/>
-            </p:cNvCxnSpPr>
-            <p:nvPr/>
-          </p:nvCxnSpPr>
-          <p:spPr>
-            <a:xfrm rot="16200000" flipH="1">
-              <a:off x="14141" y="5482"/>
-              <a:ext cx="1112" cy="1051"/>
-            </a:xfrm>
-            <a:prstGeom prst="bentConnector4">
-              <a:avLst>
-                <a:gd name="adj1" fmla="val -33768"/>
-                <a:gd name="adj2" fmla="val 135633"/>
-              </a:avLst>
-            </a:prstGeom>
-            <a:ln>
-              <a:headEnd type="arrow"/>
-              <a:tailEnd type="arrow"/>
-            </a:ln>
-          </p:spPr>
-          <p:style>
-            <a:lnRef idx="1">
-              <a:schemeClr val="accent1"/>
-            </a:lnRef>
-            <a:fillRef idx="0">
-              <a:schemeClr val="accent1"/>
-            </a:fillRef>
-            <a:effectRef idx="0">
-              <a:schemeClr val="accent1"/>
-            </a:effectRef>
-            <a:fontRef idx="minor">
-              <a:schemeClr val="tx1"/>
-            </a:fontRef>
-          </p:style>
-        </p:cxnSp>
-        <p:cxnSp>
-          <p:nvCxnSpPr>
-            <p:cNvPr id="28" name="肘形连接符 27"/>
-            <p:cNvCxnSpPr>
-              <a:stCxn id="24" idx="2"/>
-              <a:endCxn id="24" idx="3"/>
-            </p:cNvCxnSpPr>
-            <p:nvPr/>
-          </p:nvCxnSpPr>
-          <p:spPr>
-            <a:xfrm rot="5400000" flipH="1" flipV="1">
-              <a:off x="14141" y="6593"/>
-              <a:ext cx="1111" cy="1051"/>
-            </a:xfrm>
-            <a:prstGeom prst="bentConnector4">
-              <a:avLst>
-                <a:gd name="adj1" fmla="val -33753"/>
-                <a:gd name="adj2" fmla="val 135680"/>
-              </a:avLst>
-            </a:prstGeom>
-            <a:ln>
-              <a:headEnd type="arrow"/>
-              <a:tailEnd type="arrow"/>
-            </a:ln>
-          </p:spPr>
-          <p:style>
-            <a:lnRef idx="1">
-              <a:schemeClr val="accent1"/>
-            </a:lnRef>
-            <a:fillRef idx="0">
-              <a:schemeClr val="accent1"/>
-            </a:fillRef>
-            <a:effectRef idx="0">
-              <a:schemeClr val="accent1"/>
-            </a:effectRef>
-            <a:fontRef idx="minor">
-              <a:schemeClr val="tx1"/>
-            </a:fontRef>
-          </p:style>
-        </p:cxnSp>
-        <p:cxnSp>
-          <p:nvCxnSpPr>
-            <p:cNvPr id="29" name="肘形连接符 28"/>
-            <p:cNvCxnSpPr>
-              <a:stCxn id="24" idx="0"/>
-              <a:endCxn id="24" idx="1"/>
-            </p:cNvCxnSpPr>
-            <p:nvPr/>
-          </p:nvCxnSpPr>
-          <p:spPr>
-            <a:xfrm rot="16200000" flipH="1" flipV="1">
-              <a:off x="13089" y="5481"/>
-              <a:ext cx="1112" cy="1052"/>
-            </a:xfrm>
-            <a:prstGeom prst="bentConnector4">
-              <a:avLst>
-                <a:gd name="adj1" fmla="val -33723"/>
-                <a:gd name="adj2" fmla="val 135646"/>
-              </a:avLst>
-            </a:prstGeom>
-            <a:ln>
-              <a:headEnd type="arrow"/>
-              <a:tailEnd type="arrow"/>
-            </a:ln>
-          </p:spPr>
-          <p:style>
-            <a:lnRef idx="1">
-              <a:schemeClr val="accent1"/>
-            </a:lnRef>
-            <a:fillRef idx="0">
-              <a:schemeClr val="accent1"/>
-            </a:fillRef>
-            <a:effectRef idx="0">
-              <a:schemeClr val="accent1"/>
-            </a:effectRef>
-            <a:fontRef idx="minor">
-              <a:schemeClr val="tx1"/>
-            </a:fontRef>
-          </p:style>
-        </p:cxnSp>
-        <p:cxnSp>
-          <p:nvCxnSpPr>
-            <p:cNvPr id="30" name="肘形连接符 29"/>
-            <p:cNvCxnSpPr>
-              <a:stCxn id="24" idx="1"/>
-              <a:endCxn id="24" idx="2"/>
-            </p:cNvCxnSpPr>
-            <p:nvPr/>
-          </p:nvCxnSpPr>
-          <p:spPr>
-            <a:xfrm rot="10800000" flipH="1" flipV="1">
-              <a:off x="13119" y="6563"/>
-              <a:ext cx="1052" cy="1111"/>
-            </a:xfrm>
-            <a:prstGeom prst="bentConnector4">
-              <a:avLst>
-                <a:gd name="adj1" fmla="val -35646"/>
-                <a:gd name="adj2" fmla="val 133753"/>
-              </a:avLst>
-            </a:prstGeom>
-            <a:ln>
-              <a:headEnd type="arrow"/>
-              <a:tailEnd type="arrow"/>
-            </a:ln>
-          </p:spPr>
-          <p:style>
-            <a:lnRef idx="1">
-              <a:schemeClr val="accent1"/>
-            </a:lnRef>
-            <a:fillRef idx="0">
-              <a:schemeClr val="accent1"/>
-            </a:fillRef>
-            <a:effectRef idx="0">
-              <a:schemeClr val="accent1"/>
-            </a:effectRef>
-            <a:fontRef idx="minor">
-              <a:schemeClr val="tx1"/>
-            </a:fontRef>
-          </p:style>
-        </p:cxnSp>
-      </p:grpSp>
-      <p:sp>
-        <p:nvSpPr>
-          <p:cNvPr id="37" name="右箭头 36"/>
-          <p:cNvSpPr/>
-          <p:nvPr/>
-        </p:nvSpPr>
-        <p:spPr>
-          <a:xfrm>
-            <a:off x="6480810" y="3699510"/>
-            <a:ext cx="1153795" cy="491490"/>
-          </a:xfrm>
-          <a:prstGeom prst="rightArrow">
-            <a:avLst/>
-          </a:prstGeom>
-        </p:spPr>
-        <p:style>
-          <a:lnRef idx="2">
-            <a:schemeClr val="accent1">
-              <a:shade val="50000"/>
-            </a:schemeClr>
-          </a:lnRef>
-          <a:fillRef idx="1">
-            <a:schemeClr val="accent1"/>
-          </a:fillRef>
-          <a:effectRef idx="0">
-            <a:schemeClr val="accent1"/>
-          </a:effectRef>
-          <a:fontRef idx="minor">
-            <a:schemeClr val="lt1"/>
-          </a:fontRef>
-        </p:style>
-        <p:txBody>
-          <a:bodyPr rtlCol="0" anchor="ctr"/>
-          <a:p>
-            <a:pPr algn="ctr"/>
+          <p:cNvPr id="3" name="内容占位符 2"/>
+          <p:cNvSpPr>
+            <a:spLocks noGrp="1"/>
+          </p:cNvSpPr>
+          <p:nvPr>
+            <p:ph idx="1"/>
+          </p:nvPr>
+        </p:nvSpPr>
+        <p:spPr/>
+        <p:txBody>
+          <a:bodyPr/>
+          <a:p>
+            <a:r>
+              <a:rPr lang="zh-CN" altLang="en-US"/>
+              <a:t>白盒测试分析</a:t>
+            </a:r>
             <a:endParaRPr lang="zh-CN" altLang="en-US"/>
           </a:p>
-        </p:txBody>
-      </p:sp>
-      <p:sp>
-        <p:nvSpPr>
-          <p:cNvPr id="38" name="右箭头 37"/>
-          <p:cNvSpPr/>
-          <p:nvPr/>
-        </p:nvSpPr>
-        <p:spPr>
-          <a:xfrm rot="10800000">
-            <a:off x="6491605" y="4693920"/>
-            <a:ext cx="1153795" cy="491490"/>
-          </a:xfrm>
-          <a:prstGeom prst="rightArrow">
-            <a:avLst/>
-          </a:prstGeom>
-        </p:spPr>
-        <p:style>
-          <a:lnRef idx="2">
-            <a:schemeClr val="accent1">
-              <a:shade val="50000"/>
-            </a:schemeClr>
-          </a:lnRef>
-          <a:fillRef idx="1">
-            <a:schemeClr val="accent1"/>
-          </a:fillRef>
-          <a:effectRef idx="0">
-            <a:schemeClr val="accent1"/>
-          </a:effectRef>
-          <a:fontRef idx="minor">
-            <a:schemeClr val="lt1"/>
-          </a:fontRef>
-        </p:style>
-        <p:txBody>
-          <a:bodyPr rtlCol="0" anchor="ctr"/>
-          <a:p>
-            <a:pPr algn="ctr"/>
+          <a:p>
+            <a:pPr lvl="1"/>
+            <a:r>
+              <a:rPr lang="zh-CN" altLang="en-US"/>
+              <a:t>ValueFlow::setValues过程了解的不明确；就结果而言p1和p2的token均没有由</a:t>
+            </a:r>
+            <a:r>
+              <a:rPr lang="zh-CN" altLang="en-US">
+                <a:sym typeface="+mn-ea"/>
+              </a:rPr>
+              <a:t>ValueFlow</a:t>
+            </a:r>
+            <a:r>
+              <a:rPr lang="zh-CN" altLang="en-US"/>
+              <a:t>设置合适的值，导致</a:t>
+            </a:r>
+            <a:r>
+              <a:rPr lang="en-US" altLang="zh-CN"/>
+              <a:t>Check</a:t>
+            </a:r>
+            <a:r>
+              <a:rPr lang="zh-CN" altLang="en-US"/>
+              <a:t>类没有检测出p2异常使用（func函数未定义也可能是原因之一）。</a:t>
+            </a:r>
             <a:endParaRPr lang="zh-CN" altLang="en-US"/>
           </a:p>
-        </p:txBody>
-      </p:sp>
-      <p:sp>
-        <p:nvSpPr>
-          <p:cNvPr id="39" name="文本框 38"/>
-          <p:cNvSpPr txBox="1"/>
-          <p:nvPr/>
-        </p:nvSpPr>
-        <p:spPr>
-          <a:xfrm>
-            <a:off x="6640195" y="3758565"/>
-            <a:ext cx="934085" cy="372110"/>
-          </a:xfrm>
-          <a:prstGeom prst="rect">
-            <a:avLst/>
-          </a:prstGeom>
-          <a:noFill/>
-        </p:spPr>
-        <p:txBody>
-          <a:bodyPr wrap="square" rtlCol="0">
-            <a:spAutoFit/>
-          </a:bodyPr>
-          <a:p>
-            <a:r>
-              <a:rPr lang="en-US" altLang="zh-CN"/>
-              <a:t>1</a:t>
-            </a:r>
+          <a:p>
+            <a:pPr lvl="1"/>
             <a:r>
               <a:rPr lang="zh-CN" altLang="en-US"/>
-              <a:t>对多</a:t>
+              <a:t>可以注意到，p1在delete后提示了未初始化的变量，但因为</a:t>
+            </a:r>
+            <a:r>
+              <a:rPr lang="zh-CN" altLang="en-US">
+                <a:sym typeface="+mn-ea"/>
+              </a:rPr>
+              <a:t>ValueFlow</a:t>
+            </a:r>
+            <a:r>
+              <a:rPr lang="zh-CN" altLang="en-US"/>
+              <a:t>功能异常，p1的值不确定是在delete后确定“未初始化”还是保持了value的初始值“未初始化”。</a:t>
             </a:r>
             <a:endParaRPr lang="zh-CN" altLang="en-US"/>
           </a:p>
-        </p:txBody>
-      </p:sp>
-      <p:sp>
-        <p:nvSpPr>
-          <p:cNvPr id="40" name="文本框 39"/>
-          <p:cNvSpPr txBox="1"/>
-          <p:nvPr/>
-        </p:nvSpPr>
-        <p:spPr>
-          <a:xfrm>
-            <a:off x="6850380" y="4742180"/>
-            <a:ext cx="795020" cy="372110"/>
-          </a:xfrm>
-          <a:prstGeom prst="rect">
-            <a:avLst/>
-          </a:prstGeom>
-          <a:noFill/>
-        </p:spPr>
-        <p:txBody>
-          <a:bodyPr wrap="square" rtlCol="0">
-            <a:spAutoFit/>
-          </a:bodyPr>
-          <a:p>
-            <a:r>
-              <a:rPr lang="en-US"/>
-              <a:t>1</a:t>
-            </a:r>
-            <a:r>
-              <a:rPr lang="zh-CN" altLang="en-US"/>
-              <a:t>对</a:t>
-            </a:r>
-            <a:r>
-              <a:rPr lang="en-US" altLang="zh-CN"/>
-              <a:t>1</a:t>
-            </a:r>
-            <a:endParaRPr lang="en-US" altLang="zh-CN"/>
+          <a:p>
+            <a:pPr marL="0" lvl="0" indent="0">
+              <a:buNone/>
+            </a:pPr>
+            <a:endParaRPr lang="zh-CN" altLang="en-US"/>
           </a:p>
         </p:txBody>
       </p:sp>
@@ -14333,7 +17763,14 @@
         <p:cNvGrpSpPr/>
         <p:nvPr/>
       </p:nvGrpSpPr>
-      <p:grpSpPr/>
+      <p:grpSpPr>
+        <a:xfrm>
+          <a:off x="0" y="0"/>
+          <a:ext cx="0" cy="0"/>
+          <a:chOff x="0" y="0"/>
+          <a:chExt cx="0" cy="0"/>
+        </a:xfrm>
+      </p:grpSpPr>
       <p:sp>
         <p:nvSpPr>
           <p:cNvPr id="2" name="标题 1"/>
@@ -14344,23 +17781,21 @@
             <p:ph type="title"/>
           </p:nvPr>
         </p:nvSpPr>
-        <p:spPr/>
+        <p:spPr>
+          <a:xfrm>
+            <a:off x="838200" y="75565"/>
+            <a:ext cx="10515600" cy="1325563"/>
+          </a:xfrm>
+        </p:spPr>
         <p:txBody>
           <a:bodyPr/>
-          <a:p>
-            <a:r>
-              <a:rPr lang="en-US" altLang="zh-CN">
-                <a:sym typeface="+mn-ea"/>
-              </a:rPr>
-              <a:t>Tokenize</a:t>
-            </a:r>
-            <a:r>
-              <a:rPr lang="zh-CN" altLang="en-US">
-                <a:sym typeface="+mn-ea"/>
-              </a:rPr>
-              <a:t>模块</a:t>
-            </a:r>
-            <a:endParaRPr lang="zh-CN" altLang="en-US"/>
+          <a:lstStyle/>
+          <a:p>
+            <a:r>
+              <a:rPr kumimoji="1" lang="zh-CN" altLang="en-US"/>
+              <a:t>主要流程分析</a:t>
+            </a:r>
+            <a:endParaRPr kumimoji="1" lang="zh-CN" altLang="en-US"/>
           </a:p>
         </p:txBody>
       </p:sp>
@@ -14374,121 +17809,533 @@
             <p:ph idx="1"/>
           </p:nvPr>
         </p:nvSpPr>
-        <p:spPr/>
-        <p:txBody>
-          <a:bodyPr/>
-          <a:p>
-            <a:r>
-              <a:rPr lang="zh-CN" altLang="en-US"/>
-              <a:t>由</a:t>
-            </a:r>
-            <a:r>
-              <a:rPr lang="en-US" altLang="zh-CN"/>
-              <a:t>Token</a:t>
-            </a:r>
-            <a:r>
-              <a:rPr lang="zh-CN" altLang="en-US"/>
-              <a:t>构成图型数据</a:t>
-            </a:r>
-            <a:endParaRPr lang="zh-CN" altLang="en-US"/>
-          </a:p>
-          <a:p>
-            <a:r>
-              <a:rPr lang="en-US" altLang="zh-CN"/>
-              <a:t>Token</a:t>
-            </a:r>
-            <a:r>
-              <a:rPr lang="zh-CN" altLang="en-US"/>
-              <a:t>间关系：</a:t>
-            </a:r>
-            <a:endParaRPr lang="zh-CN" altLang="en-US"/>
-          </a:p>
-          <a:p>
-            <a:pPr lvl="1"/>
-            <a:r>
-              <a:rPr lang="zh-CN" altLang="en-US" sz="2400"/>
-              <a:t>前后顺序</a:t>
-            </a:r>
-            <a:endParaRPr lang="zh-CN" altLang="en-US" sz="2400"/>
-          </a:p>
-          <a:p>
-            <a:pPr lvl="1"/>
-            <a:r>
-              <a:rPr lang="zh-CN" altLang="en-US" sz="2400"/>
-              <a:t>配对关系 </a:t>
-            </a:r>
-            <a:r>
-              <a:rPr lang="en-US" altLang="zh-CN" sz="2400"/>
-              <a:t>(link)</a:t>
-            </a:r>
-            <a:endParaRPr lang="en-US" altLang="zh-CN" sz="2400"/>
-          </a:p>
-          <a:p>
-            <a:pPr lvl="1"/>
-            <a:r>
-              <a:rPr lang="en-US" altLang="zh-CN" sz="2400"/>
-              <a:t>Ast</a:t>
-            </a:r>
-            <a:r>
-              <a:rPr lang="zh-CN" altLang="en-US" sz="2400"/>
-              <a:t>关系：</a:t>
-            </a:r>
-            <a:r>
-              <a:rPr lang="en-US" altLang="zh-CN" sz="2400"/>
-              <a:t>parent</a:t>
-            </a:r>
-            <a:r>
-              <a:rPr lang="zh-CN" altLang="en-US" sz="2400"/>
-              <a:t>，左右操作数</a:t>
-            </a:r>
-            <a:endParaRPr lang="zh-CN" altLang="en-US" sz="2400"/>
-          </a:p>
-          <a:p>
-            <a:pPr lvl="0"/>
-            <a:r>
-              <a:rPr lang="en-US" altLang="zh-CN" sz="2800"/>
-              <a:t>Token</a:t>
-            </a:r>
-            <a:r>
-              <a:rPr lang="zh-CN" altLang="en-US" sz="2800"/>
-              <a:t>形成流程：</a:t>
-            </a:r>
-            <a:endParaRPr lang="zh-CN" altLang="en-US" sz="2800"/>
-          </a:p>
-          <a:p>
-            <a:pPr lvl="1"/>
-            <a:r>
-              <a:rPr lang="zh-CN" altLang="en-US" sz="2400"/>
-              <a:t>根据单词与单个符号分割</a:t>
-            </a:r>
-            <a:endParaRPr lang="zh-CN" altLang="en-US" sz="2400"/>
-          </a:p>
-          <a:p>
-            <a:pPr lvl="1"/>
-            <a:r>
-              <a:rPr lang="zh-CN" altLang="en-US" sz="2400"/>
-              <a:t>连接前后匹配成对符号</a:t>
-            </a:r>
-            <a:endParaRPr lang="zh-CN" altLang="en-US" sz="2400"/>
-          </a:p>
-          <a:p>
-            <a:pPr lvl="1"/>
-            <a:r>
-              <a:rPr lang="zh-CN" altLang="en-US" sz="2400"/>
-              <a:t>连接部分单个符号成为完整多字符操作符</a:t>
-            </a:r>
-            <a:endParaRPr lang="zh-CN" altLang="en-US" sz="2400"/>
-          </a:p>
-          <a:p>
-            <a:pPr lvl="1"/>
-            <a:r>
-              <a:rPr lang="zh-CN" altLang="en-US" sz="2400"/>
-              <a:t>其他操作如简化单个操作内容，进行增添或删减</a:t>
-            </a:r>
-            <a:endParaRPr lang="zh-CN" altLang="en-US" sz="2400"/>
-          </a:p>
-          <a:p>
-            <a:endParaRPr lang="zh-CN" altLang="en-US"/>
+        <p:spPr>
+          <a:xfrm>
+            <a:off x="157480" y="1238250"/>
+            <a:ext cx="11891645" cy="5335905"/>
+          </a:xfrm>
+        </p:spPr>
+        <p:txBody>
+          <a:bodyPr>
+            <a:noAutofit/>
+          </a:bodyPr>
+          <a:lstStyle/>
+          <a:p>
+            <a:pPr>
+              <a:lnSpc>
+                <a:spcPct val="60000"/>
+              </a:lnSpc>
+            </a:pPr>
+            <a:r>
+              <a:rPr kumimoji="1" lang="en-US" altLang="en-US" sz="2000">
+                <a:sym typeface="+mn-ea"/>
+              </a:rPr>
+              <a:t>CppCheck</a:t>
+            </a:r>
+            <a:r>
+              <a:rPr kumimoji="1" lang="zh-CN" altLang="en-US" sz="2400">
+                <a:sym typeface="+mn-ea"/>
+              </a:rPr>
+              <a:t>类，处理单个文件</a:t>
+            </a:r>
+            <a:endParaRPr kumimoji="1" lang="zh-CN" altLang="en-US" sz="2400">
+              <a:sym typeface="+mn-ea"/>
+            </a:endParaRPr>
+          </a:p>
+          <a:p>
+            <a:pPr marL="0" indent="0">
+              <a:lnSpc>
+                <a:spcPct val="60000"/>
+              </a:lnSpc>
+              <a:buNone/>
+            </a:pPr>
+            <a:r>
+              <a:rPr kumimoji="1" lang="en-US" altLang="zh-CN" sz="2000">
+                <a:sym typeface="+mn-ea"/>
+              </a:rPr>
+              <a:t>	</a:t>
+            </a:r>
+            <a:r>
+              <a:rPr kumimoji="1" lang="zh-CN" altLang="en-US" sz="2400">
+                <a:sym typeface="+mn-ea"/>
+              </a:rPr>
+              <a:t>加入预定义宏</a:t>
+            </a:r>
+            <a:endParaRPr kumimoji="1" lang="zh-CN" altLang="en-US" sz="2400">
+              <a:sym typeface="+mn-ea"/>
+            </a:endParaRPr>
+          </a:p>
+          <a:p>
+            <a:pPr marL="0" indent="0">
+              <a:lnSpc>
+                <a:spcPct val="60000"/>
+              </a:lnSpc>
+              <a:buNone/>
+            </a:pPr>
+            <a:r>
+              <a:rPr kumimoji="1" lang="en-US" altLang="zh-CN" sz="2000">
+                <a:sym typeface="+mn-ea"/>
+              </a:rPr>
+              <a:t>	</a:t>
+            </a:r>
+            <a:r>
+              <a:rPr kumimoji="1" lang="zh-CN" altLang="en-US" sz="2000">
+                <a:sym typeface="+mn-ea"/>
+              </a:rPr>
+              <a:t>使用</a:t>
+            </a:r>
+            <a:r>
+              <a:rPr kumimoji="1" lang="en-US" altLang="en-US" sz="2000">
+                <a:sym typeface="+mn-ea"/>
+              </a:rPr>
+              <a:t>Preprocessor</a:t>
+            </a:r>
+            <a:r>
+              <a:rPr kumimoji="1" lang="zh-CN" altLang="en-US" sz="2400">
+                <a:sym typeface="+mn-ea"/>
+              </a:rPr>
+              <a:t>预处理源文件</a:t>
+            </a:r>
+            <a:endParaRPr kumimoji="1" lang="zh-CN" altLang="en-US" sz="2400">
+              <a:sym typeface="+mn-ea"/>
+            </a:endParaRPr>
+          </a:p>
+          <a:p>
+            <a:pPr marL="0" indent="0">
+              <a:lnSpc>
+                <a:spcPct val="60000"/>
+              </a:lnSpc>
+              <a:buNone/>
+            </a:pPr>
+            <a:r>
+              <a:rPr kumimoji="1" lang="en-US" altLang="zh-CN" sz="2000">
+                <a:sym typeface="+mn-ea"/>
+              </a:rPr>
+              <a:t>	</a:t>
+            </a:r>
+            <a:r>
+              <a:rPr kumimoji="1" lang="zh-CN" altLang="en-US" sz="2000">
+                <a:sym typeface="+mn-ea"/>
+              </a:rPr>
+              <a:t>在文件内容前添加文件自身信息，一同进行</a:t>
+            </a:r>
+            <a:r>
+              <a:rPr kumimoji="1" lang="en-US" altLang="en-US" sz="2400">
+                <a:sym typeface="+mn-ea"/>
+              </a:rPr>
+              <a:t>tokenize</a:t>
+            </a:r>
+            <a:endParaRPr kumimoji="1" lang="en-US" altLang="en-US" sz="2400">
+              <a:sym typeface="+mn-ea"/>
+            </a:endParaRPr>
+          </a:p>
+          <a:p>
+            <a:pPr marL="0" indent="0">
+              <a:lnSpc>
+                <a:spcPct val="60000"/>
+              </a:lnSpc>
+              <a:buNone/>
+            </a:pPr>
+            <a:r>
+              <a:rPr kumimoji="1" lang="en-US" altLang="zh-CN" sz="2000">
+                <a:sym typeface="+mn-ea"/>
+              </a:rPr>
+              <a:t>	</a:t>
+            </a:r>
+            <a:r>
+              <a:rPr kumimoji="1" lang="zh-CN" altLang="en-US" sz="2000">
+                <a:sym typeface="+mn-ea"/>
+              </a:rPr>
+              <a:t>进入</a:t>
+            </a:r>
+            <a:r>
+              <a:rPr kumimoji="1" lang="en-US" altLang="en-US" sz="2000">
+                <a:sym typeface="+mn-ea"/>
+              </a:rPr>
+              <a:t>CppCheck::checkFile</a:t>
+            </a:r>
+            <a:r>
+              <a:rPr kumimoji="1" lang="zh-CN" altLang="en-US" sz="2400">
+                <a:sym typeface="+mn-ea"/>
+              </a:rPr>
+              <a:t>函数进行主要处理工作</a:t>
+            </a:r>
+            <a:endParaRPr kumimoji="1" lang="zh-CN" altLang="en-US" sz="2400">
+              <a:sym typeface="+mn-ea"/>
+            </a:endParaRPr>
+          </a:p>
+          <a:p>
+            <a:pPr marL="0" indent="0">
+              <a:lnSpc>
+                <a:spcPct val="60000"/>
+              </a:lnSpc>
+              <a:buNone/>
+            </a:pPr>
+            <a:r>
+              <a:rPr kumimoji="1" lang="en-US" altLang="zh-CN" sz="2400">
+                <a:sym typeface="+mn-ea"/>
+              </a:rPr>
+              <a:t>		Tokenizer::tokenizer</a:t>
+            </a:r>
+            <a:endParaRPr kumimoji="1" lang="en-US" altLang="zh-CN" sz="2400">
+              <a:sym typeface="+mn-ea"/>
+            </a:endParaRPr>
+          </a:p>
+          <a:p>
+            <a:pPr marL="0" indent="0">
+              <a:lnSpc>
+                <a:spcPct val="60000"/>
+              </a:lnSpc>
+              <a:buNone/>
+            </a:pPr>
+            <a:r>
+              <a:rPr kumimoji="1" lang="en-US" altLang="zh-CN" sz="2400">
+                <a:sym typeface="+mn-ea"/>
+              </a:rPr>
+              <a:t>			TokenList::createTokens</a:t>
+            </a:r>
+            <a:endParaRPr kumimoji="1" lang="en-US" altLang="zh-CN" sz="2400">
+              <a:sym typeface="+mn-ea"/>
+            </a:endParaRPr>
+          </a:p>
+          <a:p>
+            <a:pPr marL="0" indent="0">
+              <a:lnSpc>
+                <a:spcPct val="60000"/>
+              </a:lnSpc>
+              <a:buNone/>
+            </a:pPr>
+            <a:r>
+              <a:rPr kumimoji="1" lang="en-US" altLang="zh-CN" sz="2400">
+                <a:sym typeface="+mn-ea"/>
+              </a:rPr>
+              <a:t>			Tokenizer::simplifyTokenList1</a:t>
+            </a:r>
+            <a:endParaRPr kumimoji="1" lang="en-US" altLang="zh-CN" sz="2400">
+              <a:sym typeface="+mn-ea"/>
+            </a:endParaRPr>
+          </a:p>
+          <a:p>
+            <a:pPr marL="0" indent="0">
+              <a:lnSpc>
+                <a:spcPct val="60000"/>
+              </a:lnSpc>
+              <a:buNone/>
+            </a:pPr>
+            <a:r>
+              <a:rPr kumimoji="1" lang="en-US" altLang="zh-CN" sz="2000">
+                <a:sym typeface="+mn-ea"/>
+              </a:rPr>
+              <a:t>			</a:t>
+            </a:r>
+            <a:r>
+              <a:rPr kumimoji="1" lang="en-US" altLang="zh-CN" sz="2000">
+                <a:sym typeface="+mn-ea"/>
+              </a:rPr>
+              <a:t>	</a:t>
+            </a:r>
+            <a:r>
+              <a:rPr kumimoji="1" lang="zh-CN" altLang="en-US" sz="2000">
+                <a:sym typeface="+mn-ea"/>
+              </a:rPr>
+              <a:t>建立</a:t>
+            </a:r>
+            <a:r>
+              <a:rPr kumimoji="1" lang="en-US" altLang="en-US" sz="2000">
+                <a:sym typeface="+mn-ea"/>
+              </a:rPr>
+              <a:t>SymbolDatabase</a:t>
+            </a:r>
+            <a:r>
+              <a:rPr kumimoji="1" lang="zh-CN" altLang="en-US" sz="2400">
+                <a:sym typeface="+mn-ea"/>
+              </a:rPr>
+              <a:t>符号库</a:t>
+            </a:r>
+            <a:endParaRPr kumimoji="1" lang="zh-CN" altLang="en-US" sz="2400">
+              <a:sym typeface="+mn-ea"/>
+            </a:endParaRPr>
+          </a:p>
+          <a:p>
+            <a:pPr marL="0" indent="0">
+              <a:lnSpc>
+                <a:spcPct val="60000"/>
+              </a:lnSpc>
+              <a:buNone/>
+            </a:pPr>
+            <a:r>
+              <a:rPr kumimoji="1" lang="en-US" altLang="zh-CN" sz="2000">
+                <a:sym typeface="+mn-ea"/>
+              </a:rPr>
+              <a:t>	</a:t>
+            </a:r>
+            <a:r>
+              <a:rPr kumimoji="1" lang="zh-CN" altLang="en-US" sz="2000">
+                <a:sym typeface="+mn-ea"/>
+              </a:rPr>
+              <a:t>建立运算符关系，将运算符操作数与运算符</a:t>
+            </a:r>
+            <a:r>
+              <a:rPr kumimoji="1" lang="en-US" altLang="zh-CN" sz="2000">
+                <a:sym typeface="+mn-ea"/>
+              </a:rPr>
+              <a:t>token</a:t>
+            </a:r>
+            <a:r>
+              <a:rPr kumimoji="1" lang="zh-CN" altLang="en-US" sz="2400">
+                <a:sym typeface="+mn-ea"/>
+              </a:rPr>
+              <a:t>链接</a:t>
+            </a:r>
+            <a:endParaRPr kumimoji="1" lang="zh-CN" altLang="en-US" sz="2400">
+              <a:sym typeface="+mn-ea"/>
+            </a:endParaRPr>
+          </a:p>
+          <a:p>
+            <a:pPr marL="0" indent="0">
+              <a:lnSpc>
+                <a:spcPct val="60000"/>
+              </a:lnSpc>
+              <a:buNone/>
+            </a:pPr>
+            <a:r>
+              <a:rPr kumimoji="1" lang="en-US" altLang="zh-CN" sz="2000">
+                <a:sym typeface="+mn-ea"/>
+              </a:rPr>
+              <a:t>	</a:t>
+            </a:r>
+            <a:r>
+              <a:rPr kumimoji="1" lang="zh-CN" altLang="zh-CN" sz="2000">
+                <a:sym typeface="+mn-ea"/>
+              </a:rPr>
+              <a:t>使用所有</a:t>
+            </a:r>
+            <a:r>
+              <a:rPr kumimoji="1" lang="en-US" altLang="zh-CN" sz="2000">
+                <a:sym typeface="+mn-ea"/>
+              </a:rPr>
+              <a:t>Check</a:t>
+            </a:r>
+            <a:r>
+              <a:rPr kumimoji="1" lang="zh-CN" altLang="zh-CN" sz="2000">
+                <a:sym typeface="+mn-ea"/>
+              </a:rPr>
+              <a:t>规则对现有的</a:t>
+            </a:r>
+            <a:r>
+              <a:rPr kumimoji="1" lang="en-US" altLang="zh-CN" sz="2000">
+                <a:sym typeface="+mn-ea"/>
+              </a:rPr>
+              <a:t>token</a:t>
+            </a:r>
+            <a:r>
+              <a:rPr kumimoji="1" lang="zh-CN" altLang="en-US" sz="2400">
+                <a:sym typeface="+mn-ea"/>
+              </a:rPr>
+              <a:t>进行测试并输出</a:t>
+            </a:r>
+            <a:endParaRPr kumimoji="1" lang="zh-CN" altLang="en-US" sz="2400">
+              <a:sym typeface="+mn-ea"/>
+            </a:endParaRPr>
+          </a:p>
+          <a:p>
+            <a:pPr marL="0" indent="0">
+              <a:lnSpc>
+                <a:spcPct val="60000"/>
+              </a:lnSpc>
+              <a:buNone/>
+            </a:pPr>
+            <a:r>
+              <a:rPr kumimoji="1" lang="en-US" altLang="zh-CN" sz="2000">
+                <a:sym typeface="+mn-ea"/>
+              </a:rPr>
+              <a:t>	CppCheck::executeRules</a:t>
+            </a:r>
+            <a:r>
+              <a:rPr kumimoji="1" lang="zh-CN" altLang="zh-CN" sz="2000">
+                <a:sym typeface="+mn-ea"/>
+              </a:rPr>
+              <a:t>执行</a:t>
+            </a:r>
+            <a:r>
+              <a:rPr kumimoji="1" lang="en-US" altLang="zh-CN" sz="2000">
+                <a:sym typeface="+mn-ea"/>
+              </a:rPr>
+              <a:t>normal</a:t>
+            </a:r>
+            <a:r>
+              <a:rPr kumimoji="1" lang="zh-CN" altLang="en-US" sz="2400">
+                <a:sym typeface="+mn-ea"/>
+              </a:rPr>
+              <a:t>规则</a:t>
+            </a:r>
+            <a:endParaRPr kumimoji="1" lang="zh-CN" altLang="en-US" sz="2400">
+              <a:sym typeface="+mn-ea"/>
+            </a:endParaRPr>
+          </a:p>
+          <a:p>
+            <a:pPr marL="0" indent="0">
+              <a:lnSpc>
+                <a:spcPct val="60000"/>
+              </a:lnSpc>
+              <a:buNone/>
+            </a:pPr>
+            <a:r>
+              <a:rPr kumimoji="1" lang="en-US" altLang="zh-CN" sz="2000">
+                <a:sym typeface="+mn-ea"/>
+              </a:rPr>
+              <a:t>	Tokenizer::simplifyTokenList2 </a:t>
+            </a:r>
+            <a:r>
+              <a:rPr kumimoji="1" lang="zh-CN" altLang="zh-CN" sz="2000">
+                <a:sym typeface="+mn-ea"/>
+              </a:rPr>
+              <a:t>重新建立</a:t>
+            </a:r>
+            <a:r>
+              <a:rPr kumimoji="1" lang="en-US" altLang="zh-CN" sz="2000">
+                <a:sym typeface="+mn-ea"/>
+              </a:rPr>
+              <a:t>SymbolDatabase</a:t>
+            </a:r>
+            <a:r>
+              <a:rPr kumimoji="1" lang="zh-CN" altLang="zh-CN" sz="2000">
+                <a:sym typeface="+mn-ea"/>
+              </a:rPr>
+              <a:t>符号库 </a:t>
+            </a:r>
+            <a:r>
+              <a:rPr kumimoji="1" lang="en-US" altLang="zh-CN" sz="2000">
+                <a:sym typeface="+mn-ea"/>
+              </a:rPr>
+              <a:t>ValueFlow::setValues</a:t>
+            </a:r>
+            <a:r>
+              <a:rPr kumimoji="1" lang="zh-CN" altLang="zh-CN" sz="2000">
+                <a:sym typeface="+mn-ea"/>
+              </a:rPr>
+              <a:t>设置</a:t>
+            </a:r>
+            <a:r>
+              <a:rPr kumimoji="1" lang="en-US" altLang="zh-CN" sz="2000">
+                <a:sym typeface="+mn-ea"/>
+              </a:rPr>
+              <a:t>token</a:t>
+            </a:r>
+            <a:r>
+              <a:rPr kumimoji="1" lang="zh-CN" altLang="en-US" sz="2400">
+                <a:sym typeface="+mn-ea"/>
+              </a:rPr>
+              <a:t>的值</a:t>
+            </a:r>
+            <a:endParaRPr kumimoji="1" lang="zh-CN" altLang="en-US" sz="2400">
+              <a:sym typeface="+mn-ea"/>
+            </a:endParaRPr>
+          </a:p>
+          <a:p>
+            <a:pPr marL="0" indent="0">
+              <a:lnSpc>
+                <a:spcPct val="60000"/>
+              </a:lnSpc>
+              <a:buNone/>
+            </a:pPr>
+            <a:r>
+              <a:rPr kumimoji="1" lang="en-US" altLang="zh-CN" sz="2000">
+                <a:sym typeface="+mn-ea"/>
+              </a:rPr>
+              <a:t>	</a:t>
+            </a:r>
+            <a:r>
+              <a:rPr kumimoji="1" lang="zh-CN" altLang="zh-CN" sz="2000">
+                <a:sym typeface="+mn-ea"/>
+              </a:rPr>
+              <a:t>使用所有</a:t>
+            </a:r>
+            <a:r>
+              <a:rPr kumimoji="1" lang="en-US" altLang="zh-CN" sz="2000">
+                <a:sym typeface="+mn-ea"/>
+              </a:rPr>
+              <a:t>Check</a:t>
+            </a:r>
+            <a:r>
+              <a:rPr kumimoji="1" lang="zh-CN" altLang="en-US" sz="2000">
+                <a:sym typeface="+mn-ea"/>
+              </a:rPr>
+              <a:t>规则对现有</a:t>
+            </a:r>
+            <a:r>
+              <a:rPr kumimoji="1" lang="en-US" altLang="zh-CN" sz="2000">
+                <a:sym typeface="+mn-ea"/>
+              </a:rPr>
+              <a:t>token</a:t>
+            </a:r>
+            <a:r>
+              <a:rPr kumimoji="1" lang="zh-CN" altLang="en-US" sz="2400">
+                <a:sym typeface="+mn-ea"/>
+              </a:rPr>
+              <a:t>进行简单测试并输出</a:t>
+            </a:r>
+            <a:endParaRPr kumimoji="1" lang="zh-CN" altLang="en-US" sz="2400">
+              <a:sym typeface="+mn-ea"/>
+            </a:endParaRPr>
+          </a:p>
+          <a:p>
+            <a:pPr marL="0" indent="0">
+              <a:lnSpc>
+                <a:spcPct val="60000"/>
+              </a:lnSpc>
+              <a:buNone/>
+            </a:pPr>
+            <a:r>
+              <a:rPr kumimoji="1" lang="en-US" altLang="zh-CN" sz="2000">
+                <a:sym typeface="+mn-ea"/>
+              </a:rPr>
+              <a:t>	CppCheck::executeRules</a:t>
+            </a:r>
+            <a:r>
+              <a:rPr kumimoji="1" lang="zh-CN" altLang="zh-CN" sz="2000">
+                <a:sym typeface="+mn-ea"/>
+              </a:rPr>
+              <a:t>执行 </a:t>
+            </a:r>
+            <a:r>
+              <a:rPr kumimoji="1" lang="en-US" altLang="zh-CN" sz="2000">
+                <a:sym typeface="+mn-ea"/>
+              </a:rPr>
+              <a:t>simple</a:t>
+            </a:r>
+            <a:r>
+              <a:rPr kumimoji="1" lang="zh-CN" altLang="zh-CN" sz="2000">
+                <a:sym typeface="+mn-ea"/>
+              </a:rPr>
+              <a:t>规则</a:t>
+            </a:r>
+            <a:r>
+              <a:rPr kumimoji="1" lang="en-US" altLang="zh-CN" sz="2000">
+                <a:sym typeface="+mn-ea"/>
+              </a:rPr>
+              <a:t>	</a:t>
+            </a:r>
+            <a:r>
+              <a:rPr kumimoji="1" lang="en-US" altLang="zh-CN" sz="2000">
+                <a:sym typeface="+mn-ea"/>
+              </a:rPr>
+              <a:t>		</a:t>
+            </a:r>
+            <a:endParaRPr kumimoji="1" lang="en-US" altLang="zh-CN" sz="2000">
+              <a:sym typeface="+mn-ea"/>
+            </a:endParaRPr>
+          </a:p>
+          <a:p>
+            <a:pPr marL="0" indent="0">
+              <a:lnSpc>
+                <a:spcPct val="60000"/>
+              </a:lnSpc>
+              <a:buNone/>
+            </a:pPr>
+            <a:endParaRPr kumimoji="1" lang="en-US" altLang="zh-CN" sz="2000">
+              <a:sym typeface="+mn-ea"/>
+            </a:endParaRPr>
           </a:p>
         </p:txBody>
       </p:sp>

--- a/汇报/第四、五周工作汇报.pptx
+++ b/汇报/第四、五周工作汇报.pptx
@@ -5973,13 +5973,13 @@
         </p:nvSpPr>
         <p:spPr>
           <a:xfrm>
-            <a:off x="827405" y="1830070"/>
-            <a:ext cx="6339205" cy="4351655"/>
+            <a:off x="500380" y="1737360"/>
+            <a:ext cx="7238365" cy="4351655"/>
           </a:xfrm>
         </p:spPr>
         <p:txBody>
           <a:bodyPr>
-            <a:normAutofit fontScale="80000"/>
+            <a:normAutofit fontScale="90000" lnSpcReduction="10000"/>
           </a:bodyPr>
           <a:p>
             <a:pPr>
@@ -6039,6 +6039,10 @@
             </a:r>
             <a:r>
               <a:rPr lang="en-US" altLang="zh-CN"/>
+              <a:t>					</a:t>
+            </a:r>
+            <a:r>
+              <a:rPr lang="en-US" altLang="zh-CN"/>
               <a:t>#file,#line,#endfile</a:t>
             </a:r>
             <a:endParaRPr lang="en-US" altLang="zh-CN"/>
@@ -6065,6 +6069,10 @@
             <a:r>
               <a:rPr lang="zh-CN" altLang="zh-CN"/>
               <a:t>，按特殊字符分隔后使用</a:t>
+            </a:r>
+            <a:r>
+              <a:rPr lang="en-US" altLang="zh-CN"/>
+              <a:t>			</a:t>
             </a:r>
             <a:r>
               <a:rPr lang="en-US" altLang="zh-CN"/>
@@ -6124,8 +6132,8 @@
         </p:nvSpPr>
         <p:spPr>
           <a:xfrm>
-            <a:off x="7762240" y="1828800"/>
-            <a:ext cx="3801110" cy="4368165"/>
+            <a:off x="7738745" y="1720850"/>
+            <a:ext cx="4192270" cy="4368165"/>
           </a:xfrm>
           <a:prstGeom prst="rect">
             <a:avLst/>
@@ -6133,7 +6141,7 @@
         </p:spPr>
         <p:txBody>
           <a:bodyPr vert="horz" lIns="91440" tIns="45720" rIns="91440" bIns="45720" rtlCol="0">
-            <a:normAutofit lnSpcReduction="10000"/>
+            <a:noAutofit/>
           </a:bodyPr>
           <a:lstStyle>
             <a:lvl1pPr marL="228600" indent="-228600" algn="l" defTabSz="914400" rtl="0" eaLnBrk="1" latinLnBrk="0" hangingPunct="1">
@@ -6399,10 +6407,10 @@
               <a:buNone/>
             </a:pPr>
             <a:r>
-              <a:rPr lang="zh-CN" altLang="en-US" sz="2000"/>
+              <a:rPr lang="zh-CN" altLang="en-US" sz="3200"/>
               <a:t>处理结果：</a:t>
             </a:r>
-            <a:endParaRPr lang="zh-CN" altLang="en-US" sz="2000"/>
+            <a:endParaRPr lang="zh-CN" altLang="en-US" sz="3200"/>
           </a:p>
           <a:p>
             <a:pPr marL="0" indent="0">
@@ -6492,7 +6500,7 @@
               <a:rPr lang="en-US" altLang="en-US" sz="2000"/>
               <a:t>}</a:t>
             </a:r>
-            <a:endParaRPr lang="en-US" altLang="en-US"/>
+            <a:endParaRPr lang="en-US" altLang="en-US" sz="2000"/>
           </a:p>
         </p:txBody>
       </p:sp>
@@ -17783,7 +17791,7 @@
         </p:nvSpPr>
         <p:spPr>
           <a:xfrm>
-            <a:off x="838200" y="75565"/>
+            <a:off x="838200" y="232410"/>
             <a:ext cx="10515600" cy="1325563"/>
           </a:xfrm>
         </p:spPr>
@@ -17811,7 +17819,7 @@
         </p:nvSpPr>
         <p:spPr>
           <a:xfrm>
-            <a:off x="157480" y="1238250"/>
+            <a:off x="157480" y="1431290"/>
             <a:ext cx="11891645" cy="5335905"/>
           </a:xfrm>
         </p:spPr>
@@ -17823,7 +17831,7 @@
           <a:p>
             <a:pPr>
               <a:lnSpc>
-                <a:spcPct val="60000"/>
+                <a:spcPct val="70000"/>
               </a:lnSpc>
             </a:pPr>
             <a:r>
@@ -17833,19 +17841,19 @@
               <a:t>CppCheck</a:t>
             </a:r>
             <a:r>
-              <a:rPr kumimoji="1" lang="zh-CN" altLang="en-US" sz="2400">
+              <a:rPr kumimoji="1" lang="zh-CN" altLang="en-US" sz="2000">
                 <a:sym typeface="+mn-ea"/>
               </a:rPr>
               <a:t>类，处理单个文件</a:t>
             </a:r>
-            <a:endParaRPr kumimoji="1" lang="zh-CN" altLang="en-US" sz="2400">
+            <a:endParaRPr kumimoji="1" lang="zh-CN" altLang="en-US" sz="2000">
               <a:sym typeface="+mn-ea"/>
             </a:endParaRPr>
           </a:p>
           <a:p>
             <a:pPr marL="0" indent="0">
               <a:lnSpc>
-                <a:spcPct val="60000"/>
+                <a:spcPct val="70000"/>
               </a:lnSpc>
               <a:buNone/>
             </a:pPr>
@@ -17856,19 +17864,19 @@
               <a:t>	</a:t>
             </a:r>
             <a:r>
-              <a:rPr kumimoji="1" lang="zh-CN" altLang="en-US" sz="2400">
+              <a:rPr kumimoji="1" lang="zh-CN" altLang="en-US" sz="2000">
                 <a:sym typeface="+mn-ea"/>
               </a:rPr>
               <a:t>加入预定义宏</a:t>
             </a:r>
-            <a:endParaRPr kumimoji="1" lang="zh-CN" altLang="en-US" sz="2400">
+            <a:endParaRPr kumimoji="1" lang="zh-CN" altLang="en-US" sz="2000">
               <a:sym typeface="+mn-ea"/>
             </a:endParaRPr>
           </a:p>
           <a:p>
             <a:pPr marL="0" indent="0">
               <a:lnSpc>
-                <a:spcPct val="60000"/>
+                <a:spcPct val="70000"/>
               </a:lnSpc>
               <a:buNone/>
             </a:pPr>
@@ -17891,19 +17899,19 @@
               <a:t>Preprocessor</a:t>
             </a:r>
             <a:r>
-              <a:rPr kumimoji="1" lang="zh-CN" altLang="en-US" sz="2400">
+              <a:rPr kumimoji="1" lang="zh-CN" altLang="en-US" sz="2000">
                 <a:sym typeface="+mn-ea"/>
               </a:rPr>
               <a:t>预处理源文件</a:t>
             </a:r>
-            <a:endParaRPr kumimoji="1" lang="zh-CN" altLang="en-US" sz="2400">
+            <a:endParaRPr kumimoji="1" lang="zh-CN" altLang="en-US" sz="2000">
               <a:sym typeface="+mn-ea"/>
             </a:endParaRPr>
           </a:p>
           <a:p>
             <a:pPr marL="0" indent="0">
               <a:lnSpc>
-                <a:spcPct val="60000"/>
+                <a:spcPct val="70000"/>
               </a:lnSpc>
               <a:buNone/>
             </a:pPr>
@@ -17920,19 +17928,19 @@
               <a:t>在文件内容前添加文件自身信息，一同进行</a:t>
             </a:r>
             <a:r>
-              <a:rPr kumimoji="1" lang="en-US" altLang="en-US" sz="2400">
+              <a:rPr kumimoji="1" lang="en-US" altLang="en-US" sz="2000">
                 <a:sym typeface="+mn-ea"/>
               </a:rPr>
               <a:t>tokenize</a:t>
             </a:r>
-            <a:endParaRPr kumimoji="1" lang="en-US" altLang="en-US" sz="2400">
+            <a:endParaRPr kumimoji="1" lang="en-US" altLang="en-US" sz="2000">
               <a:sym typeface="+mn-ea"/>
             </a:endParaRPr>
           </a:p>
           <a:p>
             <a:pPr marL="0" indent="0">
               <a:lnSpc>
-                <a:spcPct val="60000"/>
+                <a:spcPct val="70000"/>
               </a:lnSpc>
               <a:buNone/>
             </a:pPr>
@@ -17955,372 +17963,27 @@
               <a:t>CppCheck::checkFile</a:t>
             </a:r>
             <a:r>
-              <a:rPr kumimoji="1" lang="zh-CN" altLang="en-US" sz="2400">
+              <a:rPr kumimoji="1" lang="zh-CN" altLang="en-US" sz="2000">
                 <a:sym typeface="+mn-ea"/>
               </a:rPr>
               <a:t>函数进行主要处理工作</a:t>
             </a:r>
-            <a:endParaRPr kumimoji="1" lang="zh-CN" altLang="en-US" sz="2400">
+            <a:endParaRPr kumimoji="1" lang="zh-CN" altLang="en-US" sz="2000">
               <a:sym typeface="+mn-ea"/>
             </a:endParaRPr>
           </a:p>
           <a:p>
             <a:pPr marL="0" indent="0">
               <a:lnSpc>
-                <a:spcPct val="60000"/>
+                <a:spcPct val="70000"/>
               </a:lnSpc>
               <a:buNone/>
             </a:pPr>
             <a:r>
-              <a:rPr kumimoji="1" lang="en-US" altLang="zh-CN" sz="2400">
+              <a:rPr kumimoji="1" lang="en-US" altLang="zh-CN" sz="2000">
                 <a:sym typeface="+mn-ea"/>
               </a:rPr>
               <a:t>		Tokenizer::tokenizer</a:t>
-            </a:r>
-            <a:endParaRPr kumimoji="1" lang="en-US" altLang="zh-CN" sz="2400">
-              <a:sym typeface="+mn-ea"/>
-            </a:endParaRPr>
-          </a:p>
-          <a:p>
-            <a:pPr marL="0" indent="0">
-              <a:lnSpc>
-                <a:spcPct val="60000"/>
-              </a:lnSpc>
-              <a:buNone/>
-            </a:pPr>
-            <a:r>
-              <a:rPr kumimoji="1" lang="en-US" altLang="zh-CN" sz="2400">
-                <a:sym typeface="+mn-ea"/>
-              </a:rPr>
-              <a:t>			TokenList::createTokens</a:t>
-            </a:r>
-            <a:endParaRPr kumimoji="1" lang="en-US" altLang="zh-CN" sz="2400">
-              <a:sym typeface="+mn-ea"/>
-            </a:endParaRPr>
-          </a:p>
-          <a:p>
-            <a:pPr marL="0" indent="0">
-              <a:lnSpc>
-                <a:spcPct val="60000"/>
-              </a:lnSpc>
-              <a:buNone/>
-            </a:pPr>
-            <a:r>
-              <a:rPr kumimoji="1" lang="en-US" altLang="zh-CN" sz="2400">
-                <a:sym typeface="+mn-ea"/>
-              </a:rPr>
-              <a:t>			Tokenizer::simplifyTokenList1</a:t>
-            </a:r>
-            <a:endParaRPr kumimoji="1" lang="en-US" altLang="zh-CN" sz="2400">
-              <a:sym typeface="+mn-ea"/>
-            </a:endParaRPr>
-          </a:p>
-          <a:p>
-            <a:pPr marL="0" indent="0">
-              <a:lnSpc>
-                <a:spcPct val="60000"/>
-              </a:lnSpc>
-              <a:buNone/>
-            </a:pPr>
-            <a:r>
-              <a:rPr kumimoji="1" lang="en-US" altLang="zh-CN" sz="2000">
-                <a:sym typeface="+mn-ea"/>
-              </a:rPr>
-              <a:t>			</a:t>
-            </a:r>
-            <a:r>
-              <a:rPr kumimoji="1" lang="en-US" altLang="zh-CN" sz="2000">
-                <a:sym typeface="+mn-ea"/>
-              </a:rPr>
-              <a:t>	</a:t>
-            </a:r>
-            <a:r>
-              <a:rPr kumimoji="1" lang="zh-CN" altLang="en-US" sz="2000">
-                <a:sym typeface="+mn-ea"/>
-              </a:rPr>
-              <a:t>建立</a:t>
-            </a:r>
-            <a:r>
-              <a:rPr kumimoji="1" lang="en-US" altLang="en-US" sz="2000">
-                <a:sym typeface="+mn-ea"/>
-              </a:rPr>
-              <a:t>SymbolDatabase</a:t>
-            </a:r>
-            <a:r>
-              <a:rPr kumimoji="1" lang="zh-CN" altLang="en-US" sz="2400">
-                <a:sym typeface="+mn-ea"/>
-              </a:rPr>
-              <a:t>符号库</a:t>
-            </a:r>
-            <a:endParaRPr kumimoji="1" lang="zh-CN" altLang="en-US" sz="2400">
-              <a:sym typeface="+mn-ea"/>
-            </a:endParaRPr>
-          </a:p>
-          <a:p>
-            <a:pPr marL="0" indent="0">
-              <a:lnSpc>
-                <a:spcPct val="60000"/>
-              </a:lnSpc>
-              <a:buNone/>
-            </a:pPr>
-            <a:r>
-              <a:rPr kumimoji="1" lang="en-US" altLang="zh-CN" sz="2000">
-                <a:sym typeface="+mn-ea"/>
-              </a:rPr>
-              <a:t>	</a:t>
-            </a:r>
-            <a:r>
-              <a:rPr kumimoji="1" lang="zh-CN" altLang="en-US" sz="2000">
-                <a:sym typeface="+mn-ea"/>
-              </a:rPr>
-              <a:t>建立运算符关系，将运算符操作数与运算符</a:t>
-            </a:r>
-            <a:r>
-              <a:rPr kumimoji="1" lang="en-US" altLang="zh-CN" sz="2000">
-                <a:sym typeface="+mn-ea"/>
-              </a:rPr>
-              <a:t>token</a:t>
-            </a:r>
-            <a:r>
-              <a:rPr kumimoji="1" lang="zh-CN" altLang="en-US" sz="2400">
-                <a:sym typeface="+mn-ea"/>
-              </a:rPr>
-              <a:t>链接</a:t>
-            </a:r>
-            <a:endParaRPr kumimoji="1" lang="zh-CN" altLang="en-US" sz="2400">
-              <a:sym typeface="+mn-ea"/>
-            </a:endParaRPr>
-          </a:p>
-          <a:p>
-            <a:pPr marL="0" indent="0">
-              <a:lnSpc>
-                <a:spcPct val="60000"/>
-              </a:lnSpc>
-              <a:buNone/>
-            </a:pPr>
-            <a:r>
-              <a:rPr kumimoji="1" lang="en-US" altLang="zh-CN" sz="2000">
-                <a:sym typeface="+mn-ea"/>
-              </a:rPr>
-              <a:t>	</a:t>
-            </a:r>
-            <a:r>
-              <a:rPr kumimoji="1" lang="zh-CN" altLang="zh-CN" sz="2000">
-                <a:sym typeface="+mn-ea"/>
-              </a:rPr>
-              <a:t>使用所有</a:t>
-            </a:r>
-            <a:r>
-              <a:rPr kumimoji="1" lang="en-US" altLang="zh-CN" sz="2000">
-                <a:sym typeface="+mn-ea"/>
-              </a:rPr>
-              <a:t>Check</a:t>
-            </a:r>
-            <a:r>
-              <a:rPr kumimoji="1" lang="zh-CN" altLang="zh-CN" sz="2000">
-                <a:sym typeface="+mn-ea"/>
-              </a:rPr>
-              <a:t>规则对现有的</a:t>
-            </a:r>
-            <a:r>
-              <a:rPr kumimoji="1" lang="en-US" altLang="zh-CN" sz="2000">
-                <a:sym typeface="+mn-ea"/>
-              </a:rPr>
-              <a:t>token</a:t>
-            </a:r>
-            <a:r>
-              <a:rPr kumimoji="1" lang="zh-CN" altLang="en-US" sz="2400">
-                <a:sym typeface="+mn-ea"/>
-              </a:rPr>
-              <a:t>进行测试并输出</a:t>
-            </a:r>
-            <a:endParaRPr kumimoji="1" lang="zh-CN" altLang="en-US" sz="2400">
-              <a:sym typeface="+mn-ea"/>
-            </a:endParaRPr>
-          </a:p>
-          <a:p>
-            <a:pPr marL="0" indent="0">
-              <a:lnSpc>
-                <a:spcPct val="60000"/>
-              </a:lnSpc>
-              <a:buNone/>
-            </a:pPr>
-            <a:r>
-              <a:rPr kumimoji="1" lang="en-US" altLang="zh-CN" sz="2000">
-                <a:sym typeface="+mn-ea"/>
-              </a:rPr>
-              <a:t>	CppCheck::executeRules</a:t>
-            </a:r>
-            <a:r>
-              <a:rPr kumimoji="1" lang="zh-CN" altLang="zh-CN" sz="2000">
-                <a:sym typeface="+mn-ea"/>
-              </a:rPr>
-              <a:t>执行</a:t>
-            </a:r>
-            <a:r>
-              <a:rPr kumimoji="1" lang="en-US" altLang="zh-CN" sz="2000">
-                <a:sym typeface="+mn-ea"/>
-              </a:rPr>
-              <a:t>normal</a:t>
-            </a:r>
-            <a:r>
-              <a:rPr kumimoji="1" lang="zh-CN" altLang="en-US" sz="2400">
-                <a:sym typeface="+mn-ea"/>
-              </a:rPr>
-              <a:t>规则</a:t>
-            </a:r>
-            <a:endParaRPr kumimoji="1" lang="zh-CN" altLang="en-US" sz="2400">
-              <a:sym typeface="+mn-ea"/>
-            </a:endParaRPr>
-          </a:p>
-          <a:p>
-            <a:pPr marL="0" indent="0">
-              <a:lnSpc>
-                <a:spcPct val="60000"/>
-              </a:lnSpc>
-              <a:buNone/>
-            </a:pPr>
-            <a:r>
-              <a:rPr kumimoji="1" lang="en-US" altLang="zh-CN" sz="2000">
-                <a:sym typeface="+mn-ea"/>
-              </a:rPr>
-              <a:t>	Tokenizer::simplifyTokenList2 </a:t>
-            </a:r>
-            <a:r>
-              <a:rPr kumimoji="1" lang="zh-CN" altLang="zh-CN" sz="2000">
-                <a:sym typeface="+mn-ea"/>
-              </a:rPr>
-              <a:t>重新建立</a:t>
-            </a:r>
-            <a:r>
-              <a:rPr kumimoji="1" lang="en-US" altLang="zh-CN" sz="2000">
-                <a:sym typeface="+mn-ea"/>
-              </a:rPr>
-              <a:t>SymbolDatabase</a:t>
-            </a:r>
-            <a:r>
-              <a:rPr kumimoji="1" lang="zh-CN" altLang="zh-CN" sz="2000">
-                <a:sym typeface="+mn-ea"/>
-              </a:rPr>
-              <a:t>符号库 </a:t>
-            </a:r>
-            <a:r>
-              <a:rPr kumimoji="1" lang="en-US" altLang="zh-CN" sz="2000">
-                <a:sym typeface="+mn-ea"/>
-              </a:rPr>
-              <a:t>ValueFlow::setValues</a:t>
-            </a:r>
-            <a:r>
-              <a:rPr kumimoji="1" lang="zh-CN" altLang="zh-CN" sz="2000">
-                <a:sym typeface="+mn-ea"/>
-              </a:rPr>
-              <a:t>设置</a:t>
-            </a:r>
-            <a:r>
-              <a:rPr kumimoji="1" lang="en-US" altLang="zh-CN" sz="2000">
-                <a:sym typeface="+mn-ea"/>
-              </a:rPr>
-              <a:t>token</a:t>
-            </a:r>
-            <a:r>
-              <a:rPr kumimoji="1" lang="zh-CN" altLang="en-US" sz="2400">
-                <a:sym typeface="+mn-ea"/>
-              </a:rPr>
-              <a:t>的值</a:t>
-            </a:r>
-            <a:endParaRPr kumimoji="1" lang="zh-CN" altLang="en-US" sz="2400">
-              <a:sym typeface="+mn-ea"/>
-            </a:endParaRPr>
-          </a:p>
-          <a:p>
-            <a:pPr marL="0" indent="0">
-              <a:lnSpc>
-                <a:spcPct val="60000"/>
-              </a:lnSpc>
-              <a:buNone/>
-            </a:pPr>
-            <a:r>
-              <a:rPr kumimoji="1" lang="en-US" altLang="zh-CN" sz="2000">
-                <a:sym typeface="+mn-ea"/>
-              </a:rPr>
-              <a:t>	</a:t>
-            </a:r>
-            <a:r>
-              <a:rPr kumimoji="1" lang="zh-CN" altLang="zh-CN" sz="2000">
-                <a:sym typeface="+mn-ea"/>
-              </a:rPr>
-              <a:t>使用所有</a:t>
-            </a:r>
-            <a:r>
-              <a:rPr kumimoji="1" lang="en-US" altLang="zh-CN" sz="2000">
-                <a:sym typeface="+mn-ea"/>
-              </a:rPr>
-              <a:t>Check</a:t>
-            </a:r>
-            <a:r>
-              <a:rPr kumimoji="1" lang="zh-CN" altLang="en-US" sz="2000">
-                <a:sym typeface="+mn-ea"/>
-              </a:rPr>
-              <a:t>规则对现有</a:t>
-            </a:r>
-            <a:r>
-              <a:rPr kumimoji="1" lang="en-US" altLang="zh-CN" sz="2000">
-                <a:sym typeface="+mn-ea"/>
-              </a:rPr>
-              <a:t>token</a:t>
-            </a:r>
-            <a:r>
-              <a:rPr kumimoji="1" lang="zh-CN" altLang="en-US" sz="2400">
-                <a:sym typeface="+mn-ea"/>
-              </a:rPr>
-              <a:t>进行简单测试并输出</a:t>
-            </a:r>
-            <a:endParaRPr kumimoji="1" lang="zh-CN" altLang="en-US" sz="2400">
-              <a:sym typeface="+mn-ea"/>
-            </a:endParaRPr>
-          </a:p>
-          <a:p>
-            <a:pPr marL="0" indent="0">
-              <a:lnSpc>
-                <a:spcPct val="60000"/>
-              </a:lnSpc>
-              <a:buNone/>
-            </a:pPr>
-            <a:r>
-              <a:rPr kumimoji="1" lang="en-US" altLang="zh-CN" sz="2000">
-                <a:sym typeface="+mn-ea"/>
-              </a:rPr>
-              <a:t>	CppCheck::executeRules</a:t>
-            </a:r>
-            <a:r>
-              <a:rPr kumimoji="1" lang="zh-CN" altLang="zh-CN" sz="2000">
-                <a:sym typeface="+mn-ea"/>
-              </a:rPr>
-              <a:t>执行 </a:t>
-            </a:r>
-            <a:r>
-              <a:rPr kumimoji="1" lang="en-US" altLang="zh-CN" sz="2000">
-                <a:sym typeface="+mn-ea"/>
-              </a:rPr>
-              <a:t>simple</a:t>
-            </a:r>
-            <a:r>
-              <a:rPr kumimoji="1" lang="zh-CN" altLang="zh-CN" sz="2000">
-                <a:sym typeface="+mn-ea"/>
-              </a:rPr>
-              <a:t>规则</a:t>
-            </a:r>
-            <a:r>
-              <a:rPr kumimoji="1" lang="en-US" altLang="zh-CN" sz="2000">
-                <a:sym typeface="+mn-ea"/>
-              </a:rPr>
-              <a:t>	</a:t>
-            </a:r>
-            <a:r>
-              <a:rPr kumimoji="1" lang="en-US" altLang="zh-CN" sz="2000">
-                <a:sym typeface="+mn-ea"/>
-              </a:rPr>
-              <a:t>		</a:t>
             </a:r>
             <a:endParaRPr kumimoji="1" lang="en-US" altLang="zh-CN" sz="2000">
               <a:sym typeface="+mn-ea"/>
@@ -18329,7 +17992,340 @@
           <a:p>
             <a:pPr marL="0" indent="0">
               <a:lnSpc>
-                <a:spcPct val="60000"/>
+                <a:spcPct val="70000"/>
+              </a:lnSpc>
+              <a:buNone/>
+            </a:pPr>
+            <a:r>
+              <a:rPr kumimoji="1" lang="en-US" altLang="zh-CN" sz="2000">
+                <a:sym typeface="+mn-ea"/>
+              </a:rPr>
+              <a:t>			TokenList::createTokens</a:t>
+            </a:r>
+            <a:endParaRPr kumimoji="1" lang="en-US" altLang="zh-CN" sz="2000">
+              <a:sym typeface="+mn-ea"/>
+            </a:endParaRPr>
+          </a:p>
+          <a:p>
+            <a:pPr marL="0" indent="0">
+              <a:lnSpc>
+                <a:spcPct val="70000"/>
+              </a:lnSpc>
+              <a:buNone/>
+            </a:pPr>
+            <a:r>
+              <a:rPr kumimoji="1" lang="en-US" altLang="zh-CN" sz="2000">
+                <a:sym typeface="+mn-ea"/>
+              </a:rPr>
+              <a:t>			Tokenizer::simplifyTokenList1</a:t>
+            </a:r>
+            <a:endParaRPr kumimoji="1" lang="en-US" altLang="zh-CN" sz="2000">
+              <a:sym typeface="+mn-ea"/>
+            </a:endParaRPr>
+          </a:p>
+          <a:p>
+            <a:pPr marL="0" indent="0">
+              <a:lnSpc>
+                <a:spcPct val="70000"/>
+              </a:lnSpc>
+              <a:buNone/>
+            </a:pPr>
+            <a:r>
+              <a:rPr kumimoji="1" lang="en-US" altLang="zh-CN" sz="2000">
+                <a:sym typeface="+mn-ea"/>
+              </a:rPr>
+              <a:t>				</a:t>
+            </a:r>
+            <a:r>
+              <a:rPr kumimoji="1" lang="zh-CN" altLang="en-US" sz="2000">
+                <a:sym typeface="+mn-ea"/>
+              </a:rPr>
+              <a:t>建立</a:t>
+            </a:r>
+            <a:r>
+              <a:rPr kumimoji="1" lang="en-US" altLang="en-US" sz="2000">
+                <a:sym typeface="+mn-ea"/>
+              </a:rPr>
+              <a:t>SymbolDatabase</a:t>
+            </a:r>
+            <a:r>
+              <a:rPr kumimoji="1" lang="zh-CN" altLang="en-US" sz="2000">
+                <a:sym typeface="+mn-ea"/>
+              </a:rPr>
+              <a:t>符号库</a:t>
+            </a:r>
+            <a:endParaRPr kumimoji="1" lang="zh-CN" altLang="en-US" sz="2000">
+              <a:sym typeface="+mn-ea"/>
+            </a:endParaRPr>
+          </a:p>
+          <a:p>
+            <a:pPr marL="0" indent="0">
+              <a:lnSpc>
+                <a:spcPct val="70000"/>
+              </a:lnSpc>
+              <a:buNone/>
+            </a:pPr>
+            <a:r>
+              <a:rPr kumimoji="1" lang="en-US" altLang="zh-CN" sz="2000">
+                <a:sym typeface="+mn-ea"/>
+              </a:rPr>
+              <a:t>	</a:t>
+            </a:r>
+            <a:r>
+              <a:rPr kumimoji="1" lang="zh-CN" altLang="en-US" sz="2000">
+                <a:sym typeface="+mn-ea"/>
+              </a:rPr>
+              <a:t>建立运算符关系，将运算符操作数与运算符</a:t>
+            </a:r>
+            <a:r>
+              <a:rPr kumimoji="1" lang="en-US" altLang="zh-CN" sz="2000">
+                <a:sym typeface="+mn-ea"/>
+              </a:rPr>
+              <a:t>token</a:t>
+            </a:r>
+            <a:r>
+              <a:rPr kumimoji="1" lang="zh-CN" altLang="en-US" sz="2000">
+                <a:sym typeface="+mn-ea"/>
+              </a:rPr>
+              <a:t>链接</a:t>
+            </a:r>
+            <a:endParaRPr kumimoji="1" lang="zh-CN" altLang="en-US" sz="2000">
+              <a:sym typeface="+mn-ea"/>
+            </a:endParaRPr>
+          </a:p>
+          <a:p>
+            <a:pPr marL="0" indent="0">
+              <a:lnSpc>
+                <a:spcPct val="70000"/>
+              </a:lnSpc>
+              <a:buNone/>
+            </a:pPr>
+            <a:r>
+              <a:rPr kumimoji="1" lang="en-US" altLang="zh-CN" sz="2000">
+                <a:sym typeface="+mn-ea"/>
+              </a:rPr>
+              <a:t>	</a:t>
+            </a:r>
+            <a:r>
+              <a:rPr kumimoji="1" lang="zh-CN" altLang="zh-CN" sz="2000">
+                <a:sym typeface="+mn-ea"/>
+              </a:rPr>
+              <a:t>使用所有</a:t>
+            </a:r>
+            <a:r>
+              <a:rPr kumimoji="1" lang="en-US" altLang="zh-CN" sz="2000">
+                <a:sym typeface="+mn-ea"/>
+              </a:rPr>
+              <a:t>Check</a:t>
+            </a:r>
+            <a:r>
+              <a:rPr kumimoji="1" lang="zh-CN" altLang="zh-CN" sz="2000">
+                <a:sym typeface="+mn-ea"/>
+              </a:rPr>
+              <a:t>规则对现有的</a:t>
+            </a:r>
+            <a:r>
+              <a:rPr kumimoji="1" lang="en-US" altLang="zh-CN" sz="2000">
+                <a:sym typeface="+mn-ea"/>
+              </a:rPr>
+              <a:t>token</a:t>
+            </a:r>
+            <a:r>
+              <a:rPr kumimoji="1" lang="zh-CN" altLang="en-US" sz="2000">
+                <a:sym typeface="+mn-ea"/>
+              </a:rPr>
+              <a:t>进行测试并输出</a:t>
+            </a:r>
+            <a:endParaRPr kumimoji="1" lang="zh-CN" altLang="en-US" sz="2000">
+              <a:sym typeface="+mn-ea"/>
+            </a:endParaRPr>
+          </a:p>
+          <a:p>
+            <a:pPr marL="0" indent="0">
+              <a:lnSpc>
+                <a:spcPct val="70000"/>
+              </a:lnSpc>
+              <a:buNone/>
+            </a:pPr>
+            <a:r>
+              <a:rPr kumimoji="1" lang="en-US" altLang="zh-CN" sz="2000">
+                <a:sym typeface="+mn-ea"/>
+              </a:rPr>
+              <a:t>	CppCheck::executeRules</a:t>
+            </a:r>
+            <a:r>
+              <a:rPr kumimoji="1" lang="zh-CN" altLang="zh-CN" sz="2000">
+                <a:sym typeface="+mn-ea"/>
+              </a:rPr>
+              <a:t>执行</a:t>
+            </a:r>
+            <a:r>
+              <a:rPr kumimoji="1" lang="en-US" altLang="zh-CN" sz="2000">
+                <a:sym typeface="+mn-ea"/>
+              </a:rPr>
+              <a:t>normal</a:t>
+            </a:r>
+            <a:r>
+              <a:rPr kumimoji="1" lang="zh-CN" altLang="en-US" sz="2000">
+                <a:sym typeface="+mn-ea"/>
+              </a:rPr>
+              <a:t>规则</a:t>
+            </a:r>
+            <a:endParaRPr kumimoji="1" lang="zh-CN" altLang="en-US" sz="2000">
+              <a:sym typeface="+mn-ea"/>
+            </a:endParaRPr>
+          </a:p>
+          <a:p>
+            <a:pPr marL="0" indent="0">
+              <a:lnSpc>
+                <a:spcPct val="70000"/>
+              </a:lnSpc>
+              <a:buNone/>
+            </a:pPr>
+            <a:r>
+              <a:rPr kumimoji="1" lang="en-US" altLang="zh-CN" sz="2000">
+                <a:sym typeface="+mn-ea"/>
+              </a:rPr>
+              <a:t>	Tokenizer::simplifyTokenList2 </a:t>
+            </a:r>
+            <a:r>
+              <a:rPr kumimoji="1" lang="zh-CN" altLang="zh-CN" sz="2000">
+                <a:sym typeface="+mn-ea"/>
+              </a:rPr>
+              <a:t>重新建立</a:t>
+            </a:r>
+            <a:r>
+              <a:rPr kumimoji="1" lang="en-US" altLang="zh-CN" sz="2000">
+                <a:sym typeface="+mn-ea"/>
+              </a:rPr>
+              <a:t>SymbolDatabase</a:t>
+            </a:r>
+            <a:r>
+              <a:rPr kumimoji="1" lang="zh-CN" altLang="zh-CN" sz="2000">
+                <a:sym typeface="+mn-ea"/>
+              </a:rPr>
+              <a:t>符号库 </a:t>
+            </a:r>
+            <a:r>
+              <a:rPr kumimoji="1" lang="en-US" altLang="zh-CN" sz="2000">
+                <a:sym typeface="+mn-ea"/>
+              </a:rPr>
+              <a:t>ValueFlow::setValues</a:t>
+            </a:r>
+            <a:r>
+              <a:rPr kumimoji="1" lang="zh-CN" altLang="zh-CN" sz="2000">
+                <a:sym typeface="+mn-ea"/>
+              </a:rPr>
+              <a:t>设置</a:t>
+            </a:r>
+            <a:r>
+              <a:rPr kumimoji="1" lang="en-US" altLang="zh-CN" sz="2000">
+                <a:sym typeface="+mn-ea"/>
+              </a:rPr>
+              <a:t>token</a:t>
+            </a:r>
+            <a:r>
+              <a:rPr kumimoji="1" lang="zh-CN" altLang="en-US" sz="2000">
+                <a:sym typeface="+mn-ea"/>
+              </a:rPr>
+              <a:t>的值</a:t>
+            </a:r>
+            <a:endParaRPr kumimoji="1" lang="zh-CN" altLang="en-US" sz="2000">
+              <a:sym typeface="+mn-ea"/>
+            </a:endParaRPr>
+          </a:p>
+          <a:p>
+            <a:pPr marL="0" indent="0">
+              <a:lnSpc>
+                <a:spcPct val="70000"/>
+              </a:lnSpc>
+              <a:buNone/>
+            </a:pPr>
+            <a:r>
+              <a:rPr kumimoji="1" lang="en-US" altLang="zh-CN" sz="2000">
+                <a:sym typeface="+mn-ea"/>
+              </a:rPr>
+              <a:t>	</a:t>
+            </a:r>
+            <a:r>
+              <a:rPr kumimoji="1" lang="zh-CN" altLang="zh-CN" sz="2000">
+                <a:sym typeface="+mn-ea"/>
+              </a:rPr>
+              <a:t>使用所有</a:t>
+            </a:r>
+            <a:r>
+              <a:rPr kumimoji="1" lang="en-US" altLang="zh-CN" sz="2000">
+                <a:sym typeface="+mn-ea"/>
+              </a:rPr>
+              <a:t>Check</a:t>
+            </a:r>
+            <a:r>
+              <a:rPr kumimoji="1" lang="zh-CN" altLang="en-US" sz="2000">
+                <a:sym typeface="+mn-ea"/>
+              </a:rPr>
+              <a:t>规则对现有</a:t>
+            </a:r>
+            <a:r>
+              <a:rPr kumimoji="1" lang="en-US" altLang="zh-CN" sz="2000">
+                <a:sym typeface="+mn-ea"/>
+              </a:rPr>
+              <a:t>token</a:t>
+            </a:r>
+            <a:r>
+              <a:rPr kumimoji="1" lang="zh-CN" altLang="en-US" sz="2000">
+                <a:sym typeface="+mn-ea"/>
+              </a:rPr>
+              <a:t>进行简单测试并输出</a:t>
+            </a:r>
+            <a:endParaRPr kumimoji="1" lang="zh-CN" altLang="en-US" sz="2000">
+              <a:sym typeface="+mn-ea"/>
+            </a:endParaRPr>
+          </a:p>
+          <a:p>
+            <a:pPr marL="0" indent="0">
+              <a:lnSpc>
+                <a:spcPct val="70000"/>
+              </a:lnSpc>
+              <a:buNone/>
+            </a:pPr>
+            <a:r>
+              <a:rPr kumimoji="1" lang="en-US" altLang="zh-CN" sz="2000">
+                <a:sym typeface="+mn-ea"/>
+              </a:rPr>
+              <a:t>	CppCheck::executeRules</a:t>
+            </a:r>
+            <a:r>
+              <a:rPr kumimoji="1" lang="zh-CN" altLang="zh-CN" sz="2000">
+                <a:sym typeface="+mn-ea"/>
+              </a:rPr>
+              <a:t>执行 </a:t>
+            </a:r>
+            <a:r>
+              <a:rPr kumimoji="1" lang="en-US" altLang="zh-CN" sz="2000">
+                <a:sym typeface="+mn-ea"/>
+              </a:rPr>
+              <a:t>simple</a:t>
+            </a:r>
+            <a:r>
+              <a:rPr kumimoji="1" lang="zh-CN" altLang="zh-CN" sz="2000">
+                <a:sym typeface="+mn-ea"/>
+              </a:rPr>
+              <a:t>规则</a:t>
+            </a:r>
+            <a:r>
+              <a:rPr kumimoji="1" lang="en-US" altLang="zh-CN" sz="2000">
+                <a:sym typeface="+mn-ea"/>
+              </a:rPr>
+              <a:t>			</a:t>
+            </a:r>
+            <a:endParaRPr kumimoji="1" lang="en-US" altLang="zh-CN" sz="2000">
+              <a:sym typeface="+mn-ea"/>
+            </a:endParaRPr>
+          </a:p>
+          <a:p>
+            <a:pPr marL="0" indent="0">
+              <a:lnSpc>
+                <a:spcPct val="70000"/>
               </a:lnSpc>
               <a:buNone/>
             </a:pPr>
